--- a/课件/地理/七下/美洲6.3-1/6.3美洲（第一课时）课件.pptx
+++ b/课件/地理/七下/美洲6.3-1/6.3美洲（第一课时）课件.pptx
@@ -127,6 +127,22 @@
       </a:defRPr>
     </a:lvl9pPr>
   </p:defaultTextStyle>
+  <p:extLst>
+    <p:ext uri="{EFAFB233-063F-42B5-8137-9DF3F51BA10A}">
+      <p15:sldGuideLst xmlns:p15="http://schemas.microsoft.com/office/powerpoint/2012/main">
+        <p15:guide id="1" orient="horz" pos="2160">
+          <p15:clr>
+            <a:srgbClr val="A4A3A4"/>
+          </p15:clr>
+        </p15:guide>
+        <p15:guide id="2" pos="2880">
+          <p15:clr>
+            <a:srgbClr val="A4A3A4"/>
+          </p15:clr>
+        </p15:guide>
+      </p15:sldGuideLst>
+    </p:ext>
+  </p:extLst>
 </p:presentation>
 </file>
 
@@ -212,7 +228,7 @@
           <a:p>
             <a:fld id="{29DAD999-C0DC-40B4-9274-49CADCA5D60F}" type="datetimeFigureOut">
               <a:rPr lang="zh-CN" altLang="en-US" smtClean="0"/>
-              <a:t>2020\2\3 Monday</a:t>
+              <a:t>2020/3/6</a:t>
             </a:fld>
             <a:endParaRPr lang="zh-CN" altLang="en-US"/>
           </a:p>
@@ -276,38 +292,37 @@
           <a:p>
             <a:pPr lvl="0"/>
             <a:r>
-              <a:rPr lang="zh-CN" altLang="en-US" smtClean="0"/>
+              <a:rPr lang="zh-CN" altLang="en-US"/>
               <a:t>单击此处编辑母版文本样式</a:t>
             </a:r>
           </a:p>
           <a:p>
             <a:pPr lvl="1"/>
             <a:r>
-              <a:rPr lang="zh-CN" altLang="en-US" smtClean="0"/>
+              <a:rPr lang="zh-CN" altLang="en-US"/>
               <a:t>第二级</a:t>
             </a:r>
           </a:p>
           <a:p>
             <a:pPr lvl="2"/>
             <a:r>
-              <a:rPr lang="zh-CN" altLang="en-US" smtClean="0"/>
+              <a:rPr lang="zh-CN" altLang="en-US"/>
               <a:t>第三级</a:t>
             </a:r>
           </a:p>
           <a:p>
             <a:pPr lvl="3"/>
             <a:r>
-              <a:rPr lang="zh-CN" altLang="en-US" smtClean="0"/>
+              <a:rPr lang="zh-CN" altLang="en-US"/>
               <a:t>第四级</a:t>
             </a:r>
           </a:p>
           <a:p>
             <a:pPr lvl="4"/>
             <a:r>
-              <a:rPr lang="zh-CN" altLang="en-US" smtClean="0"/>
+              <a:rPr lang="zh-CN" altLang="en-US"/>
               <a:t>第五级</a:t>
             </a:r>
-            <a:endParaRPr lang="zh-CN" altLang="en-US"/>
           </a:p>
         </p:txBody>
       </p:sp>
@@ -568,7 +583,7 @@
           </a:bodyPr>
           <a:lstStyle/>
           <a:p>
-            <a:endParaRPr lang="zh-CN" altLang="en-US" smtClean="0"/>
+            <a:endParaRPr lang="zh-CN" altLang="en-US"/>
           </a:p>
         </p:txBody>
       </p:sp>
@@ -782,10 +797,9 @@
           <a:lstStyle/>
           <a:p>
             <a:r>
-              <a:rPr lang="zh-CN" altLang="en-US" smtClean="0"/>
+              <a:rPr lang="zh-CN" altLang="en-US"/>
               <a:t>单击此处编辑母版标题样式</a:t>
             </a:r>
-            <a:endParaRPr lang="zh-CN" altLang="en-US"/>
           </a:p>
         </p:txBody>
       </p:sp>
@@ -901,10 +915,9 @@
           </a:lstStyle>
           <a:p>
             <a:r>
-              <a:rPr lang="zh-CN" altLang="en-US" smtClean="0"/>
+              <a:rPr lang="zh-CN" altLang="en-US"/>
               <a:t>单击此处编辑母版副标题样式</a:t>
             </a:r>
-            <a:endParaRPr lang="zh-CN" altLang="en-US"/>
           </a:p>
         </p:txBody>
       </p:sp>
@@ -925,7 +938,7 @@
           <a:p>
             <a:fld id="{530820CF-B880-4189-942D-D702A7CBA730}" type="datetimeFigureOut">
               <a:rPr lang="zh-CN" altLang="en-US" smtClean="0"/>
-              <a:t>2020\2\3 Monday</a:t>
+              <a:t>2020/3/6</a:t>
             </a:fld>
             <a:endParaRPr lang="zh-CN" altLang="en-US"/>
           </a:p>
@@ -1014,10 +1027,9 @@
           <a:lstStyle/>
           <a:p>
             <a:r>
-              <a:rPr lang="zh-CN" altLang="en-US" smtClean="0"/>
+              <a:rPr lang="zh-CN" altLang="en-US"/>
               <a:t>单击此处编辑母版标题样式</a:t>
             </a:r>
-            <a:endParaRPr lang="zh-CN" altLang="en-US"/>
           </a:p>
         </p:txBody>
       </p:sp>
@@ -1038,38 +1050,37 @@
           <a:p>
             <a:pPr lvl="0"/>
             <a:r>
-              <a:rPr lang="zh-CN" altLang="en-US" smtClean="0"/>
+              <a:rPr lang="zh-CN" altLang="en-US"/>
               <a:t>单击此处编辑母版文本样式</a:t>
             </a:r>
           </a:p>
           <a:p>
             <a:pPr lvl="1"/>
             <a:r>
-              <a:rPr lang="zh-CN" altLang="en-US" smtClean="0"/>
+              <a:rPr lang="zh-CN" altLang="en-US"/>
               <a:t>第二级</a:t>
             </a:r>
           </a:p>
           <a:p>
             <a:pPr lvl="2"/>
             <a:r>
-              <a:rPr lang="zh-CN" altLang="en-US" smtClean="0"/>
+              <a:rPr lang="zh-CN" altLang="en-US"/>
               <a:t>第三级</a:t>
             </a:r>
           </a:p>
           <a:p>
             <a:pPr lvl="3"/>
             <a:r>
-              <a:rPr lang="zh-CN" altLang="en-US" smtClean="0"/>
+              <a:rPr lang="zh-CN" altLang="en-US"/>
               <a:t>第四级</a:t>
             </a:r>
           </a:p>
           <a:p>
             <a:pPr lvl="4"/>
             <a:r>
-              <a:rPr lang="zh-CN" altLang="en-US" smtClean="0"/>
+              <a:rPr lang="zh-CN" altLang="en-US"/>
               <a:t>第五级</a:t>
             </a:r>
-            <a:endParaRPr lang="zh-CN" altLang="en-US"/>
           </a:p>
         </p:txBody>
       </p:sp>
@@ -1090,7 +1101,7 @@
           <a:p>
             <a:fld id="{530820CF-B880-4189-942D-D702A7CBA730}" type="datetimeFigureOut">
               <a:rPr lang="zh-CN" altLang="en-US" smtClean="0"/>
-              <a:t>2020\2\3 Monday</a:t>
+              <a:t>2020/3/6</a:t>
             </a:fld>
             <a:endParaRPr lang="zh-CN" altLang="en-US"/>
           </a:p>
@@ -1184,10 +1195,9 @@
           <a:lstStyle/>
           <a:p>
             <a:r>
-              <a:rPr lang="zh-CN" altLang="en-US" smtClean="0"/>
+              <a:rPr lang="zh-CN" altLang="en-US"/>
               <a:t>单击此处编辑母版标题样式</a:t>
             </a:r>
-            <a:endParaRPr lang="zh-CN" altLang="en-US"/>
           </a:p>
         </p:txBody>
       </p:sp>
@@ -1213,38 +1223,37 @@
           <a:p>
             <a:pPr lvl="0"/>
             <a:r>
-              <a:rPr lang="zh-CN" altLang="en-US" smtClean="0"/>
+              <a:rPr lang="zh-CN" altLang="en-US"/>
               <a:t>单击此处编辑母版文本样式</a:t>
             </a:r>
           </a:p>
           <a:p>
             <a:pPr lvl="1"/>
             <a:r>
-              <a:rPr lang="zh-CN" altLang="en-US" smtClean="0"/>
+              <a:rPr lang="zh-CN" altLang="en-US"/>
               <a:t>第二级</a:t>
             </a:r>
           </a:p>
           <a:p>
             <a:pPr lvl="2"/>
             <a:r>
-              <a:rPr lang="zh-CN" altLang="en-US" smtClean="0"/>
+              <a:rPr lang="zh-CN" altLang="en-US"/>
               <a:t>第三级</a:t>
             </a:r>
           </a:p>
           <a:p>
             <a:pPr lvl="3"/>
             <a:r>
-              <a:rPr lang="zh-CN" altLang="en-US" smtClean="0"/>
+              <a:rPr lang="zh-CN" altLang="en-US"/>
               <a:t>第四级</a:t>
             </a:r>
           </a:p>
           <a:p>
             <a:pPr lvl="4"/>
             <a:r>
-              <a:rPr lang="zh-CN" altLang="en-US" smtClean="0"/>
+              <a:rPr lang="zh-CN" altLang="en-US"/>
               <a:t>第五级</a:t>
             </a:r>
-            <a:endParaRPr lang="zh-CN" altLang="en-US"/>
           </a:p>
         </p:txBody>
       </p:sp>
@@ -1265,7 +1274,7 @@
           <a:p>
             <a:fld id="{530820CF-B880-4189-942D-D702A7CBA730}" type="datetimeFigureOut">
               <a:rPr lang="zh-CN" altLang="en-US" smtClean="0"/>
-              <a:t>2020\2\3 Monday</a:t>
+              <a:t>2020/3/6</a:t>
             </a:fld>
             <a:endParaRPr lang="zh-CN" altLang="en-US"/>
           </a:p>
@@ -1564,7 +1573,7 @@
           </a:lstStyle>
           <a:p>
             <a:r>
-              <a:rPr lang="zh-CN" altLang="en-US" smtClean="0"/>
+              <a:rPr lang="zh-CN" altLang="en-US"/>
               <a:t>单击此处编辑母版副标题样式</a:t>
             </a:r>
             <a:endParaRPr lang="en-US" dirty="0"/>
@@ -1596,7 +1605,7 @@
           </a:lstStyle>
           <a:p>
             <a:r>
-              <a:rPr lang="zh-CN" altLang="en-US" smtClean="0"/>
+              <a:rPr lang="zh-CN" altLang="en-US"/>
               <a:t>单击此处编辑母版标题样式</a:t>
             </a:r>
             <a:endParaRPr lang="en-US" dirty="0"/>
@@ -1638,7 +1647,7 @@
               <a:pPr>
                 <a:defRPr/>
               </a:pPr>
-              <a:t>2/3/2020</a:t>
+              <a:t>3/6/2020</a:t>
             </a:fld>
             <a:endParaRPr lang="en-US">
               <a:solidFill>
@@ -1766,35 +1775,35 @@
           <a:p>
             <a:pPr lvl="0"/>
             <a:r>
-              <a:rPr lang="zh-CN" altLang="en-US" smtClean="0"/>
+              <a:rPr lang="zh-CN" altLang="en-US"/>
               <a:t>单击此处编辑母版文本样式</a:t>
             </a:r>
           </a:p>
           <a:p>
             <a:pPr lvl="1"/>
             <a:r>
-              <a:rPr lang="zh-CN" altLang="en-US" smtClean="0"/>
+              <a:rPr lang="zh-CN" altLang="en-US"/>
               <a:t>第二级</a:t>
             </a:r>
           </a:p>
           <a:p>
             <a:pPr lvl="2"/>
             <a:r>
-              <a:rPr lang="zh-CN" altLang="en-US" smtClean="0"/>
+              <a:rPr lang="zh-CN" altLang="en-US"/>
               <a:t>第三级</a:t>
             </a:r>
           </a:p>
           <a:p>
             <a:pPr lvl="3"/>
             <a:r>
-              <a:rPr lang="zh-CN" altLang="en-US" smtClean="0"/>
+              <a:rPr lang="zh-CN" altLang="en-US"/>
               <a:t>第四级</a:t>
             </a:r>
           </a:p>
           <a:p>
             <a:pPr lvl="4"/>
             <a:r>
-              <a:rPr lang="zh-CN" altLang="en-US" smtClean="0"/>
+              <a:rPr lang="zh-CN" altLang="en-US"/>
               <a:t>第五级</a:t>
             </a:r>
             <a:endParaRPr lang="en-US" dirty="0"/>
@@ -1817,7 +1826,7 @@
           <a:lstStyle/>
           <a:p>
             <a:r>
-              <a:rPr lang="zh-CN" altLang="en-US" smtClean="0"/>
+              <a:rPr lang="zh-CN" altLang="en-US"/>
               <a:t>单击此处编辑母版标题样式</a:t>
             </a:r>
             <a:endParaRPr lang="en-US"/>
@@ -2184,7 +2193,7 @@
           <a:p>
             <a:pPr lvl="0"/>
             <a:r>
-              <a:rPr lang="zh-CN" altLang="en-US" smtClean="0"/>
+              <a:rPr lang="zh-CN" altLang="en-US"/>
               <a:t>单击此处编辑母版文本样式</a:t>
             </a:r>
           </a:p>
@@ -2215,7 +2224,7 @@
           </a:lstStyle>
           <a:p>
             <a:r>
-              <a:rPr lang="zh-CN" altLang="en-US" smtClean="0"/>
+              <a:rPr lang="zh-CN" altLang="en-US"/>
               <a:t>单击此处编辑母版标题样式</a:t>
             </a:r>
             <a:endParaRPr lang="en-US" dirty="0"/>
@@ -2407,35 +2416,35 @@
           <a:p>
             <a:pPr lvl="0"/>
             <a:r>
-              <a:rPr lang="zh-CN" altLang="en-US" smtClean="0"/>
+              <a:rPr lang="zh-CN" altLang="en-US"/>
               <a:t>单击此处编辑母版文本样式</a:t>
             </a:r>
           </a:p>
           <a:p>
             <a:pPr lvl="1"/>
             <a:r>
-              <a:rPr lang="zh-CN" altLang="en-US" smtClean="0"/>
+              <a:rPr lang="zh-CN" altLang="en-US"/>
               <a:t>第二级</a:t>
             </a:r>
           </a:p>
           <a:p>
             <a:pPr lvl="2"/>
             <a:r>
-              <a:rPr lang="zh-CN" altLang="en-US" smtClean="0"/>
+              <a:rPr lang="zh-CN" altLang="en-US"/>
               <a:t>第三级</a:t>
             </a:r>
           </a:p>
           <a:p>
             <a:pPr lvl="3"/>
             <a:r>
-              <a:rPr lang="zh-CN" altLang="en-US" smtClean="0"/>
+              <a:rPr lang="zh-CN" altLang="en-US"/>
               <a:t>第四级</a:t>
             </a:r>
           </a:p>
           <a:p>
             <a:pPr lvl="4"/>
             <a:r>
-              <a:rPr lang="zh-CN" altLang="en-US" smtClean="0"/>
+              <a:rPr lang="zh-CN" altLang="en-US"/>
               <a:t>第五级</a:t>
             </a:r>
             <a:endParaRPr lang="en-US" dirty="0"/>
@@ -2492,35 +2501,35 @@
           <a:p>
             <a:pPr lvl="0"/>
             <a:r>
-              <a:rPr lang="zh-CN" altLang="en-US" smtClean="0"/>
+              <a:rPr lang="zh-CN" altLang="en-US"/>
               <a:t>单击此处编辑母版文本样式</a:t>
             </a:r>
           </a:p>
           <a:p>
             <a:pPr lvl="1"/>
             <a:r>
-              <a:rPr lang="zh-CN" altLang="en-US" smtClean="0"/>
+              <a:rPr lang="zh-CN" altLang="en-US"/>
               <a:t>第二级</a:t>
             </a:r>
           </a:p>
           <a:p>
             <a:pPr lvl="2"/>
             <a:r>
-              <a:rPr lang="zh-CN" altLang="en-US" smtClean="0"/>
+              <a:rPr lang="zh-CN" altLang="en-US"/>
               <a:t>第三级</a:t>
             </a:r>
           </a:p>
           <a:p>
             <a:pPr lvl="3"/>
             <a:r>
-              <a:rPr lang="zh-CN" altLang="en-US" smtClean="0"/>
+              <a:rPr lang="zh-CN" altLang="en-US"/>
               <a:t>第四级</a:t>
             </a:r>
           </a:p>
           <a:p>
             <a:pPr lvl="4"/>
             <a:r>
-              <a:rPr lang="zh-CN" altLang="en-US" smtClean="0"/>
+              <a:rPr lang="zh-CN" altLang="en-US"/>
               <a:t>第五级</a:t>
             </a:r>
             <a:endParaRPr lang="en-US" dirty="0"/>
@@ -2543,7 +2552,7 @@
           <a:lstStyle/>
           <a:p>
             <a:r>
-              <a:rPr lang="zh-CN" altLang="en-US" smtClean="0"/>
+              <a:rPr lang="zh-CN" altLang="en-US"/>
               <a:t>单击此处编辑母版标题样式</a:t>
             </a:r>
             <a:endParaRPr lang="en-US"/>
@@ -2746,7 +2755,7 @@
           <a:p>
             <a:pPr lvl="0"/>
             <a:r>
-              <a:rPr lang="zh-CN" altLang="en-US" smtClean="0"/>
+              <a:rPr lang="zh-CN" altLang="en-US"/>
               <a:t>单击此处编辑母版文本样式</a:t>
             </a:r>
           </a:p>
@@ -2802,35 +2811,35 @@
           <a:p>
             <a:pPr lvl="0"/>
             <a:r>
-              <a:rPr lang="zh-CN" altLang="en-US" smtClean="0"/>
+              <a:rPr lang="zh-CN" altLang="en-US"/>
               <a:t>单击此处编辑母版文本样式</a:t>
             </a:r>
           </a:p>
           <a:p>
             <a:pPr lvl="1"/>
             <a:r>
-              <a:rPr lang="zh-CN" altLang="en-US" smtClean="0"/>
+              <a:rPr lang="zh-CN" altLang="en-US"/>
               <a:t>第二级</a:t>
             </a:r>
           </a:p>
           <a:p>
             <a:pPr lvl="2"/>
             <a:r>
-              <a:rPr lang="zh-CN" altLang="en-US" smtClean="0"/>
+              <a:rPr lang="zh-CN" altLang="en-US"/>
               <a:t>第三级</a:t>
             </a:r>
           </a:p>
           <a:p>
             <a:pPr lvl="3"/>
             <a:r>
-              <a:rPr lang="zh-CN" altLang="en-US" smtClean="0"/>
+              <a:rPr lang="zh-CN" altLang="en-US"/>
               <a:t>第四级</a:t>
             </a:r>
           </a:p>
           <a:p>
             <a:pPr lvl="4"/>
             <a:r>
-              <a:rPr lang="zh-CN" altLang="en-US" smtClean="0"/>
+              <a:rPr lang="zh-CN" altLang="en-US"/>
               <a:t>第五级</a:t>
             </a:r>
             <a:endParaRPr lang="en-US" dirty="0"/>
@@ -2900,7 +2909,7 @@
           <a:p>
             <a:pPr lvl="0"/>
             <a:r>
-              <a:rPr lang="zh-CN" altLang="en-US" smtClean="0"/>
+              <a:rPr lang="zh-CN" altLang="en-US"/>
               <a:t>单击此处编辑母版文本样式</a:t>
             </a:r>
           </a:p>
@@ -2956,35 +2965,35 @@
           <a:p>
             <a:pPr lvl="0"/>
             <a:r>
-              <a:rPr lang="zh-CN" altLang="en-US" smtClean="0"/>
+              <a:rPr lang="zh-CN" altLang="en-US"/>
               <a:t>单击此处编辑母版文本样式</a:t>
             </a:r>
           </a:p>
           <a:p>
             <a:pPr lvl="1"/>
             <a:r>
-              <a:rPr lang="zh-CN" altLang="en-US" smtClean="0"/>
+              <a:rPr lang="zh-CN" altLang="en-US"/>
               <a:t>第二级</a:t>
             </a:r>
           </a:p>
           <a:p>
             <a:pPr lvl="2"/>
             <a:r>
-              <a:rPr lang="zh-CN" altLang="en-US" smtClean="0"/>
+              <a:rPr lang="zh-CN" altLang="en-US"/>
               <a:t>第三级</a:t>
             </a:r>
           </a:p>
           <a:p>
             <a:pPr lvl="3"/>
             <a:r>
-              <a:rPr lang="zh-CN" altLang="en-US" smtClean="0"/>
+              <a:rPr lang="zh-CN" altLang="en-US"/>
               <a:t>第四级</a:t>
             </a:r>
           </a:p>
           <a:p>
             <a:pPr lvl="4"/>
             <a:r>
-              <a:rPr lang="zh-CN" altLang="en-US" smtClean="0"/>
+              <a:rPr lang="zh-CN" altLang="en-US"/>
               <a:t>第五级</a:t>
             </a:r>
             <a:endParaRPr lang="en-US" dirty="0"/>
@@ -3007,7 +3016,7 @@
           <a:lstStyle/>
           <a:p>
             <a:r>
-              <a:rPr lang="zh-CN" altLang="en-US" smtClean="0"/>
+              <a:rPr lang="zh-CN" altLang="en-US"/>
               <a:t>单击此处编辑母版标题样式</a:t>
             </a:r>
             <a:endParaRPr lang="en-US"/>
@@ -3163,7 +3172,7 @@
           <a:lstStyle/>
           <a:p>
             <a:r>
-              <a:rPr lang="zh-CN" altLang="en-US" smtClean="0"/>
+              <a:rPr lang="zh-CN" altLang="en-US"/>
               <a:t>单击此处编辑母版标题样式</a:t>
             </a:r>
             <a:endParaRPr lang="en-US"/>
@@ -3392,7 +3401,7 @@
               <a:pPr>
                 <a:defRPr/>
               </a:pPr>
-              <a:t>2/3/2020</a:t>
+              <a:t>3/6/2020</a:t>
             </a:fld>
             <a:endParaRPr lang="en-US">
               <a:solidFill>
@@ -3729,35 +3738,35 @@
           <a:p>
             <a:pPr lvl="0"/>
             <a:r>
-              <a:rPr lang="zh-CN" altLang="en-US" smtClean="0"/>
+              <a:rPr lang="zh-CN" altLang="en-US"/>
               <a:t>单击此处编辑母版文本样式</a:t>
             </a:r>
           </a:p>
           <a:p>
             <a:pPr lvl="1"/>
             <a:r>
-              <a:rPr lang="zh-CN" altLang="en-US" smtClean="0"/>
+              <a:rPr lang="zh-CN" altLang="en-US"/>
               <a:t>第二级</a:t>
             </a:r>
           </a:p>
           <a:p>
             <a:pPr lvl="2"/>
             <a:r>
-              <a:rPr lang="zh-CN" altLang="en-US" smtClean="0"/>
+              <a:rPr lang="zh-CN" altLang="en-US"/>
               <a:t>第三级</a:t>
             </a:r>
           </a:p>
           <a:p>
             <a:pPr lvl="3"/>
             <a:r>
-              <a:rPr lang="zh-CN" altLang="en-US" smtClean="0"/>
+              <a:rPr lang="zh-CN" altLang="en-US"/>
               <a:t>第四级</a:t>
             </a:r>
           </a:p>
           <a:p>
             <a:pPr lvl="4"/>
             <a:r>
-              <a:rPr lang="zh-CN" altLang="en-US" smtClean="0"/>
+              <a:rPr lang="zh-CN" altLang="en-US"/>
               <a:t>第五级</a:t>
             </a:r>
             <a:endParaRPr lang="en-US"/>
@@ -3827,7 +3836,7 @@
           <a:p>
             <a:pPr lvl="0"/>
             <a:r>
-              <a:rPr lang="zh-CN" altLang="en-US" smtClean="0"/>
+              <a:rPr lang="zh-CN" altLang="en-US"/>
               <a:t>单击此处编辑母版文本样式</a:t>
             </a:r>
           </a:p>
@@ -3858,7 +3867,7 @@
           </a:lstStyle>
           <a:p>
             <a:r>
-              <a:rPr lang="zh-CN" altLang="en-US" smtClean="0"/>
+              <a:rPr lang="zh-CN" altLang="en-US"/>
               <a:t>单击此处编辑母版标题样式</a:t>
             </a:r>
             <a:endParaRPr lang="en-US" dirty="0"/>
@@ -4008,10 +4017,9 @@
           <a:lstStyle/>
           <a:p>
             <a:r>
-              <a:rPr lang="zh-CN" altLang="en-US" smtClean="0"/>
+              <a:rPr lang="zh-CN" altLang="en-US"/>
               <a:t>单击此处编辑母版标题样式</a:t>
             </a:r>
-            <a:endParaRPr lang="zh-CN" altLang="en-US"/>
           </a:p>
         </p:txBody>
       </p:sp>
@@ -4032,38 +4040,37 @@
           <a:p>
             <a:pPr lvl="0"/>
             <a:r>
-              <a:rPr lang="zh-CN" altLang="en-US" smtClean="0"/>
+              <a:rPr lang="zh-CN" altLang="en-US"/>
               <a:t>单击此处编辑母版文本样式</a:t>
             </a:r>
           </a:p>
           <a:p>
             <a:pPr lvl="1"/>
             <a:r>
-              <a:rPr lang="zh-CN" altLang="en-US" smtClean="0"/>
+              <a:rPr lang="zh-CN" altLang="en-US"/>
               <a:t>第二级</a:t>
             </a:r>
           </a:p>
           <a:p>
             <a:pPr lvl="2"/>
             <a:r>
-              <a:rPr lang="zh-CN" altLang="en-US" smtClean="0"/>
+              <a:rPr lang="zh-CN" altLang="en-US"/>
               <a:t>第三级</a:t>
             </a:r>
           </a:p>
           <a:p>
             <a:pPr lvl="3"/>
             <a:r>
-              <a:rPr lang="zh-CN" altLang="en-US" smtClean="0"/>
+              <a:rPr lang="zh-CN" altLang="en-US"/>
               <a:t>第四级</a:t>
             </a:r>
           </a:p>
           <a:p>
             <a:pPr lvl="4"/>
             <a:r>
-              <a:rPr lang="zh-CN" altLang="en-US" smtClean="0"/>
+              <a:rPr lang="zh-CN" altLang="en-US"/>
               <a:t>第五级</a:t>
             </a:r>
-            <a:endParaRPr lang="zh-CN" altLang="en-US"/>
           </a:p>
         </p:txBody>
       </p:sp>
@@ -4084,7 +4091,7 @@
           <a:p>
             <a:fld id="{530820CF-B880-4189-942D-D702A7CBA730}" type="datetimeFigureOut">
               <a:rPr lang="zh-CN" altLang="en-US" smtClean="0"/>
-              <a:t>2020\2\3 Monday</a:t>
+              <a:t>2020/3/6</a:t>
             </a:fld>
             <a:endParaRPr lang="zh-CN" altLang="en-US"/>
           </a:p>
@@ -4334,7 +4341,7 @@
           <a:p>
             <a:pPr lvl="0"/>
             <a:r>
-              <a:rPr lang="zh-CN" altLang="en-US" noProof="0" smtClean="0"/>
+              <a:rPr lang="zh-CN" altLang="en-US" noProof="0"/>
               <a:t>单击图标添加图片</a:t>
             </a:r>
             <a:endParaRPr lang="en-US" noProof="0" dirty="0"/>
@@ -4404,7 +4411,7 @@
           <a:p>
             <a:pPr lvl="0"/>
             <a:r>
-              <a:rPr lang="zh-CN" altLang="en-US" smtClean="0"/>
+              <a:rPr lang="zh-CN" altLang="en-US"/>
               <a:t>单击此处编辑母版文本样式</a:t>
             </a:r>
           </a:p>
@@ -4439,7 +4446,7 @@
           </a:lstStyle>
           <a:p>
             <a:r>
-              <a:rPr lang="zh-CN" altLang="en-US" smtClean="0"/>
+              <a:rPr lang="zh-CN" altLang="en-US"/>
               <a:t>单击此处编辑母版标题样式</a:t>
             </a:r>
             <a:endParaRPr lang="en-US" dirty="0"/>
@@ -4593,7 +4600,7 @@
           <a:lstStyle/>
           <a:p>
             <a:r>
-              <a:rPr lang="zh-CN" altLang="en-US" smtClean="0"/>
+              <a:rPr lang="zh-CN" altLang="en-US"/>
               <a:t>单击此处编辑母版标题样式</a:t>
             </a:r>
             <a:endParaRPr lang="en-US"/>
@@ -4617,35 +4624,35 @@
           <a:p>
             <a:pPr lvl="0"/>
             <a:r>
-              <a:rPr lang="zh-CN" altLang="en-US" smtClean="0"/>
+              <a:rPr lang="zh-CN" altLang="en-US"/>
               <a:t>单击此处编辑母版文本样式</a:t>
             </a:r>
           </a:p>
           <a:p>
             <a:pPr lvl="1"/>
             <a:r>
-              <a:rPr lang="zh-CN" altLang="en-US" smtClean="0"/>
+              <a:rPr lang="zh-CN" altLang="en-US"/>
               <a:t>第二级</a:t>
             </a:r>
           </a:p>
           <a:p>
             <a:pPr lvl="2"/>
             <a:r>
-              <a:rPr lang="zh-CN" altLang="en-US" smtClean="0"/>
+              <a:rPr lang="zh-CN" altLang="en-US"/>
               <a:t>第三级</a:t>
             </a:r>
           </a:p>
           <a:p>
             <a:pPr lvl="3"/>
             <a:r>
-              <a:rPr lang="zh-CN" altLang="en-US" smtClean="0"/>
+              <a:rPr lang="zh-CN" altLang="en-US"/>
               <a:t>第四级</a:t>
             </a:r>
           </a:p>
           <a:p>
             <a:pPr lvl="4"/>
             <a:r>
-              <a:rPr lang="zh-CN" altLang="en-US" smtClean="0"/>
+              <a:rPr lang="zh-CN" altLang="en-US"/>
               <a:t>第五级</a:t>
             </a:r>
             <a:endParaRPr lang="en-US"/>
@@ -4922,7 +4929,7 @@
           <a:lstStyle/>
           <a:p>
             <a:r>
-              <a:rPr lang="zh-CN" altLang="en-US" smtClean="0"/>
+              <a:rPr lang="zh-CN" altLang="en-US"/>
               <a:t>单击此处编辑母版标题样式</a:t>
             </a:r>
             <a:endParaRPr lang="en-US" dirty="0"/>
@@ -4951,35 +4958,35 @@
           <a:p>
             <a:pPr lvl="0"/>
             <a:r>
-              <a:rPr lang="zh-CN" altLang="en-US" smtClean="0"/>
+              <a:rPr lang="zh-CN" altLang="en-US"/>
               <a:t>单击此处编辑母版文本样式</a:t>
             </a:r>
           </a:p>
           <a:p>
             <a:pPr lvl="1"/>
             <a:r>
-              <a:rPr lang="zh-CN" altLang="en-US" smtClean="0"/>
+              <a:rPr lang="zh-CN" altLang="en-US"/>
               <a:t>第二级</a:t>
             </a:r>
           </a:p>
           <a:p>
             <a:pPr lvl="2"/>
             <a:r>
-              <a:rPr lang="zh-CN" altLang="en-US" smtClean="0"/>
+              <a:rPr lang="zh-CN" altLang="en-US"/>
               <a:t>第三级</a:t>
             </a:r>
           </a:p>
           <a:p>
             <a:pPr lvl="3"/>
             <a:r>
-              <a:rPr lang="zh-CN" altLang="en-US" smtClean="0"/>
+              <a:rPr lang="zh-CN" altLang="en-US"/>
               <a:t>第四级</a:t>
             </a:r>
           </a:p>
           <a:p>
             <a:pPr lvl="4"/>
             <a:r>
-              <a:rPr lang="zh-CN" altLang="en-US" smtClean="0"/>
+              <a:rPr lang="zh-CN" altLang="en-US"/>
               <a:t>第五级</a:t>
             </a:r>
             <a:endParaRPr lang="en-US" dirty="0"/>
@@ -5146,10 +5153,9 @@
           </a:lstStyle>
           <a:p>
             <a:r>
-              <a:rPr lang="zh-CN" altLang="en-US" smtClean="0"/>
+              <a:rPr lang="zh-CN" altLang="en-US"/>
               <a:t>单击此处编辑母版标题样式</a:t>
             </a:r>
-            <a:endParaRPr lang="zh-CN" altLang="en-US"/>
           </a:p>
         </p:txBody>
       </p:sp>
@@ -5266,7 +5272,7 @@
           <a:p>
             <a:pPr lvl="0"/>
             <a:r>
-              <a:rPr lang="zh-CN" altLang="en-US" smtClean="0"/>
+              <a:rPr lang="zh-CN" altLang="en-US"/>
               <a:t>单击此处编辑母版文本样式</a:t>
             </a:r>
           </a:p>
@@ -5289,7 +5295,7 @@
           <a:p>
             <a:fld id="{530820CF-B880-4189-942D-D702A7CBA730}" type="datetimeFigureOut">
               <a:rPr lang="zh-CN" altLang="en-US" smtClean="0"/>
-              <a:t>2020\2\3 Monday</a:t>
+              <a:t>2020/3/6</a:t>
             </a:fld>
             <a:endParaRPr lang="zh-CN" altLang="en-US"/>
           </a:p>
@@ -5378,10 +5384,9 @@
           <a:lstStyle/>
           <a:p>
             <a:r>
-              <a:rPr lang="zh-CN" altLang="en-US" smtClean="0"/>
+              <a:rPr lang="zh-CN" altLang="en-US"/>
               <a:t>单击此处编辑母版标题样式</a:t>
             </a:r>
-            <a:endParaRPr lang="zh-CN" altLang="en-US"/>
           </a:p>
         </p:txBody>
       </p:sp>
@@ -5435,38 +5440,37 @@
           <a:p>
             <a:pPr lvl="0"/>
             <a:r>
-              <a:rPr lang="zh-CN" altLang="en-US" smtClean="0"/>
+              <a:rPr lang="zh-CN" altLang="en-US"/>
               <a:t>单击此处编辑母版文本样式</a:t>
             </a:r>
           </a:p>
           <a:p>
             <a:pPr lvl="1"/>
             <a:r>
-              <a:rPr lang="zh-CN" altLang="en-US" smtClean="0"/>
+              <a:rPr lang="zh-CN" altLang="en-US"/>
               <a:t>第二级</a:t>
             </a:r>
           </a:p>
           <a:p>
             <a:pPr lvl="2"/>
             <a:r>
-              <a:rPr lang="zh-CN" altLang="en-US" smtClean="0"/>
+              <a:rPr lang="zh-CN" altLang="en-US"/>
               <a:t>第三级</a:t>
             </a:r>
           </a:p>
           <a:p>
             <a:pPr lvl="3"/>
             <a:r>
-              <a:rPr lang="zh-CN" altLang="en-US" smtClean="0"/>
+              <a:rPr lang="zh-CN" altLang="en-US"/>
               <a:t>第四级</a:t>
             </a:r>
           </a:p>
           <a:p>
             <a:pPr lvl="4"/>
             <a:r>
-              <a:rPr lang="zh-CN" altLang="en-US" smtClean="0"/>
+              <a:rPr lang="zh-CN" altLang="en-US"/>
               <a:t>第五级</a:t>
             </a:r>
-            <a:endParaRPr lang="zh-CN" altLang="en-US"/>
           </a:p>
         </p:txBody>
       </p:sp>
@@ -5520,38 +5524,37 @@
           <a:p>
             <a:pPr lvl="0"/>
             <a:r>
-              <a:rPr lang="zh-CN" altLang="en-US" smtClean="0"/>
+              <a:rPr lang="zh-CN" altLang="en-US"/>
               <a:t>单击此处编辑母版文本样式</a:t>
             </a:r>
           </a:p>
           <a:p>
             <a:pPr lvl="1"/>
             <a:r>
-              <a:rPr lang="zh-CN" altLang="en-US" smtClean="0"/>
+              <a:rPr lang="zh-CN" altLang="en-US"/>
               <a:t>第二级</a:t>
             </a:r>
           </a:p>
           <a:p>
             <a:pPr lvl="2"/>
             <a:r>
-              <a:rPr lang="zh-CN" altLang="en-US" smtClean="0"/>
+              <a:rPr lang="zh-CN" altLang="en-US"/>
               <a:t>第三级</a:t>
             </a:r>
           </a:p>
           <a:p>
             <a:pPr lvl="3"/>
             <a:r>
-              <a:rPr lang="zh-CN" altLang="en-US" smtClean="0"/>
+              <a:rPr lang="zh-CN" altLang="en-US"/>
               <a:t>第四级</a:t>
             </a:r>
           </a:p>
           <a:p>
             <a:pPr lvl="4"/>
             <a:r>
-              <a:rPr lang="zh-CN" altLang="en-US" smtClean="0"/>
+              <a:rPr lang="zh-CN" altLang="en-US"/>
               <a:t>第五级</a:t>
             </a:r>
-            <a:endParaRPr lang="zh-CN" altLang="en-US"/>
           </a:p>
         </p:txBody>
       </p:sp>
@@ -5572,7 +5575,7 @@
           <a:p>
             <a:fld id="{530820CF-B880-4189-942D-D702A7CBA730}" type="datetimeFigureOut">
               <a:rPr lang="zh-CN" altLang="en-US" smtClean="0"/>
-              <a:t>2020\2\3 Monday</a:t>
+              <a:t>2020/3/6</a:t>
             </a:fld>
             <a:endParaRPr lang="zh-CN" altLang="en-US"/>
           </a:p>
@@ -5665,10 +5668,9 @@
           </a:lstStyle>
           <a:p>
             <a:r>
-              <a:rPr lang="zh-CN" altLang="en-US" smtClean="0"/>
+              <a:rPr lang="zh-CN" altLang="en-US"/>
               <a:t>单击此处编辑母版标题样式</a:t>
             </a:r>
-            <a:endParaRPr lang="zh-CN" altLang="en-US"/>
           </a:p>
         </p:txBody>
       </p:sp>
@@ -5731,7 +5733,7 @@
           <a:p>
             <a:pPr lvl="0"/>
             <a:r>
-              <a:rPr lang="zh-CN" altLang="en-US" smtClean="0"/>
+              <a:rPr lang="zh-CN" altLang="en-US"/>
               <a:t>单击此处编辑母版文本样式</a:t>
             </a:r>
           </a:p>
@@ -5787,38 +5789,37 @@
           <a:p>
             <a:pPr lvl="0"/>
             <a:r>
-              <a:rPr lang="zh-CN" altLang="en-US" smtClean="0"/>
+              <a:rPr lang="zh-CN" altLang="en-US"/>
               <a:t>单击此处编辑母版文本样式</a:t>
             </a:r>
           </a:p>
           <a:p>
             <a:pPr lvl="1"/>
             <a:r>
-              <a:rPr lang="zh-CN" altLang="en-US" smtClean="0"/>
+              <a:rPr lang="zh-CN" altLang="en-US"/>
               <a:t>第二级</a:t>
             </a:r>
           </a:p>
           <a:p>
             <a:pPr lvl="2"/>
             <a:r>
-              <a:rPr lang="zh-CN" altLang="en-US" smtClean="0"/>
+              <a:rPr lang="zh-CN" altLang="en-US"/>
               <a:t>第三级</a:t>
             </a:r>
           </a:p>
           <a:p>
             <a:pPr lvl="3"/>
             <a:r>
-              <a:rPr lang="zh-CN" altLang="en-US" smtClean="0"/>
+              <a:rPr lang="zh-CN" altLang="en-US"/>
               <a:t>第四级</a:t>
             </a:r>
           </a:p>
           <a:p>
             <a:pPr lvl="4"/>
             <a:r>
-              <a:rPr lang="zh-CN" altLang="en-US" smtClean="0"/>
+              <a:rPr lang="zh-CN" altLang="en-US"/>
               <a:t>第五级</a:t>
             </a:r>
-            <a:endParaRPr lang="zh-CN" altLang="en-US"/>
           </a:p>
         </p:txBody>
       </p:sp>
@@ -5881,7 +5882,7 @@
           <a:p>
             <a:pPr lvl="0"/>
             <a:r>
-              <a:rPr lang="zh-CN" altLang="en-US" smtClean="0"/>
+              <a:rPr lang="zh-CN" altLang="en-US"/>
               <a:t>单击此处编辑母版文本样式</a:t>
             </a:r>
           </a:p>
@@ -5937,38 +5938,37 @@
           <a:p>
             <a:pPr lvl="0"/>
             <a:r>
-              <a:rPr lang="zh-CN" altLang="en-US" smtClean="0"/>
+              <a:rPr lang="zh-CN" altLang="en-US"/>
               <a:t>单击此处编辑母版文本样式</a:t>
             </a:r>
           </a:p>
           <a:p>
             <a:pPr lvl="1"/>
             <a:r>
-              <a:rPr lang="zh-CN" altLang="en-US" smtClean="0"/>
+              <a:rPr lang="zh-CN" altLang="en-US"/>
               <a:t>第二级</a:t>
             </a:r>
           </a:p>
           <a:p>
             <a:pPr lvl="2"/>
             <a:r>
-              <a:rPr lang="zh-CN" altLang="en-US" smtClean="0"/>
+              <a:rPr lang="zh-CN" altLang="en-US"/>
               <a:t>第三级</a:t>
             </a:r>
           </a:p>
           <a:p>
             <a:pPr lvl="3"/>
             <a:r>
-              <a:rPr lang="zh-CN" altLang="en-US" smtClean="0"/>
+              <a:rPr lang="zh-CN" altLang="en-US"/>
               <a:t>第四级</a:t>
             </a:r>
           </a:p>
           <a:p>
             <a:pPr lvl="4"/>
             <a:r>
-              <a:rPr lang="zh-CN" altLang="en-US" smtClean="0"/>
+              <a:rPr lang="zh-CN" altLang="en-US"/>
               <a:t>第五级</a:t>
             </a:r>
-            <a:endParaRPr lang="zh-CN" altLang="en-US"/>
           </a:p>
         </p:txBody>
       </p:sp>
@@ -5989,7 +5989,7 @@
           <a:p>
             <a:fld id="{530820CF-B880-4189-942D-D702A7CBA730}" type="datetimeFigureOut">
               <a:rPr lang="zh-CN" altLang="en-US" smtClean="0"/>
-              <a:t>2020\2\3 Monday</a:t>
+              <a:t>2020/3/6</a:t>
             </a:fld>
             <a:endParaRPr lang="zh-CN" altLang="en-US"/>
           </a:p>
@@ -6078,10 +6078,9 @@
           <a:lstStyle/>
           <a:p>
             <a:r>
-              <a:rPr lang="zh-CN" altLang="en-US" smtClean="0"/>
+              <a:rPr lang="zh-CN" altLang="en-US"/>
               <a:t>单击此处编辑母版标题样式</a:t>
             </a:r>
-            <a:endParaRPr lang="zh-CN" altLang="en-US"/>
           </a:p>
         </p:txBody>
       </p:sp>
@@ -6102,7 +6101,7 @@
           <a:p>
             <a:fld id="{530820CF-B880-4189-942D-D702A7CBA730}" type="datetimeFigureOut">
               <a:rPr lang="zh-CN" altLang="en-US" smtClean="0"/>
-              <a:t>2020\2\3 Monday</a:t>
+              <a:t>2020/3/6</a:t>
             </a:fld>
             <a:endParaRPr lang="zh-CN" altLang="en-US"/>
           </a:p>
@@ -6192,7 +6191,7 @@
           <a:p>
             <a:fld id="{530820CF-B880-4189-942D-D702A7CBA730}" type="datetimeFigureOut">
               <a:rPr lang="zh-CN" altLang="en-US" smtClean="0"/>
-              <a:t>2020\2\3 Monday</a:t>
+              <a:t>2020/3/6</a:t>
             </a:fld>
             <a:endParaRPr lang="zh-CN" altLang="en-US"/>
           </a:p>
@@ -6290,10 +6289,9 @@
           </a:lstStyle>
           <a:p>
             <a:r>
-              <a:rPr lang="zh-CN" altLang="en-US" smtClean="0"/>
+              <a:rPr lang="zh-CN" altLang="en-US"/>
               <a:t>单击此处编辑母版标题样式</a:t>
             </a:r>
-            <a:endParaRPr lang="zh-CN" altLang="en-US"/>
           </a:p>
         </p:txBody>
       </p:sp>
@@ -6347,38 +6345,37 @@
           <a:p>
             <a:pPr lvl="0"/>
             <a:r>
-              <a:rPr lang="zh-CN" altLang="en-US" smtClean="0"/>
+              <a:rPr lang="zh-CN" altLang="en-US"/>
               <a:t>单击此处编辑母版文本样式</a:t>
             </a:r>
           </a:p>
           <a:p>
             <a:pPr lvl="1"/>
             <a:r>
-              <a:rPr lang="zh-CN" altLang="en-US" smtClean="0"/>
+              <a:rPr lang="zh-CN" altLang="en-US"/>
               <a:t>第二级</a:t>
             </a:r>
           </a:p>
           <a:p>
             <a:pPr lvl="2"/>
             <a:r>
-              <a:rPr lang="zh-CN" altLang="en-US" smtClean="0"/>
+              <a:rPr lang="zh-CN" altLang="en-US"/>
               <a:t>第三级</a:t>
             </a:r>
           </a:p>
           <a:p>
             <a:pPr lvl="3"/>
             <a:r>
-              <a:rPr lang="zh-CN" altLang="en-US" smtClean="0"/>
+              <a:rPr lang="zh-CN" altLang="en-US"/>
               <a:t>第四级</a:t>
             </a:r>
           </a:p>
           <a:p>
             <a:pPr lvl="4"/>
             <a:r>
-              <a:rPr lang="zh-CN" altLang="en-US" smtClean="0"/>
+              <a:rPr lang="zh-CN" altLang="en-US"/>
               <a:t>第五级</a:t>
             </a:r>
-            <a:endParaRPr lang="zh-CN" altLang="en-US"/>
           </a:p>
         </p:txBody>
       </p:sp>
@@ -6441,7 +6438,7 @@
           <a:p>
             <a:pPr lvl="0"/>
             <a:r>
-              <a:rPr lang="zh-CN" altLang="en-US" smtClean="0"/>
+              <a:rPr lang="zh-CN" altLang="en-US"/>
               <a:t>单击此处编辑母版文本样式</a:t>
             </a:r>
           </a:p>
@@ -6464,7 +6461,7 @@
           <a:p>
             <a:fld id="{530820CF-B880-4189-942D-D702A7CBA730}" type="datetimeFigureOut">
               <a:rPr lang="zh-CN" altLang="en-US" smtClean="0"/>
-              <a:t>2020\2\3 Monday</a:t>
+              <a:t>2020/3/6</a:t>
             </a:fld>
             <a:endParaRPr lang="zh-CN" altLang="en-US"/>
           </a:p>
@@ -6562,10 +6559,9 @@
           </a:lstStyle>
           <a:p>
             <a:r>
-              <a:rPr lang="zh-CN" altLang="en-US" smtClean="0"/>
+              <a:rPr lang="zh-CN" altLang="en-US"/>
               <a:t>单击此处编辑母版标题样式</a:t>
             </a:r>
-            <a:endParaRPr lang="zh-CN" altLang="en-US"/>
           </a:p>
         </p:txBody>
       </p:sp>
@@ -6689,7 +6685,7 @@
           <a:p>
             <a:pPr lvl="0"/>
             <a:r>
-              <a:rPr lang="zh-CN" altLang="en-US" smtClean="0"/>
+              <a:rPr lang="zh-CN" altLang="en-US"/>
               <a:t>单击此处编辑母版文本样式</a:t>
             </a:r>
           </a:p>
@@ -6712,7 +6708,7 @@
           <a:p>
             <a:fld id="{530820CF-B880-4189-942D-D702A7CBA730}" type="datetimeFigureOut">
               <a:rPr lang="zh-CN" altLang="en-US" smtClean="0"/>
-              <a:t>2020\2\3 Monday</a:t>
+              <a:t>2020/3/6</a:t>
             </a:fld>
             <a:endParaRPr lang="zh-CN" altLang="en-US"/>
           </a:p>
@@ -6816,10 +6812,9 @@
           <a:lstStyle/>
           <a:p>
             <a:r>
-              <a:rPr lang="zh-CN" altLang="en-US" smtClean="0"/>
+              <a:rPr lang="zh-CN" altLang="en-US"/>
               <a:t>单击此处编辑母版标题样式</a:t>
             </a:r>
-            <a:endParaRPr lang="zh-CN" altLang="en-US"/>
           </a:p>
         </p:txBody>
       </p:sp>
@@ -6850,38 +6845,37 @@
           <a:p>
             <a:pPr lvl="0"/>
             <a:r>
-              <a:rPr lang="zh-CN" altLang="en-US" smtClean="0"/>
+              <a:rPr lang="zh-CN" altLang="en-US"/>
               <a:t>单击此处编辑母版文本样式</a:t>
             </a:r>
           </a:p>
           <a:p>
             <a:pPr lvl="1"/>
             <a:r>
-              <a:rPr lang="zh-CN" altLang="en-US" smtClean="0"/>
+              <a:rPr lang="zh-CN" altLang="en-US"/>
               <a:t>第二级</a:t>
             </a:r>
           </a:p>
           <a:p>
             <a:pPr lvl="2"/>
             <a:r>
-              <a:rPr lang="zh-CN" altLang="en-US" smtClean="0"/>
+              <a:rPr lang="zh-CN" altLang="en-US"/>
               <a:t>第三级</a:t>
             </a:r>
           </a:p>
           <a:p>
             <a:pPr lvl="3"/>
             <a:r>
-              <a:rPr lang="zh-CN" altLang="en-US" smtClean="0"/>
+              <a:rPr lang="zh-CN" altLang="en-US"/>
               <a:t>第四级</a:t>
             </a:r>
           </a:p>
           <a:p>
             <a:pPr lvl="4"/>
             <a:r>
-              <a:rPr lang="zh-CN" altLang="en-US" smtClean="0"/>
+              <a:rPr lang="zh-CN" altLang="en-US"/>
               <a:t>第五级</a:t>
             </a:r>
-            <a:endParaRPr lang="zh-CN" altLang="en-US"/>
           </a:p>
         </p:txBody>
       </p:sp>
@@ -6920,7 +6914,7 @@
           <a:p>
             <a:fld id="{530820CF-B880-4189-942D-D702A7CBA730}" type="datetimeFigureOut">
               <a:rPr lang="zh-CN" altLang="en-US" smtClean="0"/>
-              <a:t>2020\2\3 Monday</a:t>
+              <a:t>2020/3/6</a:t>
             </a:fld>
             <a:endParaRPr lang="zh-CN" altLang="en-US"/>
           </a:p>
@@ -7437,7 +7431,7 @@
           <a:lstStyle/>
           <a:p>
             <a:r>
-              <a:rPr lang="zh-CN" altLang="en-US" smtClean="0"/>
+              <a:rPr lang="zh-CN" altLang="en-US"/>
               <a:t>单击此处编辑母版标题样式</a:t>
             </a:r>
             <a:endParaRPr lang="en-US" dirty="0"/>
@@ -7471,35 +7465,35 @@
           <a:p>
             <a:pPr lvl="0"/>
             <a:r>
-              <a:rPr lang="zh-CN" altLang="en-US" smtClean="0"/>
+              <a:rPr lang="zh-CN" altLang="en-US"/>
               <a:t>单击此处编辑母版文本样式</a:t>
             </a:r>
           </a:p>
           <a:p>
             <a:pPr lvl="1"/>
             <a:r>
-              <a:rPr lang="zh-CN" altLang="en-US" smtClean="0"/>
+              <a:rPr lang="zh-CN" altLang="en-US"/>
               <a:t>第二级</a:t>
             </a:r>
           </a:p>
           <a:p>
             <a:pPr lvl="2"/>
             <a:r>
-              <a:rPr lang="zh-CN" altLang="en-US" smtClean="0"/>
+              <a:rPr lang="zh-CN" altLang="en-US"/>
               <a:t>第三级</a:t>
             </a:r>
           </a:p>
           <a:p>
             <a:pPr lvl="3"/>
             <a:r>
-              <a:rPr lang="zh-CN" altLang="en-US" smtClean="0"/>
+              <a:rPr lang="zh-CN" altLang="en-US"/>
               <a:t>第四级</a:t>
             </a:r>
           </a:p>
           <a:p>
             <a:pPr lvl="4"/>
             <a:r>
-              <a:rPr lang="zh-CN" altLang="en-US" smtClean="0"/>
+              <a:rPr lang="zh-CN" altLang="en-US"/>
               <a:t>第五级</a:t>
             </a:r>
             <a:endParaRPr lang="en-US" dirty="0"/>
@@ -8293,7 +8287,7 @@
               </a:spcAft>
             </a:pPr>
             <a:r>
-              <a:rPr lang="zh-CN" altLang="en-US" sz="4800" b="1" smtClean="0">
+              <a:rPr lang="zh-CN" altLang="en-US" sz="4800" b="1">
                 <a:solidFill>
                   <a:prstClr val="black"/>
                 </a:solidFill>
@@ -8466,7 +8460,7 @@
               </a:spcAft>
             </a:pPr>
             <a:r>
-              <a:rPr lang="zh-CN" altLang="en-US" sz="4000" b="1" smtClean="0">
+              <a:rPr lang="zh-CN" altLang="en-US" sz="4000" b="1">
                 <a:solidFill>
                   <a:srgbClr val="FF0000"/>
                 </a:solidFill>
@@ -8486,7 +8480,7 @@
               </a:spcAft>
             </a:pPr>
             <a:r>
-              <a:rPr lang="en-US" altLang="zh-CN" sz="4000" b="1" smtClean="0">
+              <a:rPr lang="en-US" altLang="zh-CN" sz="4000" b="1">
                 <a:solidFill>
                   <a:srgbClr val="FF0000"/>
                 </a:solidFill>
@@ -8496,7 +8490,7 @@
               <a:t>(</a:t>
             </a:r>
             <a:r>
-              <a:rPr lang="zh-CN" altLang="en-US" sz="4000" b="1" smtClean="0">
+              <a:rPr lang="zh-CN" altLang="en-US" sz="4000" b="1">
                 <a:solidFill>
                   <a:srgbClr val="FF0000"/>
                 </a:solidFill>
@@ -8506,7 +8500,7 @@
               <a:t>第</a:t>
             </a:r>
             <a:r>
-              <a:rPr lang="en-US" altLang="zh-CN" sz="4000" b="1" smtClean="0">
+              <a:rPr lang="en-US" altLang="zh-CN" sz="4000" b="1">
                 <a:solidFill>
                   <a:srgbClr val="FF0000"/>
                 </a:solidFill>
@@ -8516,7 +8510,7 @@
               <a:t>1</a:t>
             </a:r>
             <a:r>
-              <a:rPr lang="zh-CN" altLang="en-US" sz="4000" b="1" smtClean="0">
+              <a:rPr lang="zh-CN" altLang="en-US" sz="4000" b="1">
                 <a:solidFill>
                   <a:srgbClr val="FF0000"/>
                 </a:solidFill>
@@ -8526,7 +8520,7 @@
               <a:t>课时</a:t>
             </a:r>
             <a:r>
-              <a:rPr lang="en-US" altLang="zh-CN" sz="4000" b="1" smtClean="0">
+              <a:rPr lang="en-US" altLang="zh-CN" sz="4000" b="1">
                 <a:solidFill>
                   <a:srgbClr val="FF0000"/>
                 </a:solidFill>
@@ -8548,13 +8542,6 @@
   <p:clrMapOvr>
     <a:masterClrMapping/>
   </p:clrMapOvr>
-  <p:timing>
-    <p:tnLst>
-      <p:par>
-        <p:cTn id="1" dur="indefinite" restart="never" nodeType="tmRoot"/>
-      </p:par>
-    </p:tnLst>
-  </p:timing>
 </p:sld>
 </file>
 
@@ -8618,7 +8605,7 @@
                 <a:spcPct val="0"/>
               </a:spcAft>
             </a:pPr>
-            <a:endParaRPr lang="zh-CN" altLang="en-US" smtClean="0">
+            <a:endParaRPr lang="zh-CN" altLang="en-US">
               <a:solidFill>
                 <a:prstClr val="black"/>
               </a:solidFill>
@@ -8792,7 +8779,7 @@
               </a:spcAft>
             </a:pPr>
             <a:r>
-              <a:rPr lang="en-US" altLang="zh-CN" sz="2500" b="1" dirty="0" smtClean="0">
+              <a:rPr lang="en-US" altLang="zh-CN" sz="2500" b="1" dirty="0">
                 <a:solidFill>
                   <a:prstClr val="black"/>
                 </a:solidFill>
@@ -8801,7 +8788,7 @@
               <a:t>  </a:t>
             </a:r>
             <a:r>
-              <a:rPr lang="zh-CN" altLang="en-US" sz="2500" b="1" dirty="0" smtClean="0">
+              <a:rPr lang="zh-CN" altLang="en-US" sz="2500" b="1" dirty="0">
                 <a:solidFill>
                   <a:prstClr val="black"/>
                 </a:solidFill>
@@ -8810,7 +8797,7 @@
               <a:t>阅读右图可知，北美洲的平均海拔较</a:t>
             </a:r>
             <a:r>
-              <a:rPr lang="zh-CN" altLang="en-US" sz="2500" b="1" u="sng" dirty="0" smtClean="0">
+              <a:rPr lang="zh-CN" altLang="en-US" sz="2500" b="1" u="sng" dirty="0">
                 <a:solidFill>
                   <a:prstClr val="black"/>
                 </a:solidFill>
@@ -8819,7 +8806,7 @@
               <a:t>             </a:t>
             </a:r>
             <a:r>
-              <a:rPr lang="en-US" altLang="zh-CN" sz="2500" b="1" dirty="0" smtClean="0">
+              <a:rPr lang="en-US" altLang="zh-CN" sz="2500" b="1" dirty="0">
                 <a:solidFill>
                   <a:prstClr val="black"/>
                 </a:solidFill>
@@ -8828,7 +8815,7 @@
               <a:t>(</a:t>
             </a:r>
             <a:r>
-              <a:rPr lang="zh-CN" altLang="en-US" sz="2500" b="1" dirty="0" smtClean="0">
+              <a:rPr lang="zh-CN" altLang="en-US" sz="2500" b="1" dirty="0">
                 <a:solidFill>
                   <a:prstClr val="black"/>
                 </a:solidFill>
@@ -8837,7 +8824,7 @@
               <a:t>高</a:t>
             </a:r>
             <a:r>
-              <a:rPr lang="en-US" altLang="zh-CN" sz="2500" b="1" dirty="0" smtClean="0">
+              <a:rPr lang="en-US" altLang="zh-CN" sz="2500" b="1" dirty="0">
                 <a:solidFill>
                   <a:prstClr val="black"/>
                 </a:solidFill>
@@ -8846,7 +8833,7 @@
               <a:t>/</a:t>
             </a:r>
             <a:r>
-              <a:rPr lang="zh-CN" altLang="en-US" sz="2500" b="1" dirty="0" smtClean="0">
+              <a:rPr lang="zh-CN" altLang="en-US" sz="2500" b="1" dirty="0">
                 <a:solidFill>
                   <a:prstClr val="black"/>
                 </a:solidFill>
@@ -8855,7 +8842,7 @@
               <a:t>低</a:t>
             </a:r>
             <a:r>
-              <a:rPr lang="en-US" altLang="zh-CN" sz="2500" b="1" dirty="0" smtClean="0">
+              <a:rPr lang="en-US" altLang="zh-CN" sz="2500" b="1" dirty="0">
                 <a:solidFill>
                   <a:prstClr val="black"/>
                 </a:solidFill>
@@ -8864,7 +8851,7 @@
               <a:t>)</a:t>
             </a:r>
             <a:r>
-              <a:rPr lang="zh-CN" altLang="en-US" sz="2500" b="1" dirty="0" smtClean="0">
+              <a:rPr lang="zh-CN" altLang="en-US" sz="2500" b="1" dirty="0">
                 <a:solidFill>
                   <a:prstClr val="black"/>
                 </a:solidFill>
@@ -8873,7 +8860,7 @@
               <a:t>，居世界第三位（除南极洲外），地势起伏较</a:t>
             </a:r>
             <a:r>
-              <a:rPr lang="zh-CN" altLang="en-US" sz="2500" b="1" u="sng" dirty="0" smtClean="0">
+              <a:rPr lang="zh-CN" altLang="en-US" sz="2500" b="1" u="sng" dirty="0">
                 <a:solidFill>
                   <a:prstClr val="black"/>
                 </a:solidFill>
@@ -8882,7 +8869,7 @@
               <a:t>           </a:t>
             </a:r>
             <a:r>
-              <a:rPr lang="zh-CN" altLang="en-US" sz="2500" b="1" dirty="0" smtClean="0">
+              <a:rPr lang="zh-CN" altLang="en-US" sz="2500" b="1" dirty="0">
                 <a:solidFill>
                   <a:prstClr val="black"/>
                 </a:solidFill>
@@ -8891,7 +8878,7 @@
               <a:t>（大</a:t>
             </a:r>
             <a:r>
-              <a:rPr lang="en-US" altLang="zh-CN" sz="2500" b="1" dirty="0" smtClean="0">
+              <a:rPr lang="en-US" altLang="zh-CN" sz="2500" b="1" dirty="0">
                 <a:solidFill>
                   <a:prstClr val="black"/>
                 </a:solidFill>
@@ -8900,7 +8887,7 @@
               <a:t>/</a:t>
             </a:r>
             <a:r>
-              <a:rPr lang="zh-CN" altLang="en-US" sz="2500" b="1" dirty="0" smtClean="0">
+              <a:rPr lang="zh-CN" altLang="en-US" sz="2500" b="1" dirty="0">
                 <a:solidFill>
                   <a:prstClr val="black"/>
                 </a:solidFill>
@@ -8908,7 +8895,7 @@
               </a:rPr>
               <a:t>小）</a:t>
             </a:r>
-            <a:endParaRPr lang="en-US" altLang="zh-CN" sz="2500" b="1" dirty="0" smtClean="0">
+            <a:endParaRPr lang="en-US" altLang="zh-CN" sz="2500" b="1" dirty="0">
               <a:solidFill>
                 <a:prstClr val="black"/>
               </a:solidFill>
@@ -9148,7 +9135,7 @@
                 </a:spcAft>
               </a:pPr>
               <a:r>
-                <a:rPr lang="zh-CN" altLang="en-US" sz="2500" b="1" smtClean="0">
+                <a:rPr lang="zh-CN" altLang="en-US" sz="2500" b="1">
                   <a:solidFill>
                     <a:srgbClr val="FFFF00"/>
                   </a:solidFill>
@@ -9375,7 +9362,7 @@
               </a:spcAft>
             </a:pPr>
             <a:r>
-              <a:rPr lang="zh-CN" altLang="en-US" sz="2800" b="1" dirty="0" smtClean="0">
+              <a:rPr lang="zh-CN" altLang="en-US" sz="2800" b="1" dirty="0">
                 <a:solidFill>
                   <a:srgbClr val="C00000"/>
                 </a:solidFill>
@@ -9546,7 +9533,7 @@
               </a:spcAft>
             </a:pPr>
             <a:r>
-              <a:rPr lang="zh-CN" altLang="en-US" sz="2800" b="1" dirty="0" smtClean="0">
+              <a:rPr lang="zh-CN" altLang="en-US" sz="2800" b="1" dirty="0">
                 <a:solidFill>
                   <a:srgbClr val="C00000"/>
                 </a:solidFill>
@@ -9585,30 +9572,30 @@
           <a:lstStyle/>
           <a:p>
             <a:r>
-              <a:rPr lang="zh-CN" altLang="en-US" sz="2000" dirty="0" smtClean="0"/>
+              <a:rPr lang="zh-CN" altLang="en-US" sz="2000" dirty="0"/>
               <a:t>温馨提示：同学们，对于这部分内容，大家可以先观看微视频，然后在学习</a:t>
             </a:r>
             <a:r>
-              <a:rPr lang="en-US" altLang="zh-CN" sz="2000" dirty="0" smtClean="0"/>
+              <a:rPr lang="en-US" altLang="zh-CN" sz="2000" dirty="0"/>
               <a:t>PPT</a:t>
             </a:r>
             <a:r>
-              <a:rPr lang="zh-CN" altLang="en-US" sz="2000" dirty="0" smtClean="0"/>
+              <a:rPr lang="zh-CN" altLang="en-US" sz="2000" dirty="0"/>
               <a:t>的第</a:t>
             </a:r>
             <a:r>
-              <a:rPr lang="en-US" altLang="zh-CN" sz="2000" dirty="0" smtClean="0"/>
+              <a:rPr lang="en-US" altLang="zh-CN" sz="2000" dirty="0"/>
               <a:t>10-13</a:t>
             </a:r>
             <a:r>
-              <a:rPr lang="zh-CN" altLang="en-US" sz="2000" dirty="0" smtClean="0"/>
+              <a:rPr lang="zh-CN" altLang="en-US" sz="2000" dirty="0"/>
               <a:t>页，以便将重点知识更好的落实在导学案上。</a:t>
             </a:r>
-            <a:endParaRPr lang="en-US" altLang="zh-CN" sz="2000" dirty="0" smtClean="0"/>
+            <a:endParaRPr lang="en-US" altLang="zh-CN" sz="2000" dirty="0"/>
           </a:p>
           <a:p>
             <a:r>
-              <a:rPr lang="zh-CN" altLang="en-US" sz="2000" b="1" dirty="0" smtClean="0">
+              <a:rPr lang="zh-CN" altLang="en-US" sz="2000" b="1" dirty="0">
                 <a:solidFill>
                   <a:srgbClr val="FF0000"/>
                 </a:solidFill>
@@ -9891,7 +9878,7 @@
                 <a:spcPct val="0"/>
               </a:spcAft>
             </a:pPr>
-            <a:endParaRPr lang="zh-CN" altLang="en-US" smtClean="0">
+            <a:endParaRPr lang="zh-CN" altLang="en-US">
               <a:solidFill>
                 <a:prstClr val="black"/>
               </a:solidFill>
@@ -10065,7 +10052,7 @@
               </a:spcAft>
             </a:pPr>
             <a:r>
-              <a:rPr lang="en-US" altLang="zh-CN" sz="2400" dirty="0" smtClean="0">
+              <a:rPr lang="en-US" altLang="zh-CN" sz="2400" dirty="0">
                 <a:solidFill>
                   <a:prstClr val="black"/>
                 </a:solidFill>
@@ -10074,7 +10061,7 @@
               <a:t>       </a:t>
             </a:r>
             <a:r>
-              <a:rPr lang="zh-CN" altLang="en-US" sz="2400" dirty="0" smtClean="0">
+              <a:rPr lang="zh-CN" altLang="en-US" sz="2400" dirty="0">
                 <a:solidFill>
                   <a:prstClr val="black"/>
                 </a:solidFill>
@@ -10083,7 +10070,7 @@
               <a:t>在图中找出</a:t>
             </a:r>
             <a:r>
-              <a:rPr lang="zh-CN" altLang="en-US" sz="2400" b="1" dirty="0" smtClean="0">
+              <a:rPr lang="zh-CN" altLang="en-US" sz="2400" b="1" dirty="0">
                 <a:solidFill>
                   <a:srgbClr val="C00000"/>
                 </a:solidFill>
@@ -10092,7 +10079,7 @@
               <a:t>科迪勒拉山系、落基山脉、大平原、阿巴拉契亚山脉、拉布拉多高原</a:t>
             </a:r>
             <a:r>
-              <a:rPr lang="zh-CN" altLang="en-US" sz="2400" dirty="0" smtClean="0">
+              <a:rPr lang="zh-CN" altLang="en-US" sz="2400" dirty="0">
                 <a:solidFill>
                   <a:prstClr val="black"/>
                 </a:solidFill>
@@ -10114,7 +10101,7 @@
               </a:spcAft>
             </a:pPr>
             <a:r>
-              <a:rPr lang="zh-CN" altLang="en-US" sz="2400" dirty="0" smtClean="0">
+              <a:rPr lang="zh-CN" altLang="en-US" sz="2400" dirty="0">
                 <a:solidFill>
                   <a:prstClr val="black"/>
                 </a:solidFill>
@@ -10122,7 +10109,7 @@
               </a:rPr>
               <a:t>       </a:t>
             </a:r>
-            <a:endParaRPr lang="en-US" altLang="zh-CN" sz="2400" dirty="0" smtClean="0">
+            <a:endParaRPr lang="en-US" altLang="zh-CN" sz="2400" dirty="0">
               <a:solidFill>
                 <a:prstClr val="black"/>
               </a:solidFill>
@@ -10421,7 +10408,7 @@
                 <a:spcPct val="0"/>
               </a:spcAft>
             </a:pPr>
-            <a:endParaRPr lang="zh-CN" altLang="en-US" smtClean="0">
+            <a:endParaRPr lang="zh-CN" altLang="en-US">
               <a:solidFill>
                 <a:prstClr val="black"/>
               </a:solidFill>
@@ -10567,7 +10554,7 @@
                 <a:spcPct val="0"/>
               </a:spcAft>
             </a:pPr>
-            <a:endParaRPr lang="zh-CN" altLang="en-US" smtClean="0">
+            <a:endParaRPr lang="zh-CN" altLang="en-US">
               <a:solidFill>
                 <a:prstClr val="black"/>
               </a:solidFill>
@@ -10625,7 +10612,7 @@
                 <a:spcPct val="0"/>
               </a:spcAft>
             </a:pPr>
-            <a:endParaRPr lang="zh-CN" altLang="en-US" smtClean="0">
+            <a:endParaRPr lang="zh-CN" altLang="en-US">
               <a:solidFill>
                 <a:prstClr val="black"/>
               </a:solidFill>
@@ -10782,7 +10769,7 @@
                 <a:spcPct val="0"/>
               </a:spcAft>
             </a:pPr>
-            <a:endParaRPr lang="zh-CN" altLang="en-US" smtClean="0">
+            <a:endParaRPr lang="zh-CN" altLang="en-US">
               <a:solidFill>
                 <a:prstClr val="black"/>
               </a:solidFill>
@@ -11023,7 +11010,7 @@
                 </a:spcAft>
               </a:pPr>
               <a:r>
-                <a:rPr lang="zh-CN" altLang="en-US" sz="2500" b="1" dirty="0" smtClean="0">
+                <a:rPr lang="zh-CN" altLang="en-US" sz="2500" b="1" dirty="0">
                   <a:solidFill>
                     <a:srgbClr val="FFFF00"/>
                   </a:solidFill>
@@ -11083,7 +11070,7 @@
                 <a:spcPct val="0"/>
               </a:spcAft>
             </a:pPr>
-            <a:endParaRPr lang="zh-CN" altLang="en-US" smtClean="0">
+            <a:endParaRPr lang="zh-CN" altLang="en-US">
               <a:solidFill>
                 <a:prstClr val="black"/>
               </a:solidFill>
@@ -11303,14 +11290,14 @@
               </a:spcAft>
             </a:pPr>
             <a:r>
-              <a:rPr lang="zh-CN" altLang="en-US" sz="2400" b="1" dirty="0" smtClean="0">
+              <a:rPr lang="zh-CN" altLang="en-US" sz="2400" b="1" dirty="0">
                 <a:solidFill>
                   <a:prstClr val="black"/>
                 </a:solidFill>
               </a:rPr>
               <a:t>地形分成三大南北纵列带：</a:t>
             </a:r>
-            <a:endParaRPr lang="en-US" altLang="zh-CN" sz="2400" b="1" dirty="0" smtClean="0">
+            <a:endParaRPr lang="en-US" altLang="zh-CN" sz="2400" b="1" dirty="0">
               <a:solidFill>
                 <a:prstClr val="black"/>
               </a:solidFill>
@@ -11326,14 +11313,14 @@
               </a:spcAft>
             </a:pPr>
             <a:r>
-              <a:rPr lang="zh-CN" altLang="en-US" sz="2400" b="1" dirty="0" smtClean="0">
+              <a:rPr lang="zh-CN" altLang="en-US" sz="2400" b="1" dirty="0">
                 <a:solidFill>
                   <a:prstClr val="black"/>
                 </a:solidFill>
               </a:rPr>
               <a:t>西部是                </a:t>
             </a:r>
-            <a:endParaRPr lang="en-US" altLang="zh-CN" sz="2400" b="1" dirty="0" smtClean="0">
+            <a:endParaRPr lang="en-US" altLang="zh-CN" sz="2400" b="1" dirty="0">
               <a:solidFill>
                 <a:prstClr val="black"/>
               </a:solidFill>
@@ -11349,14 +11336,14 @@
               </a:spcAft>
             </a:pPr>
             <a:r>
-              <a:rPr lang="zh-CN" altLang="en-US" sz="2400" b="1" dirty="0" smtClean="0">
+              <a:rPr lang="zh-CN" altLang="en-US" sz="2400" b="1" dirty="0">
                 <a:solidFill>
                   <a:prstClr val="black"/>
                 </a:solidFill>
               </a:rPr>
               <a:t>中部是</a:t>
             </a:r>
-            <a:endParaRPr lang="en-US" altLang="zh-CN" sz="2400" b="1" dirty="0" smtClean="0">
+            <a:endParaRPr lang="en-US" altLang="zh-CN" sz="2400" b="1" dirty="0">
               <a:solidFill>
                 <a:prstClr val="black"/>
               </a:solidFill>
@@ -11372,7 +11359,7 @@
               </a:spcAft>
             </a:pPr>
             <a:r>
-              <a:rPr lang="zh-CN" altLang="en-US" sz="2400" b="1" dirty="0" smtClean="0">
+              <a:rPr lang="zh-CN" altLang="en-US" sz="2400" b="1" dirty="0">
                 <a:solidFill>
                   <a:prstClr val="black"/>
                 </a:solidFill>
@@ -11543,7 +11530,7 @@
               </a:spcAft>
             </a:pPr>
             <a:r>
-              <a:rPr lang="zh-CN" altLang="en-US" sz="2400" b="1" smtClean="0">
+              <a:rPr lang="zh-CN" altLang="en-US" sz="2400" b="1">
                 <a:solidFill>
                   <a:srgbClr val="C00000"/>
                 </a:solidFill>
@@ -11714,7 +11701,7 @@
               </a:spcAft>
             </a:pPr>
             <a:r>
-              <a:rPr lang="zh-CN" altLang="en-US" sz="2400" b="1" smtClean="0">
+              <a:rPr lang="zh-CN" altLang="en-US" sz="2400" b="1">
                 <a:solidFill>
                   <a:srgbClr val="C00000"/>
                 </a:solidFill>
@@ -11885,7 +11872,7 @@
               </a:spcAft>
             </a:pPr>
             <a:r>
-              <a:rPr lang="zh-CN" altLang="en-US" sz="2400" b="1" dirty="0" smtClean="0">
+              <a:rPr lang="zh-CN" altLang="en-US" sz="2400" b="1" dirty="0">
                 <a:solidFill>
                   <a:srgbClr val="C00000"/>
                 </a:solidFill>
@@ -12657,7 +12644,7 @@
               </a:spcAft>
             </a:pPr>
             <a:r>
-              <a:rPr lang="en-US" altLang="zh-CN" sz="2600" b="1" dirty="0" smtClean="0">
+              <a:rPr lang="en-US" altLang="zh-CN" sz="2600" b="1" dirty="0">
                 <a:solidFill>
                   <a:srgbClr val="FF0000"/>
                 </a:solidFill>
@@ -12667,7 +12654,7 @@
               <a:t>       </a:t>
             </a:r>
             <a:r>
-              <a:rPr lang="zh-CN" altLang="en-US" sz="2600" b="1" dirty="0" smtClean="0">
+              <a:rPr lang="zh-CN" altLang="en-US" sz="2600" b="1" dirty="0">
                 <a:solidFill>
                   <a:prstClr val="black"/>
                 </a:solidFill>
@@ -12677,7 +12664,7 @@
               <a:t>读</a:t>
             </a:r>
             <a:r>
-              <a:rPr lang="zh-CN" altLang="en-US" sz="2600" b="1" dirty="0" smtClean="0">
+              <a:rPr lang="zh-CN" altLang="en-US" sz="2600" b="1" dirty="0">
                 <a:solidFill>
                   <a:prstClr val="black"/>
                 </a:solidFill>
@@ -12686,7 +12673,7 @@
               <a:t>“</a:t>
             </a:r>
             <a:r>
-              <a:rPr lang="zh-CN" altLang="en-US" sz="2600" b="1" dirty="0" smtClean="0">
+              <a:rPr lang="zh-CN" altLang="en-US" sz="2600" b="1" dirty="0">
                 <a:solidFill>
                   <a:prstClr val="black"/>
                 </a:solidFill>
@@ -12696,7 +12683,7 @@
               <a:t>北美洲地形剖面图</a:t>
             </a:r>
             <a:r>
-              <a:rPr lang="zh-CN" altLang="en-US" sz="2600" b="1" dirty="0" smtClean="0">
+              <a:rPr lang="zh-CN" altLang="en-US" sz="2600" b="1" dirty="0">
                 <a:solidFill>
                   <a:prstClr val="black"/>
                 </a:solidFill>
@@ -12705,7 +12692,7 @@
               <a:t>”</a:t>
             </a:r>
             <a:r>
-              <a:rPr lang="zh-CN" altLang="en-US" sz="2600" b="1" dirty="0" smtClean="0">
+              <a:rPr lang="zh-CN" altLang="en-US" sz="2600" b="1" dirty="0">
                 <a:solidFill>
                   <a:prstClr val="black"/>
                 </a:solidFill>
@@ -12715,7 +12702,7 @@
               <a:t>，说一说</a:t>
             </a:r>
             <a:r>
-              <a:rPr lang="en-US" altLang="zh-CN" sz="2600" b="1" dirty="0" smtClean="0">
+              <a:rPr lang="en-US" altLang="zh-CN" sz="2600" b="1" dirty="0">
                 <a:solidFill>
                   <a:prstClr val="black"/>
                 </a:solidFill>
@@ -12725,7 +12712,7 @@
               <a:t>A</a:t>
             </a:r>
             <a:r>
-              <a:rPr lang="zh-CN" altLang="en-US" sz="2600" b="1" dirty="0" smtClean="0">
+              <a:rPr lang="zh-CN" altLang="en-US" sz="2600" b="1" dirty="0">
                 <a:solidFill>
                   <a:prstClr val="black"/>
                 </a:solidFill>
@@ -12735,7 +12722,7 @@
               <a:t>、</a:t>
             </a:r>
             <a:r>
-              <a:rPr lang="en-US" altLang="zh-CN" sz="2600" b="1" dirty="0" smtClean="0">
+              <a:rPr lang="en-US" altLang="zh-CN" sz="2600" b="1" dirty="0">
                 <a:solidFill>
                   <a:prstClr val="black"/>
                 </a:solidFill>
@@ -12745,7 +12732,7 @@
               <a:t>B</a:t>
             </a:r>
             <a:r>
-              <a:rPr lang="zh-CN" altLang="en-US" sz="2600" b="1" dirty="0" smtClean="0">
+              <a:rPr lang="zh-CN" altLang="en-US" sz="2600" b="1" dirty="0">
                 <a:solidFill>
                   <a:prstClr val="black"/>
                 </a:solidFill>
@@ -12755,7 +12742,7 @@
               <a:t>、</a:t>
             </a:r>
             <a:r>
-              <a:rPr lang="en-US" altLang="zh-CN" sz="2600" b="1" dirty="0" smtClean="0">
+              <a:rPr lang="en-US" altLang="zh-CN" sz="2600" b="1" dirty="0">
                 <a:solidFill>
                   <a:prstClr val="black"/>
                 </a:solidFill>
@@ -12765,7 +12752,7 @@
               <a:t>C</a:t>
             </a:r>
             <a:r>
-              <a:rPr lang="zh-CN" altLang="en-US" sz="2600" b="1" dirty="0" smtClean="0">
+              <a:rPr lang="zh-CN" altLang="en-US" sz="2600" b="1" dirty="0">
                 <a:solidFill>
                   <a:prstClr val="black"/>
                 </a:solidFill>
@@ -13034,7 +13021,7 @@
                   </a:spcAft>
                 </a:pPr>
                 <a:r>
-                  <a:rPr lang="en-US" altLang="zh-CN" sz="3600" smtClean="0">
+                  <a:rPr lang="en-US" altLang="zh-CN" sz="3600">
                     <a:solidFill>
                       <a:prstClr val="black"/>
                     </a:solidFill>
@@ -13207,7 +13194,7 @@
                   </a:spcAft>
                 </a:pPr>
                 <a:r>
-                  <a:rPr lang="en-US" altLang="zh-CN" sz="3600" smtClean="0">
+                  <a:rPr lang="en-US" altLang="zh-CN" sz="3600">
                     <a:solidFill>
                       <a:prstClr val="black"/>
                     </a:solidFill>
@@ -13380,7 +13367,7 @@
                   </a:spcAft>
                 </a:pPr>
                 <a:r>
-                  <a:rPr lang="en-US" altLang="zh-CN" sz="3600" smtClean="0">
+                  <a:rPr lang="en-US" altLang="zh-CN" sz="3600">
                     <a:solidFill>
                       <a:prstClr val="black"/>
                     </a:solidFill>
@@ -13554,7 +13541,7 @@
                 </a:spcAft>
               </a:pPr>
               <a:r>
-                <a:rPr lang="zh-CN" altLang="en-US" sz="2400" dirty="0" smtClean="0">
+                <a:rPr lang="zh-CN" altLang="en-US" sz="2400" dirty="0">
                   <a:solidFill>
                     <a:prstClr val="black"/>
                   </a:solidFill>
@@ -13563,7 +13550,7 @@
                 <a:t>沿</a:t>
               </a:r>
               <a:r>
-                <a:rPr lang="en-US" altLang="zh-CN" sz="2400" dirty="0" smtClean="0">
+                <a:rPr lang="en-US" altLang="zh-CN" sz="2400" dirty="0">
                   <a:solidFill>
                     <a:prstClr val="black"/>
                   </a:solidFill>
@@ -13572,7 +13559,7 @@
                 <a:t>40°N</a:t>
               </a:r>
               <a:r>
-                <a:rPr lang="zh-CN" altLang="en-US" sz="2400" dirty="0" smtClean="0">
+                <a:rPr lang="zh-CN" altLang="en-US" sz="2400" dirty="0">
                   <a:solidFill>
                     <a:prstClr val="black"/>
                   </a:solidFill>
@@ -13815,7 +13802,7 @@
                 </a:spcAft>
               </a:pPr>
               <a:r>
-                <a:rPr lang="zh-CN" altLang="en-US" sz="2500" b="1" dirty="0" smtClean="0">
+                <a:rPr lang="zh-CN" altLang="en-US" sz="2500" b="1" dirty="0">
                   <a:solidFill>
                     <a:srgbClr val="FFFF00"/>
                   </a:solidFill>
@@ -13983,7 +13970,7 @@
               </a:spcAft>
             </a:pPr>
             <a:r>
-              <a:rPr lang="en-US" altLang="zh-CN" sz="2400" b="1" dirty="0" smtClean="0">
+              <a:rPr lang="en-US" altLang="zh-CN" sz="2400" b="1" dirty="0">
                 <a:solidFill>
                   <a:prstClr val="black"/>
                 </a:solidFill>
@@ -13991,7 +13978,7 @@
               <a:t>A</a:t>
             </a:r>
             <a:r>
-              <a:rPr lang="zh-CN" altLang="en-US" sz="2400" b="1" dirty="0" smtClean="0">
+              <a:rPr lang="zh-CN" altLang="en-US" sz="2400" b="1" dirty="0">
                 <a:solidFill>
                   <a:prstClr val="black"/>
                 </a:solidFill>
@@ -13999,7 +13986,7 @@
               <a:t>：落基山脉    </a:t>
             </a:r>
             <a:r>
-              <a:rPr lang="en-US" altLang="zh-CN" sz="2400" b="1" dirty="0" smtClean="0">
+              <a:rPr lang="en-US" altLang="zh-CN" sz="2400" b="1" dirty="0">
                 <a:solidFill>
                   <a:prstClr val="black"/>
                 </a:solidFill>
@@ -14007,7 +13994,7 @@
               <a:t>B</a:t>
             </a:r>
             <a:r>
-              <a:rPr lang="zh-CN" altLang="en-US" sz="2400" b="1" dirty="0" smtClean="0">
+              <a:rPr lang="zh-CN" altLang="en-US" sz="2400" b="1" dirty="0">
                 <a:solidFill>
                   <a:prstClr val="black"/>
                 </a:solidFill>
@@ -14015,7 +14002,7 @@
               <a:t>：大平原   </a:t>
             </a:r>
             <a:r>
-              <a:rPr lang="en-US" altLang="zh-CN" sz="2400" b="1" dirty="0" smtClean="0">
+              <a:rPr lang="en-US" altLang="zh-CN" sz="2400" b="1" dirty="0">
                 <a:solidFill>
                   <a:prstClr val="black"/>
                 </a:solidFill>
@@ -14023,7 +14010,7 @@
               <a:t>C</a:t>
             </a:r>
             <a:r>
-              <a:rPr lang="zh-CN" altLang="en-US" sz="2400" b="1" dirty="0" smtClean="0">
+              <a:rPr lang="zh-CN" altLang="en-US" sz="2400" b="1" dirty="0">
                 <a:solidFill>
                   <a:prstClr val="black"/>
                 </a:solidFill>
@@ -14189,7 +14176,7 @@
               </a:spcAft>
             </a:pPr>
             <a:r>
-              <a:rPr lang="zh-CN" altLang="en-US" sz="2400" b="1" dirty="0" smtClean="0">
+              <a:rPr lang="zh-CN" altLang="en-US" sz="2400" b="1" dirty="0">
                 <a:solidFill>
                   <a:prstClr val="black"/>
                 </a:solidFill>
@@ -14536,7 +14523,7 @@
                   <a:spcPct val="0"/>
                 </a:spcAft>
               </a:pPr>
-              <a:endParaRPr lang="zh-CN" altLang="en-US" smtClean="0">
+              <a:endParaRPr lang="zh-CN" altLang="en-US">
                 <a:solidFill>
                   <a:prstClr val="black"/>
                 </a:solidFill>
@@ -14710,7 +14697,7 @@
                 </a:spcAft>
               </a:pPr>
               <a:r>
-                <a:rPr lang="en-US" altLang="zh-CN" sz="2800" b="1" dirty="0" smtClean="0">
+                <a:rPr lang="en-US" altLang="zh-CN" sz="2800" b="1" dirty="0">
                   <a:solidFill>
                     <a:prstClr val="black"/>
                   </a:solidFill>
@@ -14719,7 +14706,7 @@
                 <a:t>    </a:t>
               </a:r>
               <a:r>
-                <a:rPr lang="zh-CN" altLang="en-US" sz="2800" b="1" dirty="0" smtClean="0">
+                <a:rPr lang="zh-CN" altLang="en-US" sz="2800" b="1" dirty="0">
                   <a:solidFill>
                     <a:prstClr val="black"/>
                   </a:solidFill>
@@ -14727,7 +14714,7 @@
                 </a:rPr>
                 <a:t>总结：北美洲地形特征</a:t>
               </a:r>
-              <a:endParaRPr lang="en-US" altLang="zh-CN" sz="2800" b="1" dirty="0" smtClean="0">
+              <a:endParaRPr lang="en-US" altLang="zh-CN" sz="2800" b="1" dirty="0">
                 <a:solidFill>
                   <a:prstClr val="black"/>
                 </a:solidFill>
@@ -14747,7 +14734,7 @@
                 </a:spcAft>
               </a:pPr>
               <a:r>
-                <a:rPr lang="zh-CN" altLang="en-US" sz="2800" b="1" dirty="0" smtClean="0">
+                <a:rPr lang="zh-CN" altLang="en-US" sz="2800" b="1" dirty="0">
                   <a:solidFill>
                     <a:srgbClr val="FF0000"/>
                   </a:solidFill>
@@ -14755,7 +14742,7 @@
                 </a:rPr>
                 <a:t>平均海拔较高，地势起伏较大；地形分成三大南北纵列带：西部是高大的山系，中部是广阔的平原，东部是低缓的山地和高原；地势东西高，中间低。</a:t>
               </a:r>
-              <a:endParaRPr lang="en-US" altLang="zh-CN" sz="2800" b="1" dirty="0" smtClean="0">
+              <a:endParaRPr lang="en-US" altLang="zh-CN" sz="2800" b="1" dirty="0">
                 <a:solidFill>
                   <a:srgbClr val="FF0000"/>
                 </a:solidFill>
@@ -14996,7 +14983,7 @@
                 </a:spcAft>
               </a:pPr>
               <a:r>
-                <a:rPr lang="zh-CN" altLang="en-US" sz="2500" b="1" dirty="0" smtClean="0">
+                <a:rPr lang="zh-CN" altLang="en-US" sz="2500" b="1" dirty="0">
                   <a:solidFill>
                     <a:srgbClr val="FFFF00"/>
                   </a:solidFill>
@@ -15018,13 +15005,6 @@
   <p:clrMapOvr>
     <a:masterClrMapping/>
   </p:clrMapOvr>
-  <p:timing>
-    <p:tnLst>
-      <p:par>
-        <p:cTn id="1" dur="indefinite" restart="never" nodeType="tmRoot"/>
-      </p:par>
-    </p:tnLst>
-  </p:timing>
 </p:sld>
 </file>
 
@@ -15158,7 +15138,7 @@
                   <a:spcPct val="0"/>
                 </a:spcAft>
               </a:pPr>
-              <a:endParaRPr lang="zh-CN" altLang="en-US" smtClean="0">
+              <a:endParaRPr lang="zh-CN" altLang="en-US">
                 <a:solidFill>
                   <a:prstClr val="black"/>
                 </a:solidFill>
@@ -15332,7 +15312,7 @@
                 </a:spcAft>
               </a:pPr>
               <a:r>
-                <a:rPr lang="en-US" altLang="zh-CN" sz="2400" dirty="0" smtClean="0">
+                <a:rPr lang="en-US" altLang="zh-CN" sz="2400" dirty="0">
                   <a:solidFill>
                     <a:prstClr val="black"/>
                   </a:solidFill>
@@ -15341,7 +15321,7 @@
                 <a:t>    </a:t>
               </a:r>
               <a:r>
-                <a:rPr lang="zh-CN" altLang="en-US" sz="2400" dirty="0" smtClean="0">
+                <a:rPr lang="zh-CN" altLang="en-US" sz="2400" dirty="0">
                   <a:solidFill>
                     <a:prstClr val="black"/>
                   </a:solidFill>
@@ -15363,7 +15343,7 @@
                 </a:spcAft>
               </a:pPr>
               <a:r>
-                <a:rPr lang="zh-CN" altLang="en-US" sz="2400" dirty="0" smtClean="0">
+                <a:rPr lang="zh-CN" altLang="en-US" sz="2400" dirty="0">
                   <a:solidFill>
                     <a:prstClr val="black"/>
                   </a:solidFill>
@@ -15372,7 +15352,7 @@
                 <a:t>世界第一大岛</a:t>
               </a:r>
               <a:r>
-                <a:rPr lang="en-US" altLang="zh-CN" sz="2400" dirty="0" smtClean="0">
+                <a:rPr lang="en-US" altLang="zh-CN" sz="2400" dirty="0">
                   <a:solidFill>
                     <a:prstClr val="black"/>
                   </a:solidFill>
@@ -15381,7 +15361,7 @@
                 <a:t>—</a:t>
               </a:r>
               <a:r>
-                <a:rPr lang="zh-CN" altLang="en-US" sz="2400" dirty="0" smtClean="0">
+                <a:rPr lang="zh-CN" altLang="en-US" sz="2400" dirty="0">
                   <a:solidFill>
                     <a:srgbClr val="FF0000"/>
                   </a:solidFill>
@@ -15403,7 +15383,7 @@
                 </a:spcAft>
               </a:pPr>
               <a:r>
-                <a:rPr lang="zh-CN" altLang="en-US" sz="2400" dirty="0" smtClean="0">
+                <a:rPr lang="zh-CN" altLang="en-US" sz="2400" dirty="0">
                   <a:solidFill>
                     <a:prstClr val="black"/>
                   </a:solidFill>
@@ -15412,7 +15392,7 @@
                 <a:t>世界上最大的淡水湖群</a:t>
               </a:r>
               <a:r>
-                <a:rPr lang="en-US" altLang="zh-CN" sz="2400" dirty="0" smtClean="0">
+                <a:rPr lang="en-US" altLang="zh-CN" sz="2400" dirty="0">
                   <a:solidFill>
                     <a:prstClr val="black"/>
                   </a:solidFill>
@@ -15421,7 +15401,7 @@
                 <a:t>—</a:t>
               </a:r>
               <a:r>
-                <a:rPr lang="zh-CN" altLang="en-US" sz="2400" dirty="0" smtClean="0">
+                <a:rPr lang="zh-CN" altLang="en-US" sz="2400" dirty="0">
                   <a:solidFill>
                     <a:srgbClr val="FF0000"/>
                   </a:solidFill>
@@ -15443,7 +15423,7 @@
                 </a:spcAft>
               </a:pPr>
               <a:r>
-                <a:rPr lang="zh-CN" altLang="en-US" sz="2400" dirty="0" smtClean="0">
+                <a:rPr lang="zh-CN" altLang="en-US" sz="2400" dirty="0">
                   <a:solidFill>
                     <a:prstClr val="black"/>
                   </a:solidFill>
@@ -15452,7 +15432,7 @@
                 <a:t>北美洲最长的河流</a:t>
               </a:r>
               <a:r>
-                <a:rPr lang="en-US" altLang="zh-CN" sz="2400" dirty="0" smtClean="0">
+                <a:rPr lang="en-US" altLang="zh-CN" sz="2400" dirty="0">
                   <a:solidFill>
                     <a:prstClr val="black"/>
                   </a:solidFill>
@@ -15461,7 +15441,7 @@
                 <a:t>—</a:t>
               </a:r>
               <a:r>
-                <a:rPr lang="zh-CN" altLang="en-US" sz="2400" dirty="0" smtClean="0">
+                <a:rPr lang="zh-CN" altLang="en-US" sz="2400" dirty="0">
                   <a:solidFill>
                     <a:prstClr val="black"/>
                   </a:solidFill>
@@ -15470,7 +15450,7 @@
                 <a:t>密</a:t>
               </a:r>
               <a:r>
-                <a:rPr lang="zh-CN" altLang="en-US" sz="2400" dirty="0" smtClean="0">
+                <a:rPr lang="zh-CN" altLang="en-US" sz="2400" dirty="0">
                   <a:solidFill>
                     <a:srgbClr val="FF0000"/>
                   </a:solidFill>
@@ -15492,7 +15472,7 @@
                 </a:spcAft>
               </a:pPr>
               <a:r>
-                <a:rPr lang="zh-CN" altLang="en-US" sz="2400" dirty="0" smtClean="0">
+                <a:rPr lang="zh-CN" altLang="en-US" sz="2400" dirty="0">
                   <a:solidFill>
                     <a:prstClr val="black"/>
                   </a:solidFill>
@@ -15501,7 +15481,7 @@
                 <a:t>北美洲最高的山脉</a:t>
               </a:r>
               <a:r>
-                <a:rPr lang="en-US" altLang="zh-CN" sz="2400" dirty="0" smtClean="0">
+                <a:rPr lang="en-US" altLang="zh-CN" sz="2400" dirty="0">
                   <a:solidFill>
                     <a:prstClr val="black"/>
                   </a:solidFill>
@@ -15510,7 +15490,7 @@
                 <a:t>—</a:t>
               </a:r>
               <a:r>
-                <a:rPr lang="zh-CN" altLang="en-US" sz="2400" dirty="0" smtClean="0">
+                <a:rPr lang="zh-CN" altLang="en-US" sz="2400" dirty="0">
                   <a:solidFill>
                     <a:srgbClr val="FF0000"/>
                   </a:solidFill>
@@ -15567,7 +15547,7 @@
                 <a:spcPct val="0"/>
               </a:spcAft>
             </a:pPr>
-            <a:endParaRPr lang="zh-CN" altLang="en-US" smtClean="0">
+            <a:endParaRPr lang="zh-CN" altLang="en-US">
               <a:solidFill>
                 <a:prstClr val="black"/>
               </a:solidFill>
@@ -15622,7 +15602,7 @@
                 <a:spcPct val="0"/>
               </a:spcAft>
             </a:pPr>
-            <a:endParaRPr lang="zh-CN" altLang="en-US" smtClean="0">
+            <a:endParaRPr lang="zh-CN" altLang="en-US">
               <a:solidFill>
                 <a:prstClr val="black"/>
               </a:solidFill>
@@ -15677,7 +15657,7 @@
                 <a:spcPct val="0"/>
               </a:spcAft>
             </a:pPr>
-            <a:endParaRPr lang="zh-CN" altLang="en-US" smtClean="0">
+            <a:endParaRPr lang="zh-CN" altLang="en-US">
               <a:solidFill>
                 <a:prstClr val="black"/>
               </a:solidFill>
@@ -15732,7 +15712,7 @@
                 <a:spcPct val="0"/>
               </a:spcAft>
             </a:pPr>
-            <a:endParaRPr lang="zh-CN" altLang="en-US" smtClean="0">
+            <a:endParaRPr lang="zh-CN" altLang="en-US">
               <a:solidFill>
                 <a:prstClr val="black"/>
               </a:solidFill>
@@ -15973,7 +15953,7 @@
                 </a:spcAft>
               </a:pPr>
               <a:r>
-                <a:rPr lang="zh-CN" altLang="en-US" sz="2500" b="1" dirty="0" smtClean="0">
+                <a:rPr lang="zh-CN" altLang="en-US" sz="2500" b="1" dirty="0">
                   <a:solidFill>
                     <a:srgbClr val="FFFF00"/>
                   </a:solidFill>
@@ -16494,7 +16474,7 @@
                 </a:spcAft>
               </a:pPr>
               <a:r>
-                <a:rPr lang="zh-CN" altLang="en-US" sz="2500" b="1" dirty="0" smtClean="0">
+                <a:rPr lang="zh-CN" altLang="en-US" sz="2500" b="1" dirty="0">
                   <a:solidFill>
                     <a:srgbClr val="FFFF00"/>
                   </a:solidFill>
@@ -16606,7 +16586,7 @@
                   <a:spcPct val="0"/>
                 </a:spcAft>
               </a:pPr>
-              <a:endParaRPr lang="zh-CN" altLang="en-US" smtClean="0">
+              <a:endParaRPr lang="zh-CN" altLang="en-US">
                 <a:solidFill>
                   <a:prstClr val="black"/>
                 </a:solidFill>
@@ -16780,7 +16760,7 @@
                 </a:spcAft>
               </a:pPr>
               <a:r>
-                <a:rPr lang="en-US" altLang="zh-CN" sz="2400" dirty="0" smtClean="0">
+                <a:rPr lang="en-US" altLang="zh-CN" sz="2400" dirty="0">
                   <a:solidFill>
                     <a:prstClr val="black"/>
                   </a:solidFill>
@@ -16789,7 +16769,7 @@
                 <a:t>    </a:t>
               </a:r>
               <a:r>
-                <a:rPr lang="zh-CN" altLang="en-US" sz="2400" dirty="0" smtClean="0">
+                <a:rPr lang="zh-CN" altLang="en-US" sz="2400" dirty="0">
                   <a:solidFill>
                     <a:prstClr val="black"/>
                   </a:solidFill>
@@ -16797,7 +16777,7 @@
                 </a:rPr>
                 <a:t>读图，分析密西西河的水系特征</a:t>
               </a:r>
-              <a:endParaRPr lang="en-US" altLang="zh-CN" sz="2400" dirty="0" smtClean="0">
+              <a:endParaRPr lang="en-US" altLang="zh-CN" sz="2400" dirty="0">
                 <a:solidFill>
                   <a:prstClr val="black"/>
                 </a:solidFill>
@@ -16817,7 +16797,7 @@
                 </a:spcAft>
               </a:pPr>
               <a:r>
-                <a:rPr lang="zh-CN" altLang="en-US" sz="2400" dirty="0" smtClean="0">
+                <a:rPr lang="zh-CN" altLang="en-US" sz="2400" dirty="0">
                   <a:solidFill>
                     <a:srgbClr val="FF0000"/>
                   </a:solidFill>
@@ -16825,7 +16805,7 @@
                 </a:rPr>
                 <a:t>主要流经地形区：</a:t>
               </a:r>
-              <a:endParaRPr lang="en-US" altLang="zh-CN" sz="2400" dirty="0" smtClean="0">
+              <a:endParaRPr lang="en-US" altLang="zh-CN" sz="2400" dirty="0">
                 <a:solidFill>
                   <a:srgbClr val="FF0000"/>
                 </a:solidFill>
@@ -16845,7 +16825,7 @@
                 </a:spcAft>
               </a:pPr>
               <a:r>
-                <a:rPr lang="zh-CN" altLang="en-US" sz="2400" dirty="0" smtClean="0">
+                <a:rPr lang="zh-CN" altLang="en-US" sz="2400" dirty="0">
                   <a:solidFill>
                     <a:srgbClr val="FF0000"/>
                   </a:solidFill>
@@ -16853,7 +16833,7 @@
                 </a:rPr>
                 <a:t>流向：</a:t>
               </a:r>
-              <a:endParaRPr lang="en-US" altLang="zh-CN" sz="2400" dirty="0" smtClean="0">
+              <a:endParaRPr lang="en-US" altLang="zh-CN" sz="2400" dirty="0">
                 <a:solidFill>
                   <a:srgbClr val="FF0000"/>
                 </a:solidFill>
@@ -16873,7 +16853,7 @@
                 </a:spcAft>
               </a:pPr>
               <a:r>
-                <a:rPr lang="zh-CN" altLang="en-US" sz="2400" dirty="0" smtClean="0">
+                <a:rPr lang="zh-CN" altLang="en-US" sz="2400" dirty="0">
                   <a:solidFill>
                     <a:srgbClr val="FF0000"/>
                   </a:solidFill>
@@ -16895,13 +16875,6 @@
   <p:clrMapOvr>
     <a:masterClrMapping/>
   </p:clrMapOvr>
-  <p:timing>
-    <p:tnLst>
-      <p:par>
-        <p:cTn id="1" dur="indefinite" restart="never" nodeType="tmRoot"/>
-      </p:par>
-    </p:tnLst>
-  </p:timing>
 </p:sld>
 </file>
 
@@ -17153,7 +17126,7 @@
                 </a:spcAft>
               </a:pPr>
               <a:r>
-                <a:rPr lang="zh-CN" altLang="en-US" sz="2500" b="1" dirty="0" smtClean="0">
+                <a:rPr lang="zh-CN" altLang="en-US" sz="2500" b="1" dirty="0">
                   <a:solidFill>
                     <a:srgbClr val="FFFF00"/>
                   </a:solidFill>
@@ -17265,7 +17238,7 @@
                   <a:spcPct val="0"/>
                 </a:spcAft>
               </a:pPr>
-              <a:endParaRPr lang="zh-CN" altLang="en-US" smtClean="0">
+              <a:endParaRPr lang="zh-CN" altLang="en-US">
                 <a:solidFill>
                   <a:prstClr val="black"/>
                 </a:solidFill>
@@ -17439,7 +17412,7 @@
                 </a:spcAft>
               </a:pPr>
               <a:r>
-                <a:rPr lang="en-US" altLang="zh-CN" sz="2400" b="1" dirty="0" smtClean="0">
+                <a:rPr lang="en-US" altLang="zh-CN" sz="2400" b="1" dirty="0">
                   <a:solidFill>
                     <a:prstClr val="black"/>
                   </a:solidFill>
@@ -17448,7 +17421,7 @@
                 <a:t>    </a:t>
               </a:r>
               <a:r>
-                <a:rPr lang="zh-CN" altLang="en-US" sz="2400" b="1" dirty="0" smtClean="0">
+                <a:rPr lang="zh-CN" altLang="en-US" sz="2400" b="1" dirty="0">
                   <a:solidFill>
                     <a:prstClr val="black"/>
                   </a:solidFill>
@@ -17457,7 +17430,7 @@
                 <a:t>读图，分析北美洲气候特征</a:t>
               </a:r>
               <a:r>
-                <a:rPr lang="en-US" altLang="zh-CN" sz="2400" b="1" dirty="0" smtClean="0">
+                <a:rPr lang="en-US" altLang="zh-CN" sz="2400" b="1" dirty="0">
                   <a:solidFill>
                     <a:prstClr val="black"/>
                   </a:solidFill>
@@ -17466,7 +17439,7 @@
                 <a:t>:</a:t>
               </a:r>
               <a:r>
-                <a:rPr lang="zh-CN" altLang="en-US" sz="2400" b="1" dirty="0" smtClean="0">
+                <a:rPr lang="zh-CN" altLang="en-US" sz="2400" b="1" dirty="0">
                   <a:solidFill>
                     <a:prstClr val="black"/>
                   </a:solidFill>
@@ -17474,7 +17447,7 @@
                 </a:rPr>
                 <a:t>北美洲地跨哪几个温度带？气候类型具有什么特点？以哪种气候类型为主？</a:t>
               </a:r>
-              <a:endParaRPr lang="zh-CN" altLang="en-US" sz="2400" b="1" dirty="0" smtClean="0">
+              <a:endParaRPr lang="zh-CN" altLang="en-US" sz="2400" b="1" dirty="0">
                 <a:solidFill>
                   <a:srgbClr val="FF0000"/>
                 </a:solidFill>
@@ -17528,7 +17501,7 @@
               </a:spcAft>
             </a:pPr>
             <a:r>
-              <a:rPr lang="zh-CN" altLang="en-US" sz="2400" b="1" dirty="0" smtClean="0">
+              <a:rPr lang="zh-CN" altLang="en-US" sz="2400" b="1" dirty="0">
                 <a:solidFill>
                   <a:srgbClr val="FF0000"/>
                 </a:solidFill>
@@ -17537,7 +17510,7 @@
               </a:rPr>
               <a:t>地跨北寒带、北温带和热</a:t>
             </a:r>
-            <a:endParaRPr lang="en-US" altLang="zh-CN" sz="2400" b="1" dirty="0" smtClean="0">
+            <a:endParaRPr lang="en-US" altLang="zh-CN" sz="2400" b="1" dirty="0">
               <a:solidFill>
                 <a:srgbClr val="FF0000"/>
               </a:solidFill>
@@ -17555,7 +17528,7 @@
               </a:spcAft>
             </a:pPr>
             <a:r>
-              <a:rPr lang="zh-CN" altLang="en-US" sz="2400" b="1" dirty="0" smtClean="0">
+              <a:rPr lang="zh-CN" altLang="en-US" sz="2400" b="1" dirty="0">
                 <a:solidFill>
                   <a:srgbClr val="FF0000"/>
                 </a:solidFill>
@@ -17565,7 +17538,7 @@
               <a:t>带，</a:t>
             </a:r>
             <a:r>
-              <a:rPr lang="zh-CN" altLang="en-US" sz="2800" b="1" dirty="0" smtClean="0">
+              <a:rPr lang="zh-CN" altLang="en-US" sz="2800" b="1" dirty="0">
                 <a:solidFill>
                   <a:prstClr val="black"/>
                 </a:solidFill>
@@ -17574,7 +17547,7 @@
               </a:rPr>
               <a:t>气候类型复杂多样；</a:t>
             </a:r>
-            <a:endParaRPr lang="en-US" altLang="zh-CN" sz="2800" b="1" dirty="0" smtClean="0">
+            <a:endParaRPr lang="en-US" altLang="zh-CN" sz="2800" b="1" dirty="0">
               <a:solidFill>
                 <a:prstClr val="black"/>
               </a:solidFill>
@@ -17592,36 +17565,16 @@
               </a:spcAft>
             </a:pPr>
             <a:r>
-              <a:rPr lang="zh-CN" altLang="en-US" sz="2400" b="1" dirty="0" smtClean="0">
+              <a:rPr lang="zh-CN" altLang="en-US" sz="2400" b="1" dirty="0">
                 <a:solidFill>
                   <a:srgbClr val="FF0000"/>
                 </a:solidFill>
                 <a:latin typeface="Arial" pitchFamily="34" charset="0"/>
                 <a:ea typeface="宋体" pitchFamily="2" charset="-122"/>
               </a:rPr>
-              <a:t>大部分地区位于北温带</a:t>
+              <a:t>大部分地区位于北温带，以</a:t>
             </a:r>
-            <a:r>
-              <a:rPr lang="zh-CN" altLang="en-US" sz="2400" b="1" dirty="0" smtClean="0">
-                <a:solidFill>
-                  <a:srgbClr val="FF0000"/>
-                </a:solidFill>
-                <a:latin typeface="Arial" pitchFamily="34" charset="0"/>
-                <a:ea typeface="宋体" pitchFamily="2" charset="-122"/>
-              </a:rPr>
-              <a:t>，</a:t>
-            </a:r>
-            <a:r>
-              <a:rPr lang="zh-CN" altLang="en-US" sz="2400" b="1" dirty="0">
-                <a:solidFill>
-                  <a:srgbClr val="FF0000"/>
-                </a:solidFill>
-                <a:latin typeface="Arial" pitchFamily="34" charset="0"/>
-                <a:ea typeface="宋体" pitchFamily="2" charset="-122"/>
-              </a:rPr>
-              <a:t>以</a:t>
-            </a:r>
-            <a:endParaRPr lang="en-US" altLang="zh-CN" sz="2400" b="1" dirty="0" smtClean="0">
+            <a:endParaRPr lang="en-US" altLang="zh-CN" sz="2400" b="1" dirty="0">
               <a:solidFill>
                 <a:srgbClr val="FF0000"/>
               </a:solidFill>
@@ -17639,7 +17592,7 @@
               </a:spcAft>
             </a:pPr>
             <a:r>
-              <a:rPr lang="zh-CN" altLang="en-US" sz="2800" b="1" dirty="0" smtClean="0">
+              <a:rPr lang="zh-CN" altLang="en-US" sz="2800" b="1" dirty="0">
                 <a:solidFill>
                   <a:prstClr val="black"/>
                 </a:solidFill>
@@ -17649,7 +17602,7 @@
               <a:t>①</a:t>
             </a:r>
             <a:r>
-              <a:rPr lang="zh-CN" altLang="en-US" sz="2800" b="1" dirty="0" smtClean="0">
+              <a:rPr lang="zh-CN" altLang="en-US" sz="2800" b="1" dirty="0">
                 <a:solidFill>
                   <a:prstClr val="black"/>
                 </a:solidFill>
@@ -17658,7 +17611,7 @@
               </a:rPr>
               <a:t>温带大陆性气候为主</a:t>
             </a:r>
-            <a:endParaRPr lang="zh-CN" altLang="en-US" sz="2400" b="1" dirty="0" smtClean="0">
+            <a:endParaRPr lang="zh-CN" altLang="en-US" sz="2400" b="1" dirty="0">
               <a:solidFill>
                 <a:srgbClr val="FF0000"/>
               </a:solidFill>
@@ -17697,30 +17650,30 @@
           <a:lstStyle/>
           <a:p>
             <a:r>
-              <a:rPr lang="zh-CN" altLang="en-US" sz="2000" dirty="0" smtClean="0"/>
+              <a:rPr lang="zh-CN" altLang="en-US" sz="2000" dirty="0"/>
               <a:t>温馨提示：同学们，对于这部分内容，大家可以先观看微视频，然后在学习</a:t>
             </a:r>
             <a:r>
-              <a:rPr lang="en-US" altLang="zh-CN" sz="2000" dirty="0" smtClean="0"/>
+              <a:rPr lang="en-US" altLang="zh-CN" sz="2000" dirty="0"/>
               <a:t>PPT</a:t>
             </a:r>
             <a:r>
-              <a:rPr lang="zh-CN" altLang="en-US" sz="2000" dirty="0" smtClean="0"/>
+              <a:rPr lang="zh-CN" altLang="en-US" sz="2000" dirty="0"/>
               <a:t>的第</a:t>
             </a:r>
             <a:r>
-              <a:rPr lang="en-US" altLang="zh-CN" sz="2000" dirty="0" smtClean="0"/>
+              <a:rPr lang="en-US" altLang="zh-CN" sz="2000" dirty="0"/>
               <a:t>16-18</a:t>
             </a:r>
             <a:r>
-              <a:rPr lang="zh-CN" altLang="en-US" sz="2000" dirty="0" smtClean="0"/>
+              <a:rPr lang="zh-CN" altLang="en-US" sz="2000" dirty="0"/>
               <a:t>页，以便将重点知识更好的落实在导学案上。</a:t>
             </a:r>
-            <a:endParaRPr lang="en-US" altLang="zh-CN" sz="2000" dirty="0" smtClean="0"/>
+            <a:endParaRPr lang="en-US" altLang="zh-CN" sz="2000" dirty="0"/>
           </a:p>
           <a:p>
             <a:r>
-              <a:rPr lang="zh-CN" altLang="en-US" sz="2000" b="1" dirty="0" smtClean="0">
+              <a:rPr lang="zh-CN" altLang="en-US" sz="2000" b="1" dirty="0">
                 <a:solidFill>
                   <a:srgbClr val="FF0000"/>
                 </a:solidFill>
@@ -17952,7 +17905,7 @@
                   <a:spcPct val="0"/>
                 </a:spcAft>
               </a:pPr>
-              <a:endParaRPr lang="zh-CN" altLang="en-US" smtClean="0">
+              <a:endParaRPr lang="zh-CN" altLang="en-US">
                 <a:solidFill>
                   <a:prstClr val="black"/>
                 </a:solidFill>
@@ -18126,7 +18079,7 @@
                 </a:spcAft>
               </a:pPr>
               <a:r>
-                <a:rPr lang="en-US" altLang="zh-CN" sz="2400" b="1" dirty="0" smtClean="0">
+                <a:rPr lang="en-US" altLang="zh-CN" sz="2400" b="1" dirty="0">
                   <a:solidFill>
                     <a:prstClr val="black"/>
                   </a:solidFill>
@@ -18135,7 +18088,7 @@
                 <a:t>    </a:t>
               </a:r>
               <a:r>
-                <a:rPr lang="zh-CN" altLang="en-US" sz="2400" b="1" dirty="0" smtClean="0">
+                <a:rPr lang="zh-CN" altLang="en-US" sz="2400" b="1" dirty="0">
                   <a:solidFill>
                     <a:prstClr val="black"/>
                   </a:solidFill>
@@ -18143,7 +18096,7 @@
                 </a:rPr>
                 <a:t>探究：北美洲的地中海区划和温带海洋性气候在分布上有什么突出特点？为什么？</a:t>
               </a:r>
-              <a:endParaRPr lang="zh-CN" altLang="en-US" sz="2400" b="1" dirty="0" smtClean="0">
+              <a:endParaRPr lang="zh-CN" altLang="en-US" sz="2400" b="1" dirty="0">
                 <a:solidFill>
                   <a:srgbClr val="FF0000"/>
                 </a:solidFill>
@@ -18217,7 +18170,7 @@
                 <a:graphicData uri="http://schemas.openxmlformats.org/presentationml/2006/ole">
                   <mc:AlternateContent xmlns:mc="http://schemas.openxmlformats.org/markup-compatibility/2006">
                     <mc:Choice xmlns:v="urn:schemas-microsoft-com:vml" Requires="v">
-                      <p:oleObj spid="_x0000_s1033" r:id="rId5" imgW="4858428" imgH="2781688" progId="PBrush">
+                      <p:oleObj spid="_x0000_s1034" r:id="rId5" imgW="4858428" imgH="2781688" progId="PBrush">
                         <p:embed/>
                       </p:oleObj>
                     </mc:Choice>
@@ -18345,7 +18298,7 @@
                         <a:spcPct val="0"/>
                       </a:spcAft>
                     </a:pPr>
-                    <a:endParaRPr lang="zh-CN" altLang="en-US" smtClean="0">
+                    <a:endParaRPr lang="zh-CN" altLang="en-US">
                       <a:solidFill>
                         <a:prstClr val="black"/>
                       </a:solidFill>
@@ -18400,7 +18353,7 @@
                         <a:spcPct val="0"/>
                       </a:spcAft>
                     </a:pPr>
-                    <a:endParaRPr lang="zh-CN" altLang="en-US" smtClean="0">
+                    <a:endParaRPr lang="zh-CN" altLang="en-US">
                       <a:solidFill>
                         <a:prstClr val="black"/>
                       </a:solidFill>
@@ -18455,7 +18408,7 @@
                         <a:spcPct val="0"/>
                       </a:spcAft>
                     </a:pPr>
-                    <a:endParaRPr lang="zh-CN" altLang="en-US" smtClean="0">
+                    <a:endParaRPr lang="zh-CN" altLang="en-US">
                       <a:solidFill>
                         <a:prstClr val="black"/>
                       </a:solidFill>
@@ -18510,7 +18463,7 @@
                         <a:spcPct val="0"/>
                       </a:spcAft>
                     </a:pPr>
-                    <a:endParaRPr lang="zh-CN" altLang="en-US" smtClean="0">
+                    <a:endParaRPr lang="zh-CN" altLang="en-US">
                       <a:solidFill>
                         <a:prstClr val="black"/>
                       </a:solidFill>
@@ -18565,7 +18518,7 @@
                         <a:spcPct val="0"/>
                       </a:spcAft>
                     </a:pPr>
-                    <a:endParaRPr lang="zh-CN" altLang="en-US" smtClean="0">
+                    <a:endParaRPr lang="zh-CN" altLang="en-US">
                       <a:solidFill>
                         <a:prstClr val="black"/>
                       </a:solidFill>
@@ -18621,7 +18574,7 @@
                         <a:spcPct val="0"/>
                       </a:spcAft>
                     </a:pPr>
-                    <a:endParaRPr lang="zh-CN" altLang="en-US" smtClean="0">
+                    <a:endParaRPr lang="zh-CN" altLang="en-US">
                       <a:solidFill>
                         <a:prstClr val="black"/>
                       </a:solidFill>
@@ -18798,7 +18751,7 @@
                   </a:spcAft>
                 </a:pPr>
                 <a:r>
-                  <a:rPr lang="en-US" altLang="zh-CN" sz="1600" smtClean="0">
+                  <a:rPr lang="en-US" altLang="zh-CN" sz="1600">
                     <a:solidFill>
                       <a:srgbClr val="FF0000"/>
                     </a:solidFill>
@@ -18806,7 +18759,7 @@
                   </a:rPr>
                   <a:t>40°N</a:t>
                 </a:r>
-                <a:endParaRPr lang="en-US" altLang="zh-CN" sz="1600" smtClean="0">
+                <a:endParaRPr lang="en-US" altLang="zh-CN" sz="1600">
                   <a:solidFill>
                     <a:prstClr val="black"/>
                   </a:solidFill>
@@ -18980,7 +18933,7 @@
                   </a:spcAft>
                 </a:pPr>
                 <a:r>
-                  <a:rPr lang="zh-CN" altLang="en-US" sz="1400" smtClean="0">
+                  <a:rPr lang="zh-CN" altLang="en-US" sz="1400">
                     <a:solidFill>
                       <a:srgbClr val="FF0000"/>
                     </a:solidFill>
@@ -18988,7 +18941,7 @@
                   </a:rPr>
                   <a:t>北极圈</a:t>
                 </a:r>
-                <a:endParaRPr lang="zh-CN" altLang="en-US" sz="1400" smtClean="0">
+                <a:endParaRPr lang="zh-CN" altLang="en-US" sz="1400">
                   <a:solidFill>
                     <a:srgbClr val="B0CCB0"/>
                   </a:solidFill>
@@ -19162,7 +19115,7 @@
                   </a:spcAft>
                 </a:pPr>
                 <a:r>
-                  <a:rPr lang="zh-CN" altLang="en-US" sz="2800" b="1" dirty="0" smtClean="0">
+                  <a:rPr lang="zh-CN" altLang="en-US" sz="2800" b="1" dirty="0">
                     <a:solidFill>
                       <a:srgbClr val="0000FF"/>
                     </a:solidFill>
@@ -19338,7 +19291,7 @@
                   </a:spcAft>
                 </a:pPr>
                 <a:r>
-                  <a:rPr lang="zh-CN" altLang="en-US" sz="3200" b="1" smtClean="0">
+                  <a:rPr lang="zh-CN" altLang="en-US" sz="3200" b="1">
                     <a:solidFill>
                       <a:srgbClr val="0000FF"/>
                     </a:solidFill>
@@ -19514,7 +19467,7 @@
                   </a:spcAft>
                 </a:pPr>
                 <a:r>
-                  <a:rPr lang="zh-CN" altLang="en-US" sz="3200" b="1" smtClean="0">
+                  <a:rPr lang="zh-CN" altLang="en-US" sz="3200" b="1">
                     <a:solidFill>
                       <a:srgbClr val="0000FF"/>
                     </a:solidFill>
@@ -19587,7 +19540,7 @@
                     <a:spcPct val="0"/>
                   </a:spcAft>
                 </a:pPr>
-                <a:endParaRPr lang="zh-CN" altLang="en-US" smtClean="0">
+                <a:endParaRPr lang="zh-CN" altLang="en-US">
                   <a:solidFill>
                     <a:prstClr val="black"/>
                   </a:solidFill>
@@ -19642,7 +19595,7 @@
                     <a:spcPct val="0"/>
                   </a:spcAft>
                 </a:pPr>
-                <a:endParaRPr lang="zh-CN" altLang="en-US" smtClean="0">
+                <a:endParaRPr lang="zh-CN" altLang="en-US">
                   <a:solidFill>
                     <a:prstClr val="black"/>
                   </a:solidFill>
@@ -19697,7 +19650,7 @@
                     <a:spcPct val="0"/>
                   </a:spcAft>
                 </a:pPr>
-                <a:endParaRPr lang="zh-CN" altLang="en-US" smtClean="0">
+                <a:endParaRPr lang="zh-CN" altLang="en-US">
                   <a:solidFill>
                     <a:prstClr val="black"/>
                   </a:solidFill>
@@ -19769,7 +19722,7 @@
                     <a:spcPct val="0"/>
                   </a:spcAft>
                 </a:pPr>
-                <a:endParaRPr lang="zh-CN" altLang="en-US" smtClean="0">
+                <a:endParaRPr lang="zh-CN" altLang="en-US">
                   <a:solidFill>
                     <a:prstClr val="black"/>
                   </a:solidFill>
@@ -19824,7 +19777,7 @@
                     <a:spcPct val="0"/>
                   </a:spcAft>
                 </a:pPr>
-                <a:endParaRPr lang="zh-CN" altLang="en-US" smtClean="0">
+                <a:endParaRPr lang="zh-CN" altLang="en-US">
                   <a:solidFill>
                     <a:prstClr val="black"/>
                   </a:solidFill>
@@ -19879,7 +19832,7 @@
                     <a:spcPct val="0"/>
                   </a:spcAft>
                 </a:pPr>
-                <a:endParaRPr lang="zh-CN" altLang="en-US" smtClean="0">
+                <a:endParaRPr lang="zh-CN" altLang="en-US">
                   <a:solidFill>
                     <a:prstClr val="black"/>
                   </a:solidFill>
@@ -19951,7 +19904,7 @@
                     <a:spcPct val="0"/>
                   </a:spcAft>
                 </a:pPr>
-                <a:endParaRPr lang="zh-CN" altLang="en-US" smtClean="0">
+                <a:endParaRPr lang="zh-CN" altLang="en-US">
                   <a:solidFill>
                     <a:prstClr val="black"/>
                   </a:solidFill>
@@ -20006,7 +19959,7 @@
                     <a:spcPct val="0"/>
                   </a:spcAft>
                 </a:pPr>
-                <a:endParaRPr lang="zh-CN" altLang="en-US" smtClean="0">
+                <a:endParaRPr lang="zh-CN" altLang="en-US">
                   <a:solidFill>
                     <a:prstClr val="black"/>
                   </a:solidFill>
@@ -20061,7 +20014,7 @@
                     <a:spcPct val="0"/>
                   </a:spcAft>
                 </a:pPr>
-                <a:endParaRPr lang="zh-CN" altLang="en-US" smtClean="0">
+                <a:endParaRPr lang="zh-CN" altLang="en-US">
                   <a:solidFill>
                     <a:prstClr val="black"/>
                   </a:solidFill>
@@ -20133,7 +20086,7 @@
                     <a:spcPct val="0"/>
                   </a:spcAft>
                 </a:pPr>
-                <a:endParaRPr lang="zh-CN" altLang="en-US" smtClean="0">
+                <a:endParaRPr lang="zh-CN" altLang="en-US">
                   <a:solidFill>
                     <a:prstClr val="black"/>
                   </a:solidFill>
@@ -20188,7 +20141,7 @@
                     <a:spcPct val="0"/>
                   </a:spcAft>
                 </a:pPr>
-                <a:endParaRPr lang="zh-CN" altLang="en-US" smtClean="0">
+                <a:endParaRPr lang="zh-CN" altLang="en-US">
                   <a:solidFill>
                     <a:prstClr val="black"/>
                   </a:solidFill>
@@ -20243,7 +20196,7 @@
                     <a:spcPct val="0"/>
                   </a:spcAft>
                 </a:pPr>
-                <a:endParaRPr lang="zh-CN" altLang="en-US" smtClean="0">
+                <a:endParaRPr lang="zh-CN" altLang="en-US">
                   <a:solidFill>
                     <a:prstClr val="black"/>
                   </a:solidFill>
@@ -20315,7 +20268,7 @@
                     <a:spcPct val="0"/>
                   </a:spcAft>
                 </a:pPr>
-                <a:endParaRPr lang="zh-CN" altLang="en-US" smtClean="0">
+                <a:endParaRPr lang="zh-CN" altLang="en-US">
                   <a:solidFill>
                     <a:prstClr val="black"/>
                   </a:solidFill>
@@ -20370,7 +20323,7 @@
                     <a:spcPct val="0"/>
                   </a:spcAft>
                 </a:pPr>
-                <a:endParaRPr lang="zh-CN" altLang="en-US" smtClean="0">
+                <a:endParaRPr lang="zh-CN" altLang="en-US">
                   <a:solidFill>
                     <a:prstClr val="black"/>
                   </a:solidFill>
@@ -20425,7 +20378,7 @@
                     <a:spcPct val="0"/>
                   </a:spcAft>
                 </a:pPr>
-                <a:endParaRPr lang="zh-CN" altLang="en-US" smtClean="0">
+                <a:endParaRPr lang="zh-CN" altLang="en-US">
                   <a:solidFill>
                     <a:prstClr val="black"/>
                   </a:solidFill>
@@ -20497,7 +20450,7 @@
                     <a:spcPct val="0"/>
                   </a:spcAft>
                 </a:pPr>
-                <a:endParaRPr lang="zh-CN" altLang="en-US" smtClean="0">
+                <a:endParaRPr lang="zh-CN" altLang="en-US">
                   <a:solidFill>
                     <a:prstClr val="black"/>
                   </a:solidFill>
@@ -20552,7 +20505,7 @@
                     <a:spcPct val="0"/>
                   </a:spcAft>
                 </a:pPr>
-                <a:endParaRPr lang="zh-CN" altLang="en-US" smtClean="0">
+                <a:endParaRPr lang="zh-CN" altLang="en-US">
                   <a:solidFill>
                     <a:prstClr val="black"/>
                   </a:solidFill>
@@ -20607,7 +20560,7 @@
                     <a:spcPct val="0"/>
                   </a:spcAft>
                 </a:pPr>
-                <a:endParaRPr lang="zh-CN" altLang="en-US" smtClean="0">
+                <a:endParaRPr lang="zh-CN" altLang="en-US">
                   <a:solidFill>
                     <a:prstClr val="black"/>
                   </a:solidFill>
@@ -20679,7 +20632,7 @@
                     <a:spcPct val="0"/>
                   </a:spcAft>
                 </a:pPr>
-                <a:endParaRPr lang="zh-CN" altLang="en-US" smtClean="0">
+                <a:endParaRPr lang="zh-CN" altLang="en-US">
                   <a:solidFill>
                     <a:prstClr val="black"/>
                   </a:solidFill>
@@ -20734,7 +20687,7 @@
                     <a:spcPct val="0"/>
                   </a:spcAft>
                 </a:pPr>
-                <a:endParaRPr lang="zh-CN" altLang="en-US" smtClean="0">
+                <a:endParaRPr lang="zh-CN" altLang="en-US">
                   <a:solidFill>
                     <a:prstClr val="black"/>
                   </a:solidFill>
@@ -20789,7 +20742,7 @@
                     <a:spcPct val="0"/>
                   </a:spcAft>
                 </a:pPr>
-                <a:endParaRPr lang="zh-CN" altLang="en-US" smtClean="0">
+                <a:endParaRPr lang="zh-CN" altLang="en-US">
                   <a:solidFill>
                     <a:prstClr val="black"/>
                   </a:solidFill>
@@ -20861,7 +20814,7 @@
                     <a:spcPct val="0"/>
                   </a:spcAft>
                 </a:pPr>
-                <a:endParaRPr lang="zh-CN" altLang="en-US" smtClean="0">
+                <a:endParaRPr lang="zh-CN" altLang="en-US">
                   <a:solidFill>
                     <a:prstClr val="black"/>
                   </a:solidFill>
@@ -20916,7 +20869,7 @@
                     <a:spcPct val="0"/>
                   </a:spcAft>
                 </a:pPr>
-                <a:endParaRPr lang="zh-CN" altLang="en-US" smtClean="0">
+                <a:endParaRPr lang="zh-CN" altLang="en-US">
                   <a:solidFill>
                     <a:prstClr val="black"/>
                   </a:solidFill>
@@ -20971,7 +20924,7 @@
                     <a:spcPct val="0"/>
                   </a:spcAft>
                 </a:pPr>
-                <a:endParaRPr lang="zh-CN" altLang="en-US" smtClean="0">
+                <a:endParaRPr lang="zh-CN" altLang="en-US">
                   <a:solidFill>
                     <a:prstClr val="black"/>
                   </a:solidFill>
@@ -21043,7 +20996,7 @@
                     <a:spcPct val="0"/>
                   </a:spcAft>
                 </a:pPr>
-                <a:endParaRPr lang="zh-CN" altLang="en-US" smtClean="0">
+                <a:endParaRPr lang="zh-CN" altLang="en-US">
                   <a:solidFill>
                     <a:prstClr val="black"/>
                   </a:solidFill>
@@ -21098,7 +21051,7 @@
                     <a:spcPct val="0"/>
                   </a:spcAft>
                 </a:pPr>
-                <a:endParaRPr lang="zh-CN" altLang="en-US" smtClean="0">
+                <a:endParaRPr lang="zh-CN" altLang="en-US">
                   <a:solidFill>
                     <a:prstClr val="black"/>
                   </a:solidFill>
@@ -21153,7 +21106,7 @@
                     <a:spcPct val="0"/>
                   </a:spcAft>
                 </a:pPr>
-                <a:endParaRPr lang="zh-CN" altLang="en-US" smtClean="0">
+                <a:endParaRPr lang="zh-CN" altLang="en-US">
                   <a:solidFill>
                     <a:prstClr val="black"/>
                   </a:solidFill>
@@ -21225,7 +21178,7 @@
                     <a:spcPct val="0"/>
                   </a:spcAft>
                 </a:pPr>
-                <a:endParaRPr lang="zh-CN" altLang="en-US" smtClean="0">
+                <a:endParaRPr lang="zh-CN" altLang="en-US">
                   <a:solidFill>
                     <a:prstClr val="black"/>
                   </a:solidFill>
@@ -21280,7 +21233,7 @@
                     <a:spcPct val="0"/>
                   </a:spcAft>
                 </a:pPr>
-                <a:endParaRPr lang="zh-CN" altLang="en-US" smtClean="0">
+                <a:endParaRPr lang="zh-CN" altLang="en-US">
                   <a:solidFill>
                     <a:prstClr val="black"/>
                   </a:solidFill>
@@ -21335,7 +21288,7 @@
                     <a:spcPct val="0"/>
                   </a:spcAft>
                 </a:pPr>
-                <a:endParaRPr lang="zh-CN" altLang="en-US" smtClean="0">
+                <a:endParaRPr lang="zh-CN" altLang="en-US">
                   <a:solidFill>
                     <a:prstClr val="black"/>
                   </a:solidFill>
@@ -21407,7 +21360,7 @@
                     <a:spcPct val="0"/>
                   </a:spcAft>
                 </a:pPr>
-                <a:endParaRPr lang="zh-CN" altLang="en-US" smtClean="0">
+                <a:endParaRPr lang="zh-CN" altLang="en-US">
                   <a:solidFill>
                     <a:prstClr val="black"/>
                   </a:solidFill>
@@ -21462,7 +21415,7 @@
                     <a:spcPct val="0"/>
                   </a:spcAft>
                 </a:pPr>
-                <a:endParaRPr lang="zh-CN" altLang="en-US" smtClean="0">
+                <a:endParaRPr lang="zh-CN" altLang="en-US">
                   <a:solidFill>
                     <a:prstClr val="black"/>
                   </a:solidFill>
@@ -21517,7 +21470,7 @@
                     <a:spcPct val="0"/>
                   </a:spcAft>
                 </a:pPr>
-                <a:endParaRPr lang="zh-CN" altLang="en-US" smtClean="0">
+                <a:endParaRPr lang="zh-CN" altLang="en-US">
                   <a:solidFill>
                     <a:prstClr val="black"/>
                   </a:solidFill>
@@ -21589,7 +21542,7 @@
                     <a:spcPct val="0"/>
                   </a:spcAft>
                 </a:pPr>
-                <a:endParaRPr lang="zh-CN" altLang="en-US" smtClean="0">
+                <a:endParaRPr lang="zh-CN" altLang="en-US">
                   <a:solidFill>
                     <a:prstClr val="black"/>
                   </a:solidFill>
@@ -21644,7 +21597,7 @@
                     <a:spcPct val="0"/>
                   </a:spcAft>
                 </a:pPr>
-                <a:endParaRPr lang="zh-CN" altLang="en-US" smtClean="0">
+                <a:endParaRPr lang="zh-CN" altLang="en-US">
                   <a:solidFill>
                     <a:prstClr val="black"/>
                   </a:solidFill>
@@ -21699,7 +21652,7 @@
                     <a:spcPct val="0"/>
                   </a:spcAft>
                 </a:pPr>
-                <a:endParaRPr lang="zh-CN" altLang="en-US" smtClean="0">
+                <a:endParaRPr lang="zh-CN" altLang="en-US">
                   <a:solidFill>
                     <a:prstClr val="black"/>
                   </a:solidFill>
@@ -21787,7 +21740,7 @@
                       <a:spcPct val="0"/>
                     </a:spcAft>
                   </a:pPr>
-                  <a:endParaRPr lang="zh-CN" altLang="en-US" smtClean="0">
+                  <a:endParaRPr lang="zh-CN" altLang="en-US">
                     <a:solidFill>
                       <a:prstClr val="black"/>
                     </a:solidFill>
@@ -21842,7 +21795,7 @@
                       <a:spcPct val="0"/>
                     </a:spcAft>
                   </a:pPr>
-                  <a:endParaRPr lang="zh-CN" altLang="en-US" smtClean="0">
+                  <a:endParaRPr lang="zh-CN" altLang="en-US">
                     <a:solidFill>
                       <a:prstClr val="black"/>
                     </a:solidFill>
@@ -21897,7 +21850,7 @@
                       <a:spcPct val="0"/>
                     </a:spcAft>
                   </a:pPr>
-                  <a:endParaRPr lang="zh-CN" altLang="en-US" smtClean="0">
+                  <a:endParaRPr lang="zh-CN" altLang="en-US">
                     <a:solidFill>
                       <a:prstClr val="black"/>
                     </a:solidFill>
@@ -21969,7 +21922,7 @@
                       <a:spcPct val="0"/>
                     </a:spcAft>
                   </a:pPr>
-                  <a:endParaRPr lang="zh-CN" altLang="en-US" smtClean="0">
+                  <a:endParaRPr lang="zh-CN" altLang="en-US">
                     <a:solidFill>
                       <a:prstClr val="black"/>
                     </a:solidFill>
@@ -22024,7 +21977,7 @@
                       <a:spcPct val="0"/>
                     </a:spcAft>
                   </a:pPr>
-                  <a:endParaRPr lang="zh-CN" altLang="en-US" smtClean="0">
+                  <a:endParaRPr lang="zh-CN" altLang="en-US">
                     <a:solidFill>
                       <a:prstClr val="black"/>
                     </a:solidFill>
@@ -22079,7 +22032,7 @@
                       <a:spcPct val="0"/>
                     </a:spcAft>
                   </a:pPr>
-                  <a:endParaRPr lang="zh-CN" altLang="en-US" smtClean="0">
+                  <a:endParaRPr lang="zh-CN" altLang="en-US">
                     <a:solidFill>
                       <a:prstClr val="black"/>
                     </a:solidFill>
@@ -22168,7 +22121,7 @@
                       <a:spcPct val="0"/>
                     </a:spcAft>
                   </a:pPr>
-                  <a:endParaRPr lang="zh-CN" altLang="en-US" smtClean="0">
+                  <a:endParaRPr lang="zh-CN" altLang="en-US">
                     <a:solidFill>
                       <a:prstClr val="black"/>
                     </a:solidFill>
@@ -22223,7 +22176,7 @@
                       <a:spcPct val="0"/>
                     </a:spcAft>
                   </a:pPr>
-                  <a:endParaRPr lang="zh-CN" altLang="en-US" smtClean="0">
+                  <a:endParaRPr lang="zh-CN" altLang="en-US">
                     <a:solidFill>
                       <a:prstClr val="black"/>
                     </a:solidFill>
@@ -22278,7 +22231,7 @@
                       <a:spcPct val="0"/>
                     </a:spcAft>
                   </a:pPr>
-                  <a:endParaRPr lang="zh-CN" altLang="en-US" smtClean="0">
+                  <a:endParaRPr lang="zh-CN" altLang="en-US">
                     <a:solidFill>
                       <a:prstClr val="black"/>
                     </a:solidFill>
@@ -22350,7 +22303,7 @@
                       <a:spcPct val="0"/>
                     </a:spcAft>
                   </a:pPr>
-                  <a:endParaRPr lang="zh-CN" altLang="en-US" smtClean="0">
+                  <a:endParaRPr lang="zh-CN" altLang="en-US">
                     <a:solidFill>
                       <a:prstClr val="black"/>
                     </a:solidFill>
@@ -22405,7 +22358,7 @@
                       <a:spcPct val="0"/>
                     </a:spcAft>
                   </a:pPr>
-                  <a:endParaRPr lang="zh-CN" altLang="en-US" smtClean="0">
+                  <a:endParaRPr lang="zh-CN" altLang="en-US">
                     <a:solidFill>
                       <a:prstClr val="black"/>
                     </a:solidFill>
@@ -22460,7 +22413,7 @@
                       <a:spcPct val="0"/>
                     </a:spcAft>
                   </a:pPr>
-                  <a:endParaRPr lang="zh-CN" altLang="en-US" smtClean="0">
+                  <a:endParaRPr lang="zh-CN" altLang="en-US">
                     <a:solidFill>
                       <a:prstClr val="black"/>
                     </a:solidFill>
@@ -22549,7 +22502,7 @@
                       <a:spcPct val="0"/>
                     </a:spcAft>
                   </a:pPr>
-                  <a:endParaRPr lang="zh-CN" altLang="en-US" smtClean="0">
+                  <a:endParaRPr lang="zh-CN" altLang="en-US">
                     <a:solidFill>
                       <a:prstClr val="black"/>
                     </a:solidFill>
@@ -22604,7 +22557,7 @@
                       <a:spcPct val="0"/>
                     </a:spcAft>
                   </a:pPr>
-                  <a:endParaRPr lang="zh-CN" altLang="en-US" smtClean="0">
+                  <a:endParaRPr lang="zh-CN" altLang="en-US">
                     <a:solidFill>
                       <a:prstClr val="black"/>
                     </a:solidFill>
@@ -22659,7 +22612,7 @@
                       <a:spcPct val="0"/>
                     </a:spcAft>
                   </a:pPr>
-                  <a:endParaRPr lang="zh-CN" altLang="en-US" smtClean="0">
+                  <a:endParaRPr lang="zh-CN" altLang="en-US">
                     <a:solidFill>
                       <a:prstClr val="black"/>
                     </a:solidFill>
@@ -22731,7 +22684,7 @@
                       <a:spcPct val="0"/>
                     </a:spcAft>
                   </a:pPr>
-                  <a:endParaRPr lang="zh-CN" altLang="en-US" smtClean="0">
+                  <a:endParaRPr lang="zh-CN" altLang="en-US">
                     <a:solidFill>
                       <a:prstClr val="black"/>
                     </a:solidFill>
@@ -22786,7 +22739,7 @@
                       <a:spcPct val="0"/>
                     </a:spcAft>
                   </a:pPr>
-                  <a:endParaRPr lang="zh-CN" altLang="en-US" smtClean="0">
+                  <a:endParaRPr lang="zh-CN" altLang="en-US">
                     <a:solidFill>
                       <a:prstClr val="black"/>
                     </a:solidFill>
@@ -22841,7 +22794,7 @@
                       <a:spcPct val="0"/>
                     </a:spcAft>
                   </a:pPr>
-                  <a:endParaRPr lang="zh-CN" altLang="en-US" smtClean="0">
+                  <a:endParaRPr lang="zh-CN" altLang="en-US">
                     <a:solidFill>
                       <a:prstClr val="black"/>
                     </a:solidFill>
@@ -22913,7 +22866,7 @@
                       <a:spcPct val="0"/>
                     </a:spcAft>
                   </a:pPr>
-                  <a:endParaRPr lang="zh-CN" altLang="en-US" smtClean="0">
+                  <a:endParaRPr lang="zh-CN" altLang="en-US">
                     <a:solidFill>
                       <a:prstClr val="black"/>
                     </a:solidFill>
@@ -22968,7 +22921,7 @@
                       <a:spcPct val="0"/>
                     </a:spcAft>
                   </a:pPr>
-                  <a:endParaRPr lang="zh-CN" altLang="en-US" smtClean="0">
+                  <a:endParaRPr lang="zh-CN" altLang="en-US">
                     <a:solidFill>
                       <a:prstClr val="black"/>
                     </a:solidFill>
@@ -23023,7 +22976,7 @@
                       <a:spcPct val="0"/>
                     </a:spcAft>
                   </a:pPr>
-                  <a:endParaRPr lang="zh-CN" altLang="en-US" smtClean="0">
+                  <a:endParaRPr lang="zh-CN" altLang="en-US">
                     <a:solidFill>
                       <a:prstClr val="black"/>
                     </a:solidFill>
@@ -23112,7 +23065,7 @@
                       <a:spcPct val="0"/>
                     </a:spcAft>
                   </a:pPr>
-                  <a:endParaRPr lang="zh-CN" altLang="en-US" smtClean="0">
+                  <a:endParaRPr lang="zh-CN" altLang="en-US">
                     <a:solidFill>
                       <a:prstClr val="black"/>
                     </a:solidFill>
@@ -23167,7 +23120,7 @@
                       <a:spcPct val="0"/>
                     </a:spcAft>
                   </a:pPr>
-                  <a:endParaRPr lang="zh-CN" altLang="en-US" smtClean="0">
+                  <a:endParaRPr lang="zh-CN" altLang="en-US">
                     <a:solidFill>
                       <a:prstClr val="black"/>
                     </a:solidFill>
@@ -23222,7 +23175,7 @@
                       <a:spcPct val="0"/>
                     </a:spcAft>
                   </a:pPr>
-                  <a:endParaRPr lang="zh-CN" altLang="en-US" smtClean="0">
+                  <a:endParaRPr lang="zh-CN" altLang="en-US">
                     <a:solidFill>
                       <a:prstClr val="black"/>
                     </a:solidFill>
@@ -23294,7 +23247,7 @@
                       <a:spcPct val="0"/>
                     </a:spcAft>
                   </a:pPr>
-                  <a:endParaRPr lang="zh-CN" altLang="en-US" smtClean="0">
+                  <a:endParaRPr lang="zh-CN" altLang="en-US">
                     <a:solidFill>
                       <a:prstClr val="black"/>
                     </a:solidFill>
@@ -23349,7 +23302,7 @@
                       <a:spcPct val="0"/>
                     </a:spcAft>
                   </a:pPr>
-                  <a:endParaRPr lang="zh-CN" altLang="en-US" smtClean="0">
+                  <a:endParaRPr lang="zh-CN" altLang="en-US">
                     <a:solidFill>
                       <a:prstClr val="black"/>
                     </a:solidFill>
@@ -23404,7 +23357,7 @@
                       <a:spcPct val="0"/>
                     </a:spcAft>
                   </a:pPr>
-                  <a:endParaRPr lang="zh-CN" altLang="en-US" smtClean="0">
+                  <a:endParaRPr lang="zh-CN" altLang="en-US">
                     <a:solidFill>
                       <a:prstClr val="black"/>
                     </a:solidFill>
@@ -23476,7 +23429,7 @@
                       <a:spcPct val="0"/>
                     </a:spcAft>
                   </a:pPr>
-                  <a:endParaRPr lang="zh-CN" altLang="en-US" smtClean="0">
+                  <a:endParaRPr lang="zh-CN" altLang="en-US">
                     <a:solidFill>
                       <a:prstClr val="black"/>
                     </a:solidFill>
@@ -23531,7 +23484,7 @@
                       <a:spcPct val="0"/>
                     </a:spcAft>
                   </a:pPr>
-                  <a:endParaRPr lang="zh-CN" altLang="en-US" smtClean="0">
+                  <a:endParaRPr lang="zh-CN" altLang="en-US">
                     <a:solidFill>
                       <a:prstClr val="black"/>
                     </a:solidFill>
@@ -23586,7 +23539,7 @@
                       <a:spcPct val="0"/>
                     </a:spcAft>
                   </a:pPr>
-                  <a:endParaRPr lang="zh-CN" altLang="en-US" smtClean="0">
+                  <a:endParaRPr lang="zh-CN" altLang="en-US">
                     <a:solidFill>
                       <a:prstClr val="black"/>
                     </a:solidFill>
@@ -23659,7 +23612,7 @@
                     <a:spcPct val="0"/>
                   </a:spcAft>
                 </a:pPr>
-                <a:endParaRPr lang="zh-CN" altLang="en-US" smtClean="0">
+                <a:endParaRPr lang="zh-CN" altLang="en-US">
                   <a:solidFill>
                     <a:prstClr val="black"/>
                   </a:solidFill>
@@ -23714,7 +23667,7 @@
                     <a:spcPct val="0"/>
                   </a:spcAft>
                 </a:pPr>
-                <a:endParaRPr lang="zh-CN" altLang="en-US" smtClean="0">
+                <a:endParaRPr lang="zh-CN" altLang="en-US">
                   <a:solidFill>
                     <a:prstClr val="black"/>
                   </a:solidFill>
@@ -23769,7 +23722,7 @@
                     <a:spcPct val="0"/>
                   </a:spcAft>
                 </a:pPr>
-                <a:endParaRPr lang="zh-CN" altLang="en-US" smtClean="0">
+                <a:endParaRPr lang="zh-CN" altLang="en-US">
                   <a:solidFill>
                     <a:prstClr val="black"/>
                   </a:solidFill>
@@ -23841,7 +23794,7 @@
                     <a:spcPct val="0"/>
                   </a:spcAft>
                 </a:pPr>
-                <a:endParaRPr lang="zh-CN" altLang="en-US" smtClean="0">
+                <a:endParaRPr lang="zh-CN" altLang="en-US">
                   <a:solidFill>
                     <a:prstClr val="black"/>
                   </a:solidFill>
@@ -23896,7 +23849,7 @@
                     <a:spcPct val="0"/>
                   </a:spcAft>
                 </a:pPr>
-                <a:endParaRPr lang="zh-CN" altLang="en-US" smtClean="0">
+                <a:endParaRPr lang="zh-CN" altLang="en-US">
                   <a:solidFill>
                     <a:prstClr val="black"/>
                   </a:solidFill>
@@ -23951,7 +23904,7 @@
                     <a:spcPct val="0"/>
                   </a:spcAft>
                 </a:pPr>
-                <a:endParaRPr lang="zh-CN" altLang="en-US" smtClean="0">
+                <a:endParaRPr lang="zh-CN" altLang="en-US">
                   <a:solidFill>
                     <a:prstClr val="black"/>
                   </a:solidFill>
@@ -24023,7 +23976,7 @@
                     <a:spcPct val="0"/>
                   </a:spcAft>
                 </a:pPr>
-                <a:endParaRPr lang="zh-CN" altLang="en-US" smtClean="0">
+                <a:endParaRPr lang="zh-CN" altLang="en-US">
                   <a:solidFill>
                     <a:prstClr val="black"/>
                   </a:solidFill>
@@ -24078,7 +24031,7 @@
                     <a:spcPct val="0"/>
                   </a:spcAft>
                 </a:pPr>
-                <a:endParaRPr lang="zh-CN" altLang="en-US" smtClean="0">
+                <a:endParaRPr lang="zh-CN" altLang="en-US">
                   <a:solidFill>
                     <a:prstClr val="black"/>
                   </a:solidFill>
@@ -24133,7 +24086,7 @@
                     <a:spcPct val="0"/>
                   </a:spcAft>
                 </a:pPr>
-                <a:endParaRPr lang="zh-CN" altLang="en-US" smtClean="0">
+                <a:endParaRPr lang="zh-CN" altLang="en-US">
                   <a:solidFill>
                     <a:prstClr val="black"/>
                   </a:solidFill>
@@ -24188,7 +24141,7 @@
                 <a:spcPct val="0"/>
               </a:spcAft>
             </a:pPr>
-            <a:endParaRPr lang="zh-CN" altLang="en-US" smtClean="0">
+            <a:endParaRPr lang="zh-CN" altLang="en-US">
               <a:solidFill>
                 <a:prstClr val="black"/>
               </a:solidFill>
@@ -24429,7 +24382,7 @@
                 </a:spcAft>
               </a:pPr>
               <a:r>
-                <a:rPr lang="zh-CN" altLang="en-US" sz="2500" b="1" dirty="0" smtClean="0">
+                <a:rPr lang="zh-CN" altLang="en-US" sz="2500" b="1" dirty="0">
                   <a:solidFill>
                     <a:srgbClr val="FFFF00"/>
                   </a:solidFill>
@@ -24484,7 +24437,7 @@
                 <a:spcPct val="0"/>
               </a:spcAft>
             </a:pPr>
-            <a:endParaRPr lang="zh-CN" altLang="en-US" sz="2400" b="1" dirty="0" smtClean="0">
+            <a:endParaRPr lang="zh-CN" altLang="en-US" sz="2400" b="1" dirty="0">
               <a:solidFill>
                 <a:srgbClr val="FF0000"/>
               </a:solidFill>
@@ -24658,29 +24611,14 @@
               </a:spcAft>
             </a:pPr>
             <a:r>
-              <a:rPr lang="zh-CN" altLang="en-US" sz="2400" b="1" dirty="0" smtClean="0">
+              <a:rPr lang="zh-CN" altLang="en-US" sz="2400" b="1" dirty="0">
                 <a:solidFill>
                   <a:srgbClr val="C00000"/>
                 </a:solidFill>
                 <a:ea typeface="方正小标宋简体" pitchFamily="65" charset="-122"/>
               </a:rPr>
-              <a:t>在西部</a:t>
+              <a:t>在西部沿海呈狭长形分布</a:t>
             </a:r>
-            <a:r>
-              <a:rPr lang="zh-CN" altLang="en-US" sz="2400" b="1" dirty="0" smtClean="0">
-                <a:solidFill>
-                  <a:srgbClr val="C00000"/>
-                </a:solidFill>
-                <a:ea typeface="方正小标宋简体" pitchFamily="65" charset="-122"/>
-              </a:rPr>
-              <a:t>沿海呈狭长形分布</a:t>
-            </a:r>
-            <a:endParaRPr lang="zh-CN" altLang="en-US" sz="2400" b="1" dirty="0" smtClean="0">
-              <a:solidFill>
-                <a:srgbClr val="C00000"/>
-              </a:solidFill>
-              <a:ea typeface="方正小标宋简体" pitchFamily="65" charset="-122"/>
-            </a:endParaRPr>
           </a:p>
         </p:txBody>
       </p:sp>
@@ -24848,7 +24786,7 @@
               </a:spcAft>
             </a:pPr>
             <a:r>
-              <a:rPr lang="zh-CN" altLang="en-US" sz="2400" b="1" dirty="0" smtClean="0">
+              <a:rPr lang="zh-CN" altLang="en-US" sz="2400" b="1" dirty="0">
                 <a:solidFill>
                   <a:srgbClr val="C00000"/>
                 </a:solidFill>
@@ -25390,7 +25328,7 @@
                 </a:spcAft>
               </a:pPr>
               <a:r>
-                <a:rPr lang="zh-CN" altLang="en-US" sz="2500" b="1" dirty="0" smtClean="0">
+                <a:rPr lang="zh-CN" altLang="en-US" sz="2500" b="1" dirty="0">
                   <a:solidFill>
                     <a:srgbClr val="FFFF00"/>
                   </a:solidFill>
@@ -25461,7 +25399,7 @@
                   <a:spcPct val="0"/>
                 </a:spcAft>
               </a:pPr>
-              <a:endParaRPr lang="zh-CN" altLang="en-US" smtClean="0">
+              <a:endParaRPr lang="zh-CN" altLang="en-US">
                 <a:solidFill>
                   <a:prstClr val="black"/>
                 </a:solidFill>
@@ -25634,7 +25572,7 @@
                   <a:spcPct val="0"/>
                 </a:spcAft>
               </a:pPr>
-              <a:endParaRPr lang="zh-CN" altLang="en-US" sz="2400" b="1" dirty="0" smtClean="0">
+              <a:endParaRPr lang="zh-CN" altLang="en-US" sz="2400" b="1" dirty="0">
                 <a:solidFill>
                   <a:srgbClr val="FF0000"/>
                 </a:solidFill>
@@ -25674,7 +25612,7 @@
               </a:spcAft>
             </a:pPr>
             <a:r>
-              <a:rPr lang="zh-CN" altLang="en-US" sz="2400" b="1" dirty="0" smtClean="0">
+              <a:rPr lang="zh-CN" altLang="en-US" sz="2400" b="1" dirty="0">
                 <a:solidFill>
                   <a:prstClr val="black"/>
                 </a:solidFill>
@@ -25684,7 +25622,7 @@
               <a:t>探究：在北美洲的中部，冬季寒冷的气流能长驱直入，到达墨西哥湾沿岸；而</a:t>
             </a:r>
             <a:r>
-              <a:rPr lang="zh-CN" altLang="en-US" sz="2400" b="1" dirty="0" smtClean="0">
+              <a:rPr lang="zh-CN" altLang="en-US" sz="2400" b="1" dirty="0">
                 <a:solidFill>
                   <a:prstClr val="black"/>
                 </a:solidFill>
@@ -25799,7 +25737,7 @@
                 <a:spcPct val="0"/>
               </a:spcAft>
             </a:pPr>
-            <a:endParaRPr lang="zh-CN" altLang="en-US" sz="2400" b="1" dirty="0" smtClean="0">
+            <a:endParaRPr lang="zh-CN" altLang="en-US" sz="2400" b="1" dirty="0">
               <a:solidFill>
                 <a:srgbClr val="FF0000"/>
               </a:solidFill>
@@ -25840,7 +25778,7 @@
               </a:spcAft>
             </a:pPr>
             <a:r>
-              <a:rPr lang="zh-CN" altLang="en-US" sz="2400" b="1" dirty="0" smtClean="0">
+              <a:rPr lang="zh-CN" altLang="en-US" sz="2400" b="1" dirty="0">
                 <a:solidFill>
                   <a:srgbClr val="C00000"/>
                 </a:solidFill>
@@ -25883,7 +25821,7 @@
               </a:spcAft>
             </a:pPr>
             <a:r>
-              <a:rPr lang="zh-CN" altLang="en-US" sz="2400" b="1" dirty="0" smtClean="0">
+              <a:rPr lang="zh-CN" altLang="en-US" sz="2400" b="1" dirty="0">
                 <a:solidFill>
                   <a:srgbClr val="002060"/>
                 </a:solidFill>
@@ -26350,7 +26288,7 @@
                 </a:spcAft>
               </a:pPr>
               <a:r>
-                <a:rPr lang="zh-CN" altLang="en-US" sz="2500" b="1" dirty="0" smtClean="0">
+                <a:rPr lang="zh-CN" altLang="en-US" sz="2500" b="1" dirty="0">
                   <a:solidFill>
                     <a:srgbClr val="FFFF00"/>
                   </a:solidFill>
@@ -26359,7 +26297,7 @@
                 <a:t>美洲（</a:t>
               </a:r>
               <a:r>
-                <a:rPr lang="en-US" altLang="zh-CN" sz="2500" b="1" dirty="0" smtClean="0">
+                <a:rPr lang="en-US" altLang="zh-CN" sz="2500" b="1" dirty="0">
                   <a:solidFill>
                     <a:srgbClr val="FFFF00"/>
                   </a:solidFill>
@@ -26368,7 +26306,7 @@
                 <a:t>1</a:t>
               </a:r>
               <a:r>
-                <a:rPr lang="zh-CN" altLang="en-US" sz="2500" b="1" dirty="0" smtClean="0">
+                <a:rPr lang="zh-CN" altLang="en-US" sz="2500" b="1" dirty="0">
                   <a:solidFill>
                     <a:srgbClr val="FFFF00"/>
                   </a:solidFill>
@@ -26658,7 +26596,7 @@
                 </a:spcAft>
               </a:pPr>
               <a:r>
-                <a:rPr lang="zh-CN" altLang="en-US" sz="2500" b="1" dirty="0" smtClean="0">
+                <a:rPr lang="zh-CN" altLang="en-US" sz="2500" b="1" dirty="0">
                   <a:solidFill>
                     <a:srgbClr val="FFFF00"/>
                   </a:solidFill>
@@ -26901,7 +26839,7 @@
                 </a:spcAft>
               </a:pPr>
               <a:r>
-                <a:rPr lang="zh-CN" altLang="en-US" sz="2500" b="1" dirty="0" smtClean="0">
+                <a:rPr lang="zh-CN" altLang="en-US" sz="2500" b="1" dirty="0">
                   <a:solidFill>
                     <a:srgbClr val="FFFF00"/>
                   </a:solidFill>
@@ -27252,12 +27190,6 @@
                 </a:rPr>
                 <a:t>气候</a:t>
               </a:r>
-              <a:endParaRPr lang="zh-CN" altLang="en-US" sz="2500" b="1" dirty="0" smtClean="0">
-                <a:solidFill>
-                  <a:srgbClr val="FFFF00"/>
-                </a:solidFill>
-                <a:ea typeface="方正小标宋简体" pitchFamily="65" charset="-122"/>
-              </a:endParaRPr>
             </a:p>
           </p:txBody>
         </p:sp>
@@ -27493,7 +27425,7 @@
                 </a:spcAft>
               </a:pPr>
               <a:r>
-                <a:rPr lang="zh-CN" altLang="en-US" sz="2500" b="1" dirty="0" smtClean="0">
+                <a:rPr lang="zh-CN" altLang="en-US" sz="2500" b="1" dirty="0">
                   <a:solidFill>
                     <a:srgbClr val="FFFF00"/>
                   </a:solidFill>
@@ -27744,12 +27676,6 @@
                 </a:rPr>
                 <a:t>巴拿马运河</a:t>
               </a:r>
-              <a:endParaRPr lang="zh-CN" altLang="en-US" sz="2500" b="1" dirty="0" smtClean="0">
-                <a:solidFill>
-                  <a:srgbClr val="FFFF00"/>
-                </a:solidFill>
-                <a:ea typeface="方正小标宋简体" pitchFamily="65" charset="-122"/>
-              </a:endParaRPr>
             </a:p>
           </p:txBody>
         </p:sp>
@@ -27993,12 +27919,6 @@
                 </a:rPr>
                 <a:t>中美地峡</a:t>
               </a:r>
-              <a:endParaRPr lang="zh-CN" altLang="en-US" sz="2500" b="1" dirty="0" smtClean="0">
-                <a:solidFill>
-                  <a:srgbClr val="FFFF00"/>
-                </a:solidFill>
-                <a:ea typeface="方正小标宋简体" pitchFamily="65" charset="-122"/>
-              </a:endParaRPr>
             </a:p>
           </p:txBody>
         </p:sp>
@@ -28242,12 +28162,6 @@
                 </a:rPr>
                 <a:t>地形</a:t>
               </a:r>
-              <a:endParaRPr lang="zh-CN" altLang="en-US" sz="2500" b="1" dirty="0" smtClean="0">
-                <a:solidFill>
-                  <a:srgbClr val="FFFF00"/>
-                </a:solidFill>
-                <a:ea typeface="方正小标宋简体" pitchFamily="65" charset="-122"/>
-              </a:endParaRPr>
             </a:p>
           </p:txBody>
         </p:sp>
@@ -28491,12 +28405,6 @@
                 </a:rPr>
                 <a:t>河流</a:t>
               </a:r>
-              <a:endParaRPr lang="zh-CN" altLang="en-US" sz="2500" b="1" dirty="0" smtClean="0">
-                <a:solidFill>
-                  <a:srgbClr val="FFFF00"/>
-                </a:solidFill>
-                <a:ea typeface="方正小标宋简体" pitchFamily="65" charset="-122"/>
-              </a:endParaRPr>
             </a:p>
           </p:txBody>
         </p:sp>
@@ -28740,12 +28648,6 @@
                 </a:rPr>
                 <a:t>地理位置</a:t>
               </a:r>
-              <a:endParaRPr lang="zh-CN" altLang="en-US" sz="2500" b="1" dirty="0" smtClean="0">
-                <a:solidFill>
-                  <a:srgbClr val="FFFF00"/>
-                </a:solidFill>
-                <a:ea typeface="方正小标宋简体" pitchFamily="65" charset="-122"/>
-              </a:endParaRPr>
             </a:p>
           </p:txBody>
         </p:sp>
@@ -28781,10 +28683,9 @@
           <a:lstStyle/>
           <a:p>
             <a:r>
-              <a:rPr lang="zh-CN" altLang="en-US" dirty="0" smtClean="0"/>
+              <a:rPr lang="zh-CN" altLang="en-US" dirty="0"/>
               <a:t>平均海拔较高，地势起伏较大；地形分成三大南北纵列带：西部是高大的山系，中部是广阔的平原，东部是低缓的山地和高原</a:t>
             </a:r>
-            <a:endParaRPr lang="zh-CN" altLang="en-US" dirty="0"/>
           </a:p>
         </p:txBody>
       </p:sp>
@@ -28859,10 +28760,9 @@
           <a:lstStyle/>
           <a:p>
             <a:r>
-              <a:rPr lang="zh-CN" altLang="en-US" dirty="0" smtClean="0"/>
+              <a:rPr lang="zh-CN" altLang="en-US" dirty="0"/>
               <a:t>地跨寒温热三带，气候复杂多样；以温带大陆性气候为主</a:t>
             </a:r>
-            <a:endParaRPr lang="zh-CN" altLang="en-US" dirty="0"/>
           </a:p>
         </p:txBody>
       </p:sp>
@@ -29144,12 +29044,6 @@
                 </a:rPr>
                 <a:t>归纳总结</a:t>
               </a:r>
-              <a:endParaRPr lang="zh-CN" altLang="en-US" sz="2500" b="1" dirty="0" smtClean="0">
-                <a:solidFill>
-                  <a:srgbClr val="FFFF00"/>
-                </a:solidFill>
-                <a:ea typeface="方正小标宋简体" pitchFamily="65" charset="-122"/>
-              </a:endParaRPr>
             </a:p>
           </p:txBody>
         </p:sp>
@@ -29164,13 +29058,6 @@
   <p:clrMapOvr>
     <a:masterClrMapping/>
   </p:clrMapOvr>
-  <p:timing>
-    <p:tnLst>
-      <p:par>
-        <p:cTn id="1" dur="indefinite" restart="never" nodeType="tmRoot"/>
-      </p:par>
-    </p:tnLst>
-  </p:timing>
 </p:sld>
 </file>
 
@@ -29422,7 +29309,7 @@
                 </a:spcAft>
               </a:pPr>
               <a:r>
-                <a:rPr lang="zh-CN" altLang="en-US" sz="3600" b="1" smtClean="0">
+                <a:rPr lang="zh-CN" altLang="en-US" sz="3600" b="1">
                   <a:solidFill>
                     <a:srgbClr val="0000FF"/>
                   </a:solidFill>
@@ -29641,7 +29528,7 @@
               </a:spcAft>
             </a:pPr>
             <a:r>
-              <a:rPr lang="en-US" altLang="zh-CN" sz="2800" b="1" smtClean="0">
+              <a:rPr lang="en-US" altLang="zh-CN" sz="2800" b="1">
                 <a:solidFill>
                   <a:prstClr val="black"/>
                 </a:solidFill>
@@ -29649,7 +29536,7 @@
               <a:t>1.</a:t>
             </a:r>
             <a:r>
-              <a:rPr lang="zh-CN" altLang="zh-CN" sz="2800" b="1" smtClean="0">
+              <a:rPr lang="zh-CN" altLang="zh-CN" sz="2800" b="1">
                 <a:solidFill>
                   <a:prstClr val="black"/>
                 </a:solidFill>
@@ -29657,7 +29544,7 @@
               <a:t>别称：美洲是“</a:t>
             </a:r>
             <a:r>
-              <a:rPr lang="en-US" altLang="zh-CN" sz="2800" b="1" u="sng" smtClean="0">
+              <a:rPr lang="en-US" altLang="zh-CN" sz="2800" b="1" u="sng">
                 <a:solidFill>
                   <a:prstClr val="black"/>
                 </a:solidFill>
@@ -29665,7 +29552,7 @@
               <a:t>                   </a:t>
             </a:r>
             <a:r>
-              <a:rPr lang="en-US" altLang="zh-CN" sz="2800" b="1" smtClean="0">
+              <a:rPr lang="en-US" altLang="zh-CN" sz="2800" b="1">
                 <a:solidFill>
                   <a:prstClr val="black"/>
                 </a:solidFill>
@@ -29673,7 +29560,7 @@
               <a:t> </a:t>
             </a:r>
             <a:r>
-              <a:rPr lang="zh-CN" altLang="zh-CN" sz="2800" b="1" smtClean="0">
+              <a:rPr lang="zh-CN" altLang="zh-CN" sz="2800" b="1">
                 <a:solidFill>
                   <a:prstClr val="black"/>
                 </a:solidFill>
@@ -29681,7 +29568,7 @@
               <a:t>”的简称，又被称为“</a:t>
             </a:r>
             <a:r>
-              <a:rPr lang="zh-CN" altLang="zh-CN" sz="2800" b="1" u="sng" smtClean="0">
+              <a:rPr lang="zh-CN" altLang="zh-CN" sz="2800" b="1" u="sng">
                 <a:solidFill>
                   <a:prstClr val="black"/>
                 </a:solidFill>
@@ -29689,7 +29576,7 @@
               <a:t> </a:t>
             </a:r>
             <a:r>
-              <a:rPr lang="en-US" altLang="zh-CN" sz="2800" b="1" u="sng" smtClean="0">
+              <a:rPr lang="en-US" altLang="zh-CN" sz="2800" b="1" u="sng">
                 <a:solidFill>
                   <a:prstClr val="black"/>
                 </a:solidFill>
@@ -29697,14 +29584,14 @@
               <a:t>              </a:t>
             </a:r>
             <a:r>
-              <a:rPr lang="zh-CN" altLang="zh-CN" sz="2800" b="1" smtClean="0">
+              <a:rPr lang="zh-CN" altLang="zh-CN" sz="2800" b="1">
                 <a:solidFill>
                   <a:prstClr val="black"/>
                 </a:solidFill>
               </a:rPr>
               <a:t>”。</a:t>
             </a:r>
-            <a:endParaRPr lang="en-US" altLang="zh-CN" sz="2800" b="1" smtClean="0">
+            <a:endParaRPr lang="en-US" altLang="zh-CN" sz="2800" b="1">
               <a:solidFill>
                 <a:prstClr val="black"/>
               </a:solidFill>
@@ -29723,7 +29610,7 @@
               </a:spcAft>
             </a:pPr>
             <a:r>
-              <a:rPr lang="en-US" altLang="zh-CN" sz="2800" b="1" smtClean="0">
+              <a:rPr lang="en-US" altLang="zh-CN" sz="2800" b="1">
                 <a:solidFill>
                   <a:prstClr val="black"/>
                 </a:solidFill>
@@ -29732,7 +29619,7 @@
               <a:t>2.</a:t>
             </a:r>
             <a:r>
-              <a:rPr lang="zh-CN" altLang="en-US" sz="2800" b="1" u="sng" smtClean="0">
+              <a:rPr lang="zh-CN" altLang="en-US" sz="2800" b="1" u="sng">
                 <a:solidFill>
                   <a:prstClr val="black"/>
                 </a:solidFill>
@@ -29741,7 +29628,7 @@
               <a:t>                       </a:t>
             </a:r>
             <a:r>
-              <a:rPr lang="zh-CN" altLang="en-US" sz="2800" b="1" smtClean="0">
+              <a:rPr lang="zh-CN" altLang="en-US" sz="2800" b="1">
                 <a:solidFill>
                   <a:prstClr val="black"/>
                 </a:solidFill>
@@ -29749,7 +29636,7 @@
               </a:rPr>
               <a:t>作为南美洲和北美洲的分界线。</a:t>
             </a:r>
-            <a:endParaRPr lang="zh-CN" altLang="en-US" sz="2800" b="1" baseline="30000" smtClean="0">
+            <a:endParaRPr lang="zh-CN" altLang="en-US" sz="2800" b="1" baseline="30000">
               <a:solidFill>
                 <a:prstClr val="black"/>
               </a:solidFill>
@@ -29919,7 +29806,7 @@
               </a:spcAft>
             </a:pPr>
             <a:r>
-              <a:rPr lang="zh-CN" altLang="en-US" sz="2800" b="1" smtClean="0">
+              <a:rPr lang="zh-CN" altLang="en-US" sz="2800" b="1">
                 <a:solidFill>
                   <a:srgbClr val="C00000"/>
                 </a:solidFill>
@@ -30090,7 +29977,7 @@
               </a:spcAft>
             </a:pPr>
             <a:r>
-              <a:rPr lang="zh-CN" altLang="en-US" sz="2800" b="1" smtClean="0">
+              <a:rPr lang="zh-CN" altLang="en-US" sz="2800" b="1">
                 <a:solidFill>
                   <a:srgbClr val="C00000"/>
                 </a:solidFill>
@@ -30331,7 +30218,7 @@
                 </a:spcAft>
               </a:pPr>
               <a:r>
-                <a:rPr lang="zh-CN" altLang="en-US" sz="2500" b="1" smtClean="0">
+                <a:rPr lang="zh-CN" altLang="en-US" sz="2500" b="1">
                   <a:solidFill>
                     <a:srgbClr val="FFFF00"/>
                   </a:solidFill>
@@ -30520,7 +30407,7 @@
                 </a:spcAft>
               </a:pPr>
               <a:r>
-                <a:rPr lang="zh-CN" altLang="en-US" sz="2000" b="1" smtClean="0">
+                <a:rPr lang="zh-CN" altLang="en-US" sz="2000" b="1">
                   <a:solidFill>
                     <a:srgbClr val="FF0000"/>
                   </a:solidFill>
@@ -30576,7 +30463,7 @@
                   <a:spcPct val="0"/>
                 </a:spcAft>
               </a:pPr>
-              <a:endParaRPr lang="zh-CN" altLang="en-US" smtClean="0">
+              <a:endParaRPr lang="zh-CN" altLang="en-US">
                 <a:solidFill>
                   <a:prstClr val="black"/>
                 </a:solidFill>
@@ -30748,7 +30635,7 @@
               </a:spcAft>
             </a:pPr>
             <a:r>
-              <a:rPr lang="zh-CN" altLang="en-US" sz="2800" b="1" smtClean="0">
+              <a:rPr lang="zh-CN" altLang="en-US" sz="2800" b="1">
                 <a:solidFill>
                   <a:srgbClr val="C00000"/>
                 </a:solidFill>
@@ -31396,13 +31283,6 @@
               </a:rPr>
               <a:t>达标检测</a:t>
             </a:r>
-            <a:endParaRPr lang="zh-CN" altLang="en-US" sz="4800" b="1" dirty="0" smtClean="0">
-              <a:solidFill>
-                <a:prstClr val="black"/>
-              </a:solidFill>
-              <a:latin typeface="方正小标宋简体" pitchFamily="65" charset="-122"/>
-              <a:ea typeface="方正小标宋简体" pitchFamily="65" charset="-122"/>
-            </a:endParaRPr>
           </a:p>
         </p:txBody>
       </p:sp>
@@ -31567,7 +31447,7 @@
               </a:spcAft>
             </a:pPr>
             <a:r>
-              <a:rPr lang="zh-CN" altLang="en-US" sz="4000" b="1" dirty="0" smtClean="0">
+              <a:rPr lang="zh-CN" altLang="en-US" sz="4000" b="1" dirty="0">
                 <a:solidFill>
                   <a:srgbClr val="FF0000"/>
                 </a:solidFill>
@@ -31576,7 +31456,7 @@
               </a:rPr>
               <a:t>完成导学案上的检测</a:t>
             </a:r>
-            <a:endParaRPr lang="en-US" altLang="zh-CN" sz="4000" b="1" dirty="0" smtClean="0">
+            <a:endParaRPr lang="en-US" altLang="zh-CN" sz="4000" b="1" dirty="0">
               <a:solidFill>
                 <a:srgbClr val="FF0000"/>
               </a:solidFill>
@@ -31596,13 +31476,6 @@
   <p:clrMapOvr>
     <a:masterClrMapping/>
   </p:clrMapOvr>
-  <p:timing>
-    <p:tnLst>
-      <p:par>
-        <p:cTn id="1" dur="indefinite" restart="never" nodeType="tmRoot"/>
-      </p:par>
-    </p:tnLst>
-  </p:timing>
 </p:sld>
 </file>
 
@@ -31854,7 +31727,7 @@
                 </a:spcAft>
               </a:pPr>
               <a:r>
-                <a:rPr lang="zh-CN" altLang="en-US" sz="2500" b="1" smtClean="0">
+                <a:rPr lang="zh-CN" altLang="en-US" sz="2500" b="1">
                   <a:solidFill>
                     <a:srgbClr val="FFFF00"/>
                   </a:solidFill>
@@ -31991,7 +31864,7 @@
                   <a:spcPct val="0"/>
                 </a:spcAft>
               </a:pPr>
-              <a:endParaRPr lang="zh-CN" altLang="en-US" smtClean="0">
+              <a:endParaRPr lang="zh-CN" altLang="en-US">
                 <a:solidFill>
                   <a:prstClr val="black"/>
                 </a:solidFill>
@@ -32162,7 +32035,7 @@
                 </a:spcAft>
               </a:pPr>
               <a:r>
-                <a:rPr lang="zh-CN" altLang="en-US" sz="2200" b="1" smtClean="0">
+                <a:rPr lang="zh-CN" altLang="en-US" sz="2200" b="1">
                   <a:solidFill>
                     <a:srgbClr val="FF0000"/>
                   </a:solidFill>
@@ -32235,7 +32108,7 @@
                   <a:spcPct val="0"/>
                 </a:spcAft>
               </a:pPr>
-              <a:endParaRPr lang="zh-CN" altLang="en-US" smtClean="0">
+              <a:endParaRPr lang="zh-CN" altLang="en-US">
                 <a:solidFill>
                   <a:prstClr val="black"/>
                 </a:solidFill>
@@ -32406,7 +32279,7 @@
                 </a:spcAft>
               </a:pPr>
               <a:r>
-                <a:rPr lang="en-US" altLang="zh-CN" sz="2200" b="1" smtClean="0">
+                <a:rPr lang="en-US" altLang="zh-CN" sz="2200" b="1">
                   <a:solidFill>
                     <a:srgbClr val="FF0000"/>
                   </a:solidFill>
@@ -32416,7 +32289,7 @@
                 <a:t>180</a:t>
               </a:r>
               <a:r>
-                <a:rPr lang="en-US" altLang="zh-CN" sz="2200" b="1" baseline="30000" smtClean="0">
+                <a:rPr lang="en-US" altLang="zh-CN" sz="2200" b="1" baseline="30000">
                   <a:solidFill>
                     <a:srgbClr val="FF0000"/>
                   </a:solidFill>
@@ -32582,7 +32455,7 @@
               </a:spcAft>
             </a:pPr>
             <a:r>
-              <a:rPr lang="en-US" altLang="zh-CN" sz="2600" b="1" smtClean="0">
+              <a:rPr lang="en-US" altLang="zh-CN" sz="2600" b="1">
                 <a:solidFill>
                   <a:srgbClr val="0000FF"/>
                 </a:solidFill>
@@ -32591,7 +32464,7 @@
               <a:t>       </a:t>
             </a:r>
             <a:r>
-              <a:rPr lang="zh-CN" altLang="en-US" sz="2600" b="1" smtClean="0">
+              <a:rPr lang="zh-CN" altLang="en-US" sz="2600" b="1">
                 <a:solidFill>
                   <a:srgbClr val="0000FF"/>
                 </a:solidFill>
@@ -32600,7 +32473,7 @@
               <a:t>（</a:t>
             </a:r>
             <a:r>
-              <a:rPr lang="en-US" altLang="zh-CN" sz="2600" b="1" smtClean="0">
+              <a:rPr lang="en-US" altLang="zh-CN" sz="2600" b="1">
                 <a:solidFill>
                   <a:srgbClr val="0000FF"/>
                 </a:solidFill>
@@ -32609,7 +32482,7 @@
               <a:t>1</a:t>
             </a:r>
             <a:r>
-              <a:rPr lang="zh-CN" altLang="en-US" sz="2600" b="1" smtClean="0">
+              <a:rPr lang="zh-CN" altLang="en-US" sz="2600" b="1">
                 <a:solidFill>
                   <a:srgbClr val="0000FF"/>
                 </a:solidFill>
@@ -32618,7 +32491,7 @@
               <a:t>）半球位置：读图，说一说美洲大致的经度范围，由此判断：南、北美洲均主要位于</a:t>
             </a:r>
             <a:r>
-              <a:rPr lang="zh-CN" altLang="en-US" sz="2600" b="1" u="sng" smtClean="0">
+              <a:rPr lang="zh-CN" altLang="en-US" sz="2600" b="1" u="sng">
                 <a:solidFill>
                   <a:srgbClr val="0000FF"/>
                 </a:solidFill>
@@ -32627,7 +32500,7 @@
               <a:t>      </a:t>
             </a:r>
             <a:r>
-              <a:rPr lang="zh-CN" altLang="en-US" sz="2600" b="1" smtClean="0">
+              <a:rPr lang="zh-CN" altLang="en-US" sz="2600" b="1">
                 <a:solidFill>
                   <a:srgbClr val="0000FF"/>
                 </a:solidFill>
@@ -32636,7 +32509,7 @@
               <a:t>（东</a:t>
             </a:r>
             <a:r>
-              <a:rPr lang="en-US" altLang="zh-CN" sz="2600" b="1" smtClean="0">
+              <a:rPr lang="en-US" altLang="zh-CN" sz="2600" b="1">
                 <a:solidFill>
                   <a:srgbClr val="0000FF"/>
                 </a:solidFill>
@@ -32645,7 +32518,7 @@
               <a:t>/</a:t>
             </a:r>
             <a:r>
-              <a:rPr lang="zh-CN" altLang="en-US" sz="2600" b="1" smtClean="0">
+              <a:rPr lang="zh-CN" altLang="en-US" sz="2600" b="1">
                 <a:solidFill>
                   <a:srgbClr val="0000FF"/>
                 </a:solidFill>
@@ -32654,7 +32527,7 @@
               <a:t>西）半球；在图中找一找赤道，说一说，北美洲全部位于</a:t>
             </a:r>
             <a:r>
-              <a:rPr lang="zh-CN" altLang="en-US" sz="2600" b="1" u="sng" smtClean="0">
+              <a:rPr lang="zh-CN" altLang="en-US" sz="2600" b="1" u="sng">
                 <a:solidFill>
                   <a:srgbClr val="0000FF"/>
                 </a:solidFill>
@@ -32663,7 +32536,7 @@
               <a:t>      </a:t>
             </a:r>
             <a:r>
-              <a:rPr lang="zh-CN" altLang="en-US" sz="2600" b="1" smtClean="0">
+              <a:rPr lang="zh-CN" altLang="en-US" sz="2600" b="1">
                 <a:solidFill>
                   <a:srgbClr val="0000FF"/>
                 </a:solidFill>
@@ -32672,7 +32545,7 @@
               <a:t>（南</a:t>
             </a:r>
             <a:r>
-              <a:rPr lang="en-US" altLang="zh-CN" sz="2600" b="1" smtClean="0">
+              <a:rPr lang="en-US" altLang="zh-CN" sz="2600" b="1">
                 <a:solidFill>
                   <a:srgbClr val="0000FF"/>
                 </a:solidFill>
@@ -32681,7 +32554,7 @@
               <a:t>/</a:t>
             </a:r>
             <a:r>
-              <a:rPr lang="zh-CN" altLang="en-US" sz="2600" b="1" smtClean="0">
+              <a:rPr lang="zh-CN" altLang="en-US" sz="2600" b="1">
                 <a:solidFill>
                   <a:srgbClr val="0000FF"/>
                 </a:solidFill>
@@ -32690,7 +32563,7 @@
               <a:t>北）半球，南美洲地跨</a:t>
             </a:r>
             <a:r>
-              <a:rPr lang="zh-CN" altLang="en-US" sz="2600" b="1" u="sng" smtClean="0">
+              <a:rPr lang="zh-CN" altLang="en-US" sz="2600" b="1" u="sng">
                 <a:solidFill>
                   <a:srgbClr val="0000FF"/>
                 </a:solidFill>
@@ -32699,7 +32572,7 @@
               <a:t>      </a:t>
             </a:r>
             <a:r>
-              <a:rPr lang="zh-CN" altLang="en-US" sz="2600" b="1" smtClean="0">
+              <a:rPr lang="zh-CN" altLang="en-US" sz="2600" b="1">
                 <a:solidFill>
                   <a:srgbClr val="0000FF"/>
                 </a:solidFill>
@@ -32708,7 +32581,7 @@
               <a:t>、</a:t>
             </a:r>
             <a:r>
-              <a:rPr lang="zh-CN" altLang="en-US" sz="2600" b="1" u="sng" smtClean="0">
+              <a:rPr lang="zh-CN" altLang="en-US" sz="2600" b="1" u="sng">
                 <a:solidFill>
                   <a:srgbClr val="0000FF"/>
                 </a:solidFill>
@@ -32717,7 +32590,7 @@
               <a:t>     </a:t>
             </a:r>
             <a:r>
-              <a:rPr lang="zh-CN" altLang="en-US" sz="2600" b="1" smtClean="0">
+              <a:rPr lang="zh-CN" altLang="en-US" sz="2600" b="1">
                 <a:solidFill>
                   <a:srgbClr val="0000FF"/>
                 </a:solidFill>
@@ -32726,7 +32599,7 @@
               <a:t>两个半球，但大部分位于</a:t>
             </a:r>
             <a:r>
-              <a:rPr lang="zh-CN" altLang="en-US" sz="2600" b="1" u="sng" smtClean="0">
+              <a:rPr lang="zh-CN" altLang="en-US" sz="2600" b="1" u="sng">
                 <a:solidFill>
                   <a:srgbClr val="0000FF"/>
                 </a:solidFill>
@@ -32735,7 +32608,7 @@
               <a:t>          </a:t>
             </a:r>
             <a:r>
-              <a:rPr lang="zh-CN" altLang="en-US" sz="2600" b="1" smtClean="0">
+              <a:rPr lang="zh-CN" altLang="en-US" sz="2600" b="1">
                 <a:solidFill>
                   <a:srgbClr val="0000FF"/>
                 </a:solidFill>
@@ -32744,7 +32617,7 @@
               <a:t>（南</a:t>
             </a:r>
             <a:r>
-              <a:rPr lang="en-US" altLang="zh-CN" sz="2600" b="1" smtClean="0">
+              <a:rPr lang="en-US" altLang="zh-CN" sz="2600" b="1">
                 <a:solidFill>
                   <a:srgbClr val="0000FF"/>
                 </a:solidFill>
@@ -32753,7 +32626,7 @@
               <a:t>/</a:t>
             </a:r>
             <a:r>
-              <a:rPr lang="zh-CN" altLang="en-US" sz="2600" b="1" smtClean="0">
+              <a:rPr lang="zh-CN" altLang="en-US" sz="2600" b="1">
                 <a:solidFill>
                   <a:srgbClr val="0000FF"/>
                 </a:solidFill>
@@ -32761,7 +32634,7 @@
               </a:rPr>
               <a:t>北）半球。</a:t>
             </a:r>
-            <a:endParaRPr lang="zh-CN" altLang="en-US" sz="2600" b="1" baseline="30000" smtClean="0">
+            <a:endParaRPr lang="zh-CN" altLang="en-US" sz="2600" b="1" baseline="30000">
               <a:solidFill>
                 <a:srgbClr val="0000FF"/>
               </a:solidFill>
@@ -32831,7 +32704,7 @@
                   <a:spcPct val="0"/>
                 </a:spcAft>
               </a:pPr>
-              <a:endParaRPr lang="zh-CN" altLang="en-US" smtClean="0">
+              <a:endParaRPr lang="zh-CN" altLang="en-US">
                 <a:solidFill>
                   <a:prstClr val="black"/>
                 </a:solidFill>
@@ -33002,7 +32875,7 @@
                 </a:spcAft>
               </a:pPr>
               <a:r>
-                <a:rPr lang="en-US" altLang="zh-CN" sz="2200" b="1" smtClean="0">
+                <a:rPr lang="en-US" altLang="zh-CN" sz="2200" b="1">
                   <a:solidFill>
                     <a:srgbClr val="FF0000"/>
                   </a:solidFill>
@@ -33012,7 +32885,7 @@
                 <a:t>30</a:t>
               </a:r>
               <a:r>
-                <a:rPr lang="en-US" altLang="zh-CN" sz="2200" b="1" baseline="30000" smtClean="0">
+                <a:rPr lang="en-US" altLang="zh-CN" sz="2200" b="1" baseline="30000">
                   <a:solidFill>
                     <a:srgbClr val="FF0000"/>
                   </a:solidFill>
@@ -33186,7 +33059,7 @@
               </a:spcAft>
             </a:pPr>
             <a:r>
-              <a:rPr lang="zh-CN" altLang="en-US" sz="2800" b="1" dirty="0" smtClean="0">
+              <a:rPr lang="zh-CN" altLang="en-US" sz="2800" b="1" dirty="0">
                 <a:solidFill>
                   <a:srgbClr val="C00000"/>
                 </a:solidFill>
@@ -33357,7 +33230,7 @@
               </a:spcAft>
             </a:pPr>
             <a:r>
-              <a:rPr lang="zh-CN" altLang="en-US" sz="2800" b="1" dirty="0" smtClean="0">
+              <a:rPr lang="zh-CN" altLang="en-US" sz="2800" b="1" dirty="0">
                 <a:solidFill>
                   <a:srgbClr val="C00000"/>
                 </a:solidFill>
@@ -33528,7 +33401,7 @@
               </a:spcAft>
             </a:pPr>
             <a:r>
-              <a:rPr lang="zh-CN" altLang="en-US" sz="2800" b="1" dirty="0" smtClean="0">
+              <a:rPr lang="zh-CN" altLang="en-US" sz="2800" b="1" dirty="0">
                 <a:solidFill>
                   <a:srgbClr val="C00000"/>
                 </a:solidFill>
@@ -33699,7 +33572,7 @@
               </a:spcAft>
             </a:pPr>
             <a:r>
-              <a:rPr lang="zh-CN" altLang="en-US" sz="2800" b="1" dirty="0" smtClean="0">
+              <a:rPr lang="zh-CN" altLang="en-US" sz="2800" b="1" dirty="0">
                 <a:solidFill>
                   <a:srgbClr val="C00000"/>
                 </a:solidFill>
@@ -34296,7 +34169,7 @@
                   <a:spcPct val="0"/>
                 </a:spcAft>
               </a:pPr>
-              <a:endParaRPr lang="zh-CN" altLang="en-US" smtClean="0">
+              <a:endParaRPr lang="zh-CN" altLang="en-US">
                 <a:solidFill>
                   <a:prstClr val="black"/>
                 </a:solidFill>
@@ -34467,7 +34340,7 @@
                 </a:spcAft>
               </a:pPr>
               <a:r>
-                <a:rPr lang="zh-CN" altLang="en-US" sz="2200" b="1" smtClean="0">
+                <a:rPr lang="zh-CN" altLang="en-US" sz="2200" b="1">
                   <a:solidFill>
                     <a:srgbClr val="FF0000"/>
                   </a:solidFill>
@@ -34541,7 +34414,7 @@
                   <a:spcPct val="0"/>
                 </a:spcAft>
               </a:pPr>
-              <a:endParaRPr lang="zh-CN" altLang="en-US" smtClean="0">
+              <a:endParaRPr lang="zh-CN" altLang="en-US">
                 <a:solidFill>
                   <a:prstClr val="black"/>
                 </a:solidFill>
@@ -34712,7 +34585,7 @@
                 </a:spcAft>
               </a:pPr>
               <a:r>
-                <a:rPr lang="zh-CN" altLang="en-US" sz="2200" b="1" smtClean="0">
+                <a:rPr lang="zh-CN" altLang="en-US" sz="2200" b="1">
                   <a:solidFill>
                     <a:srgbClr val="0000FF"/>
                   </a:solidFill>
@@ -34786,7 +34659,7 @@
                   <a:spcPct val="0"/>
                 </a:spcAft>
               </a:pPr>
-              <a:endParaRPr lang="zh-CN" altLang="en-US" smtClean="0">
+              <a:endParaRPr lang="zh-CN" altLang="en-US">
                 <a:solidFill>
                   <a:prstClr val="black"/>
                 </a:solidFill>
@@ -34952,7 +34825,7 @@
                 </a:spcAft>
               </a:pPr>
               <a:r>
-                <a:rPr lang="zh-CN" altLang="en-US" sz="2200" b="1" smtClean="0">
+                <a:rPr lang="zh-CN" altLang="en-US" sz="2200" b="1">
                   <a:solidFill>
                     <a:srgbClr val="0000FF"/>
                   </a:solidFill>
@@ -35026,7 +34899,7 @@
                   <a:spcPct val="0"/>
                 </a:spcAft>
               </a:pPr>
-              <a:endParaRPr lang="zh-CN" altLang="en-US" smtClean="0">
+              <a:endParaRPr lang="zh-CN" altLang="en-US">
                 <a:solidFill>
                   <a:prstClr val="black"/>
                 </a:solidFill>
@@ -35192,7 +35065,7 @@
                 </a:spcAft>
               </a:pPr>
               <a:r>
-                <a:rPr lang="zh-CN" altLang="en-US" sz="2200" b="1" smtClean="0">
+                <a:rPr lang="zh-CN" altLang="en-US" sz="2200" b="1">
                   <a:solidFill>
                     <a:prstClr val="black"/>
                   </a:solidFill>
@@ -35357,7 +35230,7 @@
               </a:spcAft>
             </a:pPr>
             <a:r>
-              <a:rPr lang="en-US" altLang="zh-CN" sz="2600" b="1" smtClean="0">
+              <a:rPr lang="en-US" altLang="zh-CN" sz="2600" b="1">
                 <a:solidFill>
                   <a:srgbClr val="0000FF"/>
                 </a:solidFill>
@@ -35366,7 +35239,7 @@
               <a:t>       </a:t>
             </a:r>
             <a:r>
-              <a:rPr lang="zh-CN" altLang="en-US" sz="2600" b="1" smtClean="0">
+              <a:rPr lang="zh-CN" altLang="en-US" sz="2600" b="1">
                 <a:solidFill>
                   <a:srgbClr val="0000FF"/>
                 </a:solidFill>
@@ -35375,7 +35248,7 @@
               <a:t>（</a:t>
             </a:r>
             <a:r>
-              <a:rPr lang="en-US" altLang="zh-CN" sz="2600" b="1" smtClean="0">
+              <a:rPr lang="en-US" altLang="zh-CN" sz="2600" b="1">
                 <a:solidFill>
                   <a:srgbClr val="0000FF"/>
                 </a:solidFill>
@@ -35384,7 +35257,7 @@
               <a:t>2</a:t>
             </a:r>
             <a:r>
-              <a:rPr lang="zh-CN" altLang="en-US" sz="2600" b="1" smtClean="0">
+              <a:rPr lang="zh-CN" altLang="en-US" sz="2600" b="1">
                 <a:solidFill>
                   <a:srgbClr val="0000FF"/>
                 </a:solidFill>
@@ -35393,7 +35266,7 @@
               <a:t>）纬度位置：在图中找出南北回归线和北极圈，由此判断北美洲地跨 </a:t>
             </a:r>
             <a:r>
-              <a:rPr lang="zh-CN" altLang="en-US" sz="2600" b="1" u="sng" smtClean="0">
+              <a:rPr lang="zh-CN" altLang="en-US" sz="2600" b="1" u="sng">
                 <a:solidFill>
                   <a:srgbClr val="0000FF"/>
                 </a:solidFill>
@@ -35402,7 +35275,7 @@
               <a:t>           、        、        </a:t>
             </a:r>
             <a:r>
-              <a:rPr lang="zh-CN" altLang="en-US" sz="2600" b="1" smtClean="0">
+              <a:rPr lang="zh-CN" altLang="en-US" sz="2600" b="1">
                 <a:solidFill>
                   <a:srgbClr val="0000FF"/>
                 </a:solidFill>
@@ -35411,7 +35284,7 @@
               <a:t>三个温度带，大部分位于</a:t>
             </a:r>
             <a:r>
-              <a:rPr lang="zh-CN" altLang="en-US" sz="2600" b="1" u="sng" smtClean="0">
+              <a:rPr lang="zh-CN" altLang="en-US" sz="2600" b="1" u="sng">
                 <a:solidFill>
                   <a:srgbClr val="0000FF"/>
                 </a:solidFill>
@@ -35420,7 +35293,7 @@
               <a:t>           </a:t>
             </a:r>
             <a:r>
-              <a:rPr lang="en-US" altLang="zh-CN" sz="2600" b="1" smtClean="0">
+              <a:rPr lang="en-US" altLang="zh-CN" sz="2600" b="1">
                 <a:solidFill>
                   <a:srgbClr val="0000FF"/>
                 </a:solidFill>
@@ -35429,7 +35302,7 @@
               <a:t>(</a:t>
             </a:r>
             <a:r>
-              <a:rPr lang="zh-CN" altLang="en-US" sz="2600" b="1" smtClean="0">
+              <a:rPr lang="zh-CN" altLang="en-US" sz="2600" b="1">
                 <a:solidFill>
                   <a:srgbClr val="0000FF"/>
                 </a:solidFill>
@@ -35438,7 +35311,7 @@
               <a:t>温度带</a:t>
             </a:r>
             <a:r>
-              <a:rPr lang="en-US" altLang="zh-CN" sz="2600" b="1" smtClean="0">
+              <a:rPr lang="en-US" altLang="zh-CN" sz="2600" b="1">
                 <a:solidFill>
                   <a:srgbClr val="0000FF"/>
                 </a:solidFill>
@@ -35447,7 +35320,7 @@
               <a:t>),</a:t>
             </a:r>
             <a:r>
-              <a:rPr lang="zh-CN" altLang="en-US" sz="2600" b="1" smtClean="0">
+              <a:rPr lang="zh-CN" altLang="en-US" sz="2600" b="1">
                 <a:solidFill>
                   <a:srgbClr val="0000FF"/>
                 </a:solidFill>
@@ -35456,7 +35329,7 @@
               <a:t>南美洲大部分位于</a:t>
             </a:r>
             <a:r>
-              <a:rPr lang="zh-CN" altLang="en-US" sz="2600" b="1" u="sng" smtClean="0">
+              <a:rPr lang="zh-CN" altLang="en-US" sz="2600" b="1" u="sng">
                 <a:solidFill>
                   <a:srgbClr val="0000FF"/>
                 </a:solidFill>
@@ -35465,7 +35338,7 @@
               <a:t>           </a:t>
             </a:r>
             <a:r>
-              <a:rPr lang="en-US" altLang="zh-CN" sz="2600" b="1" smtClean="0">
+              <a:rPr lang="en-US" altLang="zh-CN" sz="2600" b="1">
                 <a:solidFill>
                   <a:srgbClr val="0000FF"/>
                 </a:solidFill>
@@ -35474,7 +35347,7 @@
               <a:t>(</a:t>
             </a:r>
             <a:r>
-              <a:rPr lang="zh-CN" altLang="en-US" sz="2600" b="1" smtClean="0">
+              <a:rPr lang="zh-CN" altLang="en-US" sz="2600" b="1">
                 <a:solidFill>
                   <a:srgbClr val="0000FF"/>
                 </a:solidFill>
@@ -35483,7 +35356,7 @@
               <a:t>温度带</a:t>
             </a:r>
             <a:r>
-              <a:rPr lang="en-US" altLang="zh-CN" sz="2600" b="1" smtClean="0">
+              <a:rPr lang="en-US" altLang="zh-CN" sz="2600" b="1">
                 <a:solidFill>
                   <a:srgbClr val="0000FF"/>
                 </a:solidFill>
@@ -35492,7 +35365,7 @@
               <a:t>)</a:t>
             </a:r>
             <a:r>
-              <a:rPr lang="zh-CN" altLang="en-US" sz="2600" b="1" smtClean="0">
+              <a:rPr lang="zh-CN" altLang="en-US" sz="2600" b="1">
                 <a:solidFill>
                   <a:srgbClr val="0000FF"/>
                 </a:solidFill>
@@ -35501,7 +35374,7 @@
               <a:t>，小部分在位于</a:t>
             </a:r>
             <a:r>
-              <a:rPr lang="zh-CN" altLang="en-US" sz="2600" b="1" u="sng" smtClean="0">
+              <a:rPr lang="zh-CN" altLang="en-US" sz="2600" b="1" u="sng">
                 <a:solidFill>
                   <a:srgbClr val="0000FF"/>
                 </a:solidFill>
@@ -35510,7 +35383,7 @@
               <a:t>               </a:t>
             </a:r>
             <a:r>
-              <a:rPr lang="en-US" altLang="zh-CN" sz="2600" b="1" smtClean="0">
+              <a:rPr lang="en-US" altLang="zh-CN" sz="2600" b="1">
                 <a:solidFill>
                   <a:srgbClr val="0000FF"/>
                 </a:solidFill>
@@ -35519,7 +35392,7 @@
               <a:t>(</a:t>
             </a:r>
             <a:r>
-              <a:rPr lang="zh-CN" altLang="en-US" sz="2600" b="1" smtClean="0">
+              <a:rPr lang="zh-CN" altLang="en-US" sz="2600" b="1">
                 <a:solidFill>
                   <a:srgbClr val="0000FF"/>
                 </a:solidFill>
@@ -35528,7 +35401,7 @@
               <a:t>温度带</a:t>
             </a:r>
             <a:r>
-              <a:rPr lang="en-US" altLang="zh-CN" sz="2600" b="1" smtClean="0">
+              <a:rPr lang="en-US" altLang="zh-CN" sz="2600" b="1">
                 <a:solidFill>
                   <a:srgbClr val="0000FF"/>
                 </a:solidFill>
@@ -35537,7 +35410,7 @@
               <a:t>) </a:t>
             </a:r>
             <a:r>
-              <a:rPr lang="zh-CN" altLang="en-US" sz="2600" b="1" smtClean="0">
+              <a:rPr lang="zh-CN" altLang="en-US" sz="2600" b="1">
                 <a:solidFill>
                   <a:srgbClr val="0000FF"/>
                 </a:solidFill>
@@ -35545,7 +35418,7 @@
               </a:rPr>
               <a:t>。</a:t>
             </a:r>
-            <a:endParaRPr lang="zh-CN" altLang="en-US" sz="2600" b="1" baseline="30000" smtClean="0">
+            <a:endParaRPr lang="zh-CN" altLang="en-US" sz="2600" b="1" baseline="30000">
               <a:solidFill>
                 <a:srgbClr val="0000FF"/>
               </a:solidFill>
@@ -35715,7 +35588,7 @@
               </a:spcAft>
             </a:pPr>
             <a:r>
-              <a:rPr lang="zh-CN" altLang="en-US" sz="2800" b="1" smtClean="0">
+              <a:rPr lang="zh-CN" altLang="en-US" sz="2800" b="1">
                 <a:solidFill>
                   <a:srgbClr val="C00000"/>
                 </a:solidFill>
@@ -35886,7 +35759,7 @@
               </a:spcAft>
             </a:pPr>
             <a:r>
-              <a:rPr lang="zh-CN" altLang="en-US" sz="2800" b="1" smtClean="0">
+              <a:rPr lang="zh-CN" altLang="en-US" sz="2800" b="1">
                 <a:solidFill>
                   <a:srgbClr val="C00000"/>
                 </a:solidFill>
@@ -36127,7 +36000,7 @@
                 </a:spcAft>
               </a:pPr>
               <a:r>
-                <a:rPr lang="zh-CN" altLang="en-US" sz="2500" b="1" smtClean="0">
+                <a:rPr lang="zh-CN" altLang="en-US" sz="2500" b="1">
                   <a:solidFill>
                     <a:srgbClr val="FFFF00"/>
                   </a:solidFill>
@@ -36300,7 +36173,7 @@
               </a:spcAft>
             </a:pPr>
             <a:r>
-              <a:rPr lang="zh-CN" altLang="en-US" sz="2800" b="1" smtClean="0">
+              <a:rPr lang="zh-CN" altLang="en-US" sz="2800" b="1">
                 <a:solidFill>
                   <a:srgbClr val="C00000"/>
                 </a:solidFill>
@@ -36471,7 +36344,7 @@
               </a:spcAft>
             </a:pPr>
             <a:r>
-              <a:rPr lang="zh-CN" altLang="en-US" sz="2800" b="1" dirty="0" smtClean="0">
+              <a:rPr lang="zh-CN" altLang="en-US" sz="2800" b="1" dirty="0">
                 <a:solidFill>
                   <a:srgbClr val="C00000"/>
                 </a:solidFill>
@@ -36642,7 +36515,7 @@
               </a:spcAft>
             </a:pPr>
             <a:r>
-              <a:rPr lang="zh-CN" altLang="en-US" sz="2800" b="1" dirty="0" smtClean="0">
+              <a:rPr lang="zh-CN" altLang="en-US" sz="2800" b="1" dirty="0">
                 <a:solidFill>
                   <a:srgbClr val="C00000"/>
                 </a:solidFill>
@@ -36813,7 +36686,7 @@
               </a:spcAft>
             </a:pPr>
             <a:r>
-              <a:rPr lang="zh-CN" altLang="en-US" sz="2800" b="1" dirty="0" smtClean="0">
+              <a:rPr lang="zh-CN" altLang="en-US" sz="2800" b="1" dirty="0">
                 <a:solidFill>
                   <a:srgbClr val="C00000"/>
                 </a:solidFill>
@@ -37716,7 +37589,7 @@
                 </a:spcAft>
               </a:pPr>
               <a:r>
-                <a:rPr lang="zh-CN" altLang="en-US" sz="2500" b="1" smtClean="0">
+                <a:rPr lang="zh-CN" altLang="en-US" sz="2500" b="1">
                   <a:solidFill>
                     <a:srgbClr val="FFFF00"/>
                   </a:solidFill>
@@ -37801,9 +37674,27 @@
                 <a:tableStyleId>{5C22544A-7EE6-4342-B048-85BDC9FD1C3A}</a:tableStyleId>
               </a:tblPr>
               <a:tblGrid>
-                <a:gridCol w="689809"/>
-                <a:gridCol w="2681534"/>
-                <a:gridCol w="1162557"/>
+                <a:gridCol w="689809">
+                  <a:extLst>
+                    <a:ext uri="{9D8B030D-6E8A-4147-A177-3AD203B41FA5}">
+                      <a16:colId xmlns:a16="http://schemas.microsoft.com/office/drawing/2014/main" val="20000"/>
+                    </a:ext>
+                  </a:extLst>
+                </a:gridCol>
+                <a:gridCol w="2681534">
+                  <a:extLst>
+                    <a:ext uri="{9D8B030D-6E8A-4147-A177-3AD203B41FA5}">
+                      <a16:colId xmlns:a16="http://schemas.microsoft.com/office/drawing/2014/main" val="20001"/>
+                    </a:ext>
+                  </a:extLst>
+                </a:gridCol>
+                <a:gridCol w="1162557">
+                  <a:extLst>
+                    <a:ext uri="{9D8B030D-6E8A-4147-A177-3AD203B41FA5}">
+                      <a16:colId xmlns:a16="http://schemas.microsoft.com/office/drawing/2014/main" val="20002"/>
+                    </a:ext>
+                  </a:extLst>
+                </a:gridCol>
               </a:tblGrid>
               <a:tr h="640006">
                 <a:tc gridSpan="3">
@@ -37813,18 +37704,13 @@
                     <a:p>
                       <a:pPr algn="ctr"/>
                       <a:r>
-                        <a:rPr lang="zh-CN" altLang="en-US" sz="3600" dirty="0" smtClean="0">
+                        <a:rPr lang="zh-CN" altLang="en-US" sz="3600" dirty="0">
                           <a:solidFill>
                             <a:schemeClr val="tx1"/>
                           </a:solidFill>
                         </a:rPr>
                         <a:t>海陆位置</a:t>
                       </a:r>
-                      <a:endParaRPr lang="zh-CN" altLang="en-US" sz="3600" dirty="0">
-                        <a:solidFill>
-                          <a:schemeClr val="tx1"/>
-                        </a:solidFill>
-                      </a:endParaRPr>
                     </a:p>
                   </a:txBody>
                   <a:tcPr marL="91441" marR="91441" marT="45715" marB="45715"/>
@@ -37849,6 +37735,11 @@
                   </a:txBody>
                   <a:tcPr/>
                 </a:tc>
+                <a:extLst>
+                  <a:ext uri="{0D108BD9-81ED-4DB2-BD59-A6C34878D82A}">
+                    <a16:rowId xmlns:a16="http://schemas.microsoft.com/office/drawing/2014/main" val="10000"/>
+                  </a:ext>
+                </a:extLst>
               </a:tr>
               <a:tr h="1737158">
                 <a:tc>
@@ -37857,10 +37748,9 @@
                     <a:lstStyle/>
                     <a:p>
                       <a:r>
-                        <a:rPr lang="zh-CN" altLang="en-US" sz="2400" b="1" dirty="0" smtClean="0"/>
+                        <a:rPr lang="zh-CN" altLang="en-US" sz="2400" b="1" dirty="0"/>
                         <a:t>北美洲</a:t>
                       </a:r>
-                      <a:endParaRPr lang="zh-CN" altLang="en-US" sz="2400" b="1" dirty="0"/>
                     </a:p>
                   </a:txBody>
                   <a:tcPr marL="91441" marR="91441" marT="45715" marB="45715"/>
@@ -37870,7 +37760,7 @@
                     <a:bodyPr/>
                     <a:lstStyle/>
                     <a:p>
-                      <a:endParaRPr kumimoji="0" lang="en-US" altLang="zh-CN" sz="3600" b="0" i="0" u="none" strike="noStrike" kern="1200" cap="none" spc="0" normalizeH="0" baseline="30000" noProof="0" dirty="0" smtClean="0">
+                      <a:endParaRPr kumimoji="0" lang="en-US" altLang="zh-CN" sz="3600" b="0" i="0" u="none" strike="noStrike" kern="1200" cap="none" spc="0" normalizeH="0" baseline="30000" noProof="0" dirty="0">
                         <a:ln>
                           <a:noFill/>
                         </a:ln>
@@ -37887,7 +37777,7 @@
                     </a:p>
                     <a:p>
                       <a:r>
-                        <a:rPr kumimoji="0" lang="zh-CN" altLang="en-US" sz="3600" b="0" i="0" u="none" strike="noStrike" kern="1200" cap="none" spc="0" normalizeH="0" baseline="30000" noProof="0" dirty="0" smtClean="0">
+                        <a:rPr kumimoji="0" lang="zh-CN" altLang="en-US" sz="3600" b="0" i="0" u="none" strike="noStrike" kern="1200" cap="none" spc="0" normalizeH="0" baseline="30000" noProof="0" dirty="0">
                           <a:ln>
                             <a:noFill/>
                           </a:ln>
@@ -37904,7 +37794,7 @@
                         <a:t>北临①</a:t>
                       </a:r>
                       <a:r>
-                        <a:rPr kumimoji="0" lang="zh-CN" altLang="en-US" sz="3600" b="0" i="0" u="sng" strike="noStrike" kern="1200" cap="none" spc="0" normalizeH="0" baseline="30000" noProof="0" dirty="0" smtClean="0">
+                        <a:rPr kumimoji="0" lang="zh-CN" altLang="en-US" sz="3600" b="0" i="0" u="sng" strike="noStrike" kern="1200" cap="none" spc="0" normalizeH="0" baseline="30000" noProof="0" dirty="0">
                           <a:ln>
                             <a:noFill/>
                           </a:ln>
@@ -37921,7 +37811,7 @@
                         <a:t>      </a:t>
                       </a:r>
                       <a:r>
-                        <a:rPr kumimoji="0" lang="zh-CN" altLang="en-US" sz="3600" b="0" i="0" u="none" strike="noStrike" kern="1200" cap="none" spc="0" normalizeH="0" baseline="30000" noProof="0" dirty="0" smtClean="0">
+                        <a:rPr kumimoji="0" lang="zh-CN" altLang="en-US" sz="3600" b="0" i="0" u="none" strike="noStrike" kern="1200" cap="none" spc="0" normalizeH="0" baseline="30000" noProof="0" dirty="0">
                           <a:ln>
                             <a:noFill/>
                           </a:ln>
@@ -37937,7 +37827,7 @@
                         </a:rPr>
                         <a:t>洋，</a:t>
                       </a:r>
-                      <a:endParaRPr kumimoji="0" lang="en-US" altLang="zh-CN" sz="3600" b="0" i="0" u="none" strike="noStrike" kern="1200" cap="none" spc="0" normalizeH="0" baseline="30000" noProof="0" dirty="0" smtClean="0">
+                      <a:endParaRPr kumimoji="0" lang="en-US" altLang="zh-CN" sz="3600" b="0" i="0" u="none" strike="noStrike" kern="1200" cap="none" spc="0" normalizeH="0" baseline="30000" noProof="0" dirty="0">
                         <a:ln>
                           <a:noFill/>
                         </a:ln>
@@ -37954,7 +37844,7 @@
                     </a:p>
                     <a:p>
                       <a:r>
-                        <a:rPr kumimoji="0" lang="zh-CN" altLang="en-US" sz="3600" b="0" i="0" u="none" strike="noStrike" kern="1200" cap="none" spc="0" normalizeH="0" baseline="30000" noProof="0" dirty="0" smtClean="0">
+                        <a:rPr kumimoji="0" lang="zh-CN" altLang="en-US" sz="3600" b="0" i="0" u="none" strike="noStrike" kern="1200" cap="none" spc="0" normalizeH="0" baseline="30000" noProof="0" dirty="0">
                           <a:ln>
                             <a:noFill/>
                           </a:ln>
@@ -37971,7 +37861,7 @@
                         <a:t>西北隔②</a:t>
                       </a:r>
                       <a:r>
-                        <a:rPr kumimoji="0" lang="zh-CN" altLang="en-US" sz="3600" b="0" i="0" u="sng" strike="noStrike" kern="1200" cap="none" spc="0" normalizeH="0" baseline="30000" noProof="0" dirty="0" smtClean="0">
+                        <a:rPr kumimoji="0" lang="zh-CN" altLang="en-US" sz="3600" b="0" i="0" u="sng" strike="noStrike" kern="1200" cap="none" spc="0" normalizeH="0" baseline="30000" noProof="0" dirty="0">
                           <a:ln>
                             <a:noFill/>
                           </a:ln>
@@ -37988,7 +37878,7 @@
                         <a:t>     </a:t>
                       </a:r>
                       <a:r>
-                        <a:rPr kumimoji="0" lang="zh-CN" altLang="en-US" sz="3600" b="0" i="0" u="none" strike="noStrike" kern="1200" cap="none" spc="0" normalizeH="0" baseline="30000" noProof="0" dirty="0" smtClean="0">
+                        <a:rPr kumimoji="0" lang="zh-CN" altLang="en-US" sz="3600" b="0" i="0" u="none" strike="noStrike" kern="1200" cap="none" spc="0" normalizeH="0" baseline="30000" noProof="0" dirty="0">
                           <a:ln>
                             <a:noFill/>
                           </a:ln>
@@ -38005,7 +37895,7 @@
                         <a:t>海峡与</a:t>
                       </a:r>
                       <a:r>
-                        <a:rPr kumimoji="0" lang="zh-CN" altLang="en-US" sz="3600" b="0" i="0" u="sng" strike="noStrike" kern="1200" cap="none" spc="0" normalizeH="0" baseline="30000" noProof="0" dirty="0" smtClean="0">
+                        <a:rPr kumimoji="0" lang="zh-CN" altLang="en-US" sz="3600" b="0" i="0" u="sng" strike="noStrike" kern="1200" cap="none" spc="0" normalizeH="0" baseline="30000" noProof="0" dirty="0">
                           <a:ln>
                             <a:noFill/>
                           </a:ln>
@@ -38022,7 +37912,7 @@
                         <a:t>    </a:t>
                       </a:r>
                       <a:r>
-                        <a:rPr kumimoji="0" lang="zh-CN" altLang="en-US" sz="3600" b="0" i="0" u="none" strike="noStrike" kern="1200" cap="none" spc="0" normalizeH="0" baseline="30000" noProof="0" dirty="0" smtClean="0">
+                        <a:rPr kumimoji="0" lang="zh-CN" altLang="en-US" sz="3600" b="0" i="0" u="none" strike="noStrike" kern="1200" cap="none" spc="0" normalizeH="0" baseline="30000" noProof="0" dirty="0">
                           <a:ln>
                             <a:noFill/>
                           </a:ln>
@@ -38039,7 +37929,7 @@
                         <a:t>洲相望</a:t>
                       </a:r>
                       <a:r>
-                        <a:rPr kumimoji="0" lang="zh-CN" altLang="en-US" sz="3600" b="0" i="0" u="none" strike="noStrike" kern="1200" cap="none" spc="0" normalizeH="0" baseline="30000" noProof="0" dirty="0" smtClean="0">
+                        <a:rPr kumimoji="0" lang="zh-CN" altLang="en-US" sz="3600" b="0" i="0" u="none" strike="noStrike" kern="1200" cap="none" spc="0" normalizeH="0" baseline="30000" noProof="0" dirty="0">
                           <a:ln>
                             <a:noFill/>
                           </a:ln>
@@ -38065,7 +37955,7 @@
                     <a:bodyPr/>
                     <a:lstStyle/>
                     <a:p>
-                      <a:endParaRPr kumimoji="0" lang="en-US" altLang="zh-CN" sz="3600" b="1" i="0" u="none" strike="noStrike" kern="1200" cap="none" spc="0" normalizeH="0" baseline="30000" noProof="0" dirty="0" smtClean="0">
+                      <a:endParaRPr kumimoji="0" lang="en-US" altLang="zh-CN" sz="3600" b="1" i="0" u="none" strike="noStrike" kern="1200" cap="none" spc="0" normalizeH="0" baseline="30000" noProof="0" dirty="0">
                         <a:ln>
                           <a:noFill/>
                         </a:ln>
@@ -38082,7 +37972,7 @@
                     </a:p>
                     <a:p>
                       <a:r>
-                        <a:rPr kumimoji="0" lang="zh-CN" altLang="en-US" sz="3600" b="1" i="0" u="none" strike="noStrike" kern="1200" cap="none" spc="0" normalizeH="0" baseline="30000" noProof="0" dirty="0" smtClean="0">
+                        <a:rPr kumimoji="0" lang="zh-CN" altLang="en-US" sz="3600" b="1" i="0" u="none" strike="noStrike" kern="1200" cap="none" spc="0" normalizeH="0" baseline="30000" noProof="0" dirty="0">
                           <a:ln>
                             <a:noFill/>
                           </a:ln>
@@ -38098,7 +37988,7 @@
                         </a:rPr>
                         <a:t>东临</a:t>
                       </a:r>
-                      <a:endParaRPr kumimoji="0" lang="en-US" altLang="zh-CN" sz="3600" b="1" i="0" u="none" strike="noStrike" kern="1200" cap="none" spc="0" normalizeH="0" baseline="30000" noProof="0" dirty="0" smtClean="0">
+                      <a:endParaRPr kumimoji="0" lang="en-US" altLang="zh-CN" sz="3600" b="1" i="0" u="none" strike="noStrike" kern="1200" cap="none" spc="0" normalizeH="0" baseline="30000" noProof="0" dirty="0">
                         <a:ln>
                           <a:noFill/>
                         </a:ln>
@@ -38115,7 +38005,7 @@
                     </a:p>
                     <a:p>
                       <a:r>
-                        <a:rPr kumimoji="0" lang="zh-CN" altLang="en-US" sz="3600" b="1" i="0" u="none" strike="noStrike" kern="1200" cap="none" spc="0" normalizeH="0" baseline="30000" noProof="0" dirty="0" smtClean="0">
+                        <a:rPr kumimoji="0" lang="zh-CN" altLang="en-US" sz="3600" b="1" i="0" u="none" strike="noStrike" kern="1200" cap="none" spc="0" normalizeH="0" baseline="30000" noProof="0" dirty="0">
                           <a:ln>
                             <a:noFill/>
                           </a:ln>
@@ -38132,7 +38022,7 @@
                         <a:t>③ </a:t>
                       </a:r>
                       <a:r>
-                        <a:rPr kumimoji="0" lang="zh-CN" altLang="en-US" sz="3600" b="1" i="0" u="sng" strike="noStrike" kern="1200" cap="none" spc="0" normalizeH="0" baseline="30000" noProof="0" dirty="0" smtClean="0">
+                        <a:rPr kumimoji="0" lang="zh-CN" altLang="en-US" sz="3600" b="1" i="0" u="sng" strike="noStrike" kern="1200" cap="none" spc="0" normalizeH="0" baseline="30000" noProof="0" dirty="0">
                           <a:ln>
                             <a:noFill/>
                           </a:ln>
@@ -38149,7 +38039,7 @@
                         <a:t>    </a:t>
                       </a:r>
                       <a:r>
-                        <a:rPr kumimoji="0" lang="zh-CN" altLang="en-US" sz="3600" b="1" i="0" u="none" strike="noStrike" kern="1200" cap="none" spc="0" normalizeH="0" baseline="30000" noProof="0" dirty="0" smtClean="0">
+                        <a:rPr kumimoji="0" lang="zh-CN" altLang="en-US" sz="3600" b="1" i="0" u="none" strike="noStrike" kern="1200" cap="none" spc="0" normalizeH="0" baseline="30000" noProof="0" dirty="0">
                           <a:ln>
                             <a:noFill/>
                           </a:ln>
@@ -38165,7 +38055,7 @@
                         </a:rPr>
                         <a:t>洋，</a:t>
                       </a:r>
-                      <a:endParaRPr kumimoji="0" lang="en-US" altLang="zh-CN" sz="3600" b="1" i="0" u="none" strike="noStrike" kern="1200" cap="none" spc="0" normalizeH="0" baseline="30000" noProof="0" dirty="0" smtClean="0">
+                      <a:endParaRPr kumimoji="0" lang="en-US" altLang="zh-CN" sz="3600" b="1" i="0" u="none" strike="noStrike" kern="1200" cap="none" spc="0" normalizeH="0" baseline="30000" noProof="0" dirty="0">
                         <a:ln>
                           <a:noFill/>
                         </a:ln>
@@ -38182,7 +38072,7 @@
                     </a:p>
                     <a:p>
                       <a:r>
-                        <a:rPr kumimoji="0" lang="zh-CN" altLang="en-US" sz="3600" b="1" i="0" u="none" strike="noStrike" kern="1200" cap="none" spc="0" normalizeH="0" baseline="30000" noProof="0" dirty="0" smtClean="0">
+                        <a:rPr kumimoji="0" lang="zh-CN" altLang="en-US" sz="3600" b="1" i="0" u="none" strike="noStrike" kern="1200" cap="none" spc="0" normalizeH="0" baseline="30000" noProof="0" dirty="0">
                           <a:ln>
                             <a:noFill/>
                           </a:ln>
@@ -38198,7 +38088,7 @@
                         </a:rPr>
                         <a:t>西临</a:t>
                       </a:r>
-                      <a:endParaRPr kumimoji="0" lang="en-US" altLang="zh-CN" sz="3600" b="1" i="0" u="none" strike="noStrike" kern="1200" cap="none" spc="0" normalizeH="0" baseline="30000" noProof="0" dirty="0" smtClean="0">
+                      <a:endParaRPr kumimoji="0" lang="en-US" altLang="zh-CN" sz="3600" b="1" i="0" u="none" strike="noStrike" kern="1200" cap="none" spc="0" normalizeH="0" baseline="30000" noProof="0" dirty="0">
                         <a:ln>
                           <a:noFill/>
                         </a:ln>
@@ -38215,7 +38105,7 @@
                     </a:p>
                     <a:p>
                       <a:r>
-                        <a:rPr kumimoji="0" lang="zh-CN" altLang="en-US" sz="3600" b="1" i="0" u="none" strike="noStrike" kern="1200" cap="none" spc="0" normalizeH="0" baseline="30000" noProof="0" dirty="0" smtClean="0">
+                        <a:rPr kumimoji="0" lang="zh-CN" altLang="en-US" sz="3600" b="1" i="0" u="none" strike="noStrike" kern="1200" cap="none" spc="0" normalizeH="0" baseline="30000" noProof="0" dirty="0">
                           <a:ln>
                             <a:noFill/>
                           </a:ln>
@@ -38240,6 +38130,11 @@
                   </a:txBody>
                   <a:tcPr marL="91441" marR="91441" marT="45715" marB="45715"/>
                 </a:tc>
+                <a:extLst>
+                  <a:ext uri="{0D108BD9-81ED-4DB2-BD59-A6C34878D82A}">
+                    <a16:rowId xmlns:a16="http://schemas.microsoft.com/office/drawing/2014/main" val="10001"/>
+                  </a:ext>
+                </a:extLst>
               </a:tr>
               <a:tr h="1261386">
                 <a:tc>
@@ -38248,10 +38143,9 @@
                     <a:lstStyle/>
                     <a:p>
                       <a:r>
-                        <a:rPr lang="zh-CN" altLang="en-US" sz="2400" b="1" dirty="0" smtClean="0"/>
+                        <a:rPr lang="zh-CN" altLang="en-US" sz="2400" b="1" dirty="0"/>
                         <a:t>南美洲</a:t>
                       </a:r>
-                      <a:endParaRPr lang="zh-CN" altLang="en-US" sz="2400" b="1" dirty="0"/>
                     </a:p>
                   </a:txBody>
                   <a:tcPr marL="91441" marR="91441" marT="45715" marB="45715"/>
@@ -38262,39 +38156,39 @@
                     <a:lstStyle/>
                     <a:p>
                       <a:r>
-                        <a:rPr lang="zh-CN" altLang="en-US" sz="2400" dirty="0" smtClean="0"/>
+                        <a:rPr lang="zh-CN" altLang="en-US" sz="2400" dirty="0"/>
                         <a:t>南隔</a:t>
                       </a:r>
                       <a:r>
-                        <a:rPr lang="zh-CN" altLang="en-US" sz="2400" dirty="0" smtClean="0">
+                        <a:rPr lang="zh-CN" altLang="en-US" sz="2400" dirty="0">
                           <a:latin typeface="宋体"/>
                           <a:ea typeface="宋体"/>
                         </a:rPr>
                         <a:t>⑤</a:t>
                       </a:r>
                       <a:r>
-                        <a:rPr lang="zh-CN" altLang="en-US" sz="2400" u="sng" dirty="0" smtClean="0">
+                        <a:rPr lang="zh-CN" altLang="en-US" sz="2400" u="sng" dirty="0">
                           <a:latin typeface="宋体"/>
                           <a:ea typeface="宋体"/>
                         </a:rPr>
                         <a:t>        </a:t>
                       </a:r>
                       <a:r>
-                        <a:rPr lang="zh-CN" altLang="en-US" sz="2400" dirty="0" smtClean="0">
+                        <a:rPr lang="zh-CN" altLang="en-US" sz="2400" dirty="0">
                           <a:latin typeface="宋体"/>
                           <a:ea typeface="宋体"/>
                         </a:rPr>
                         <a:t>海峡与</a:t>
                       </a:r>
                       <a:r>
-                        <a:rPr lang="zh-CN" altLang="en-US" sz="2400" u="sng" dirty="0" smtClean="0">
+                        <a:rPr lang="zh-CN" altLang="en-US" sz="2400" u="sng" dirty="0">
                           <a:latin typeface="宋体"/>
                           <a:ea typeface="宋体"/>
                         </a:rPr>
                         <a:t>      </a:t>
                       </a:r>
                       <a:r>
-                        <a:rPr lang="zh-CN" altLang="en-US" sz="2400" dirty="0" smtClean="0">
+                        <a:rPr lang="zh-CN" altLang="en-US" sz="2400" dirty="0">
                           <a:latin typeface="宋体"/>
                           <a:ea typeface="宋体"/>
                         </a:rPr>
@@ -38315,6 +38209,11 @@
                   </a:txBody>
                   <a:tcPr/>
                 </a:tc>
+                <a:extLst>
+                  <a:ext uri="{0D108BD9-81ED-4DB2-BD59-A6C34878D82A}">
+                    <a16:rowId xmlns:a16="http://schemas.microsoft.com/office/drawing/2014/main" val="10002"/>
+                  </a:ext>
+                </a:extLst>
               </a:tr>
             </a:tbl>
           </a:graphicData>
@@ -38481,7 +38380,7 @@
               </a:spcAft>
             </a:pPr>
             <a:r>
-              <a:rPr lang="zh-CN" altLang="en-US" sz="2800" b="1" smtClean="0">
+              <a:rPr lang="zh-CN" altLang="en-US" sz="2800" b="1">
                 <a:solidFill>
                   <a:srgbClr val="C00000"/>
                 </a:solidFill>
@@ -38652,7 +38551,7 @@
               </a:spcAft>
             </a:pPr>
             <a:r>
-              <a:rPr lang="zh-CN" altLang="en-US" sz="2800" b="1" smtClean="0">
+              <a:rPr lang="zh-CN" altLang="en-US" sz="2800" b="1">
                 <a:solidFill>
                   <a:srgbClr val="C00000"/>
                 </a:solidFill>
@@ -38823,7 +38722,7 @@
               </a:spcAft>
             </a:pPr>
             <a:r>
-              <a:rPr lang="zh-CN" altLang="en-US" sz="2800" b="1" smtClean="0">
+              <a:rPr lang="zh-CN" altLang="en-US" sz="2800" b="1">
                 <a:solidFill>
                   <a:srgbClr val="C00000"/>
                 </a:solidFill>
@@ -38994,7 +38893,7 @@
               </a:spcAft>
             </a:pPr>
             <a:r>
-              <a:rPr lang="zh-CN" altLang="en-US" sz="2800" b="1" smtClean="0">
+              <a:rPr lang="zh-CN" altLang="en-US" sz="2800" b="1">
                 <a:solidFill>
                   <a:srgbClr val="C00000"/>
                 </a:solidFill>
@@ -39165,7 +39064,7 @@
               </a:spcAft>
             </a:pPr>
             <a:r>
-              <a:rPr lang="zh-CN" altLang="en-US" sz="2800" b="1" smtClean="0">
+              <a:rPr lang="zh-CN" altLang="en-US" sz="2800" b="1">
                 <a:solidFill>
                   <a:srgbClr val="C00000"/>
                 </a:solidFill>
@@ -39336,7 +39235,7 @@
               </a:spcAft>
             </a:pPr>
             <a:r>
-              <a:rPr lang="zh-CN" altLang="en-US" sz="2400" b="1" smtClean="0">
+              <a:rPr lang="zh-CN" altLang="en-US" sz="2400" b="1">
                 <a:solidFill>
                   <a:srgbClr val="C00000"/>
                 </a:solidFill>
@@ -39507,7 +39406,7 @@
               </a:spcAft>
             </a:pPr>
             <a:r>
-              <a:rPr lang="zh-CN" altLang="en-US" sz="2400" b="1" smtClean="0">
+              <a:rPr lang="zh-CN" altLang="en-US" sz="2400" b="1">
                 <a:solidFill>
                   <a:srgbClr val="C00000"/>
                 </a:solidFill>
@@ -40249,7 +40148,7 @@
         </p:nvGraphicFramePr>
         <p:xfrm>
           <a:off x="4267200" y="1752600"/>
-          <a:ext cx="4343400" cy="4800600"/>
+          <a:ext cx="4343400" cy="4703318"/>
         </p:xfrm>
         <a:graphic>
           <a:graphicData uri="http://schemas.openxmlformats.org/drawingml/2006/table">
@@ -40258,8 +40157,20 @@
                 <a:tableStyleId>{5C22544A-7EE6-4342-B048-85BDC9FD1C3A}</a:tableStyleId>
               </a:tblPr>
               <a:tblGrid>
-                <a:gridCol w="609600"/>
-                <a:gridCol w="3733800"/>
+                <a:gridCol w="609600">
+                  <a:extLst>
+                    <a:ext uri="{9D8B030D-6E8A-4147-A177-3AD203B41FA5}">
+                      <a16:colId xmlns:a16="http://schemas.microsoft.com/office/drawing/2014/main" val="20000"/>
+                    </a:ext>
+                  </a:extLst>
+                </a:gridCol>
+                <a:gridCol w="3733800">
+                  <a:extLst>
+                    <a:ext uri="{9D8B030D-6E8A-4147-A177-3AD203B41FA5}">
+                      <a16:colId xmlns:a16="http://schemas.microsoft.com/office/drawing/2014/main" val="20001"/>
+                    </a:ext>
+                  </a:extLst>
+                </a:gridCol>
               </a:tblGrid>
               <a:tr h="990600">
                 <a:tc>
@@ -40326,16 +40237,7 @@
                           </a:solidFill>
                           <a:effectLst/>
                         </a:rPr>
-                        <a:t>   </a:t>
-                      </a:r>
-                      <a:r>
-                        <a:rPr lang="en-US" sz="2400" u="sng" kern="100" dirty="0" smtClean="0">
-                          <a:solidFill>
-                            <a:schemeClr val="tx1"/>
-                          </a:solidFill>
-                          <a:effectLst/>
-                        </a:rPr>
-                        <a:t>           </a:t>
+                        <a:t>              </a:t>
                       </a:r>
                       <a:r>
                         <a:rPr lang="zh-CN" sz="2400" kern="100" dirty="0">
@@ -40344,18 +40246,9 @@
                           </a:solidFill>
                           <a:effectLst/>
                         </a:rPr>
-                        <a:t>洋</a:t>
+                        <a:t>洋与</a:t>
                       </a:r>
-                      <a:r>
-                        <a:rPr lang="zh-CN" sz="2400" kern="100" dirty="0" smtClean="0">
-                          <a:solidFill>
-                            <a:schemeClr val="tx1"/>
-                          </a:solidFill>
-                          <a:effectLst/>
-                        </a:rPr>
-                        <a:t>与</a:t>
-                      </a:r>
-                      <a:endParaRPr lang="en-US" altLang="zh-CN" sz="2400" kern="100" dirty="0" smtClean="0">
+                      <a:endParaRPr lang="en-US" altLang="zh-CN" sz="2400" kern="100" dirty="0">
                         <a:solidFill>
                           <a:schemeClr val="tx1"/>
                         </a:solidFill>
@@ -40372,7 +40265,7 @@
                         </a:spcAft>
                       </a:pPr>
                       <a:r>
-                        <a:rPr lang="zh-CN" sz="2400" kern="100" dirty="0" smtClean="0">
+                        <a:rPr lang="zh-CN" sz="2400" kern="100" dirty="0">
                           <a:solidFill>
                             <a:schemeClr val="tx1"/>
                           </a:solidFill>
@@ -40381,7 +40274,7 @@
                         <a:t>②</a:t>
                       </a:r>
                       <a:r>
-                        <a:rPr lang="en-US" sz="2400" u="sng" kern="100" dirty="0" smtClean="0">
+                        <a:rPr lang="en-US" sz="2400" u="sng" kern="100" dirty="0">
                           <a:solidFill>
                             <a:schemeClr val="tx1"/>
                           </a:solidFill>
@@ -40411,6 +40304,11 @@
                   </a:txBody>
                   <a:tcPr marL="68580" marR="68580" marT="0" marB="0"/>
                 </a:tc>
+                <a:extLst>
+                  <a:ext uri="{0D108BD9-81ED-4DB2-BD59-A6C34878D82A}">
+                    <a16:rowId xmlns:a16="http://schemas.microsoft.com/office/drawing/2014/main" val="10000"/>
+                  </a:ext>
+                </a:extLst>
               </a:tr>
               <a:tr h="822960">
                 <a:tc rowSpan="3">
@@ -40477,16 +40375,7 @@
                           </a:solidFill>
                           <a:effectLst/>
                         </a:rPr>
-                        <a:t>    </a:t>
-                      </a:r>
-                      <a:r>
-                        <a:rPr lang="en-US" sz="2000" u="sng" kern="100" dirty="0" smtClean="0">
-                          <a:solidFill>
-                            <a:schemeClr val="tx1"/>
-                          </a:solidFill>
-                          <a:effectLst/>
-                        </a:rPr>
-                        <a:t>           </a:t>
+                        <a:t>               </a:t>
                       </a:r>
                       <a:r>
                         <a:rPr lang="zh-CN" sz="2000" kern="100" dirty="0">
@@ -40504,19 +40393,10 @@
                           </a:solidFill>
                           <a:effectLst/>
                         </a:rPr>
-                        <a:t>   </a:t>
+                        <a:t>              </a:t>
                       </a:r>
                       <a:r>
-                        <a:rPr lang="en-US" sz="2000" u="sng" kern="100" dirty="0" smtClean="0">
-                          <a:solidFill>
-                            <a:schemeClr val="tx1"/>
-                          </a:solidFill>
-                          <a:effectLst/>
-                        </a:rPr>
-                        <a:t>           </a:t>
-                      </a:r>
-                      <a:r>
-                        <a:rPr lang="en-US" sz="2000" kern="100" dirty="0" smtClean="0">
+                        <a:rPr lang="en-US" sz="2000" kern="100" dirty="0">
                           <a:solidFill>
                             <a:schemeClr val="tx1"/>
                           </a:solidFill>
@@ -40546,6 +40426,11 @@
                   </a:txBody>
                   <a:tcPr marL="68580" marR="68580" marT="0" marB="0"/>
                 </a:tc>
+                <a:extLst>
+                  <a:ext uri="{0D108BD9-81ED-4DB2-BD59-A6C34878D82A}">
+                    <a16:rowId xmlns:a16="http://schemas.microsoft.com/office/drawing/2014/main" val="10001"/>
+                  </a:ext>
+                </a:extLst>
               </a:tr>
               <a:tr h="1234440">
                 <a:tc vMerge="1">
@@ -40587,16 +40472,7 @@
                           </a:solidFill>
                           <a:effectLst/>
                         </a:rPr>
-                        <a:t> </a:t>
-                      </a:r>
-                      <a:r>
-                        <a:rPr lang="en-US" sz="2000" u="sng" kern="100" dirty="0" smtClean="0">
-                          <a:solidFill>
-                            <a:schemeClr val="tx1"/>
-                          </a:solidFill>
-                          <a:effectLst/>
-                        </a:rPr>
-                        <a:t>                     </a:t>
+                        <a:t>                      </a:t>
                       </a:r>
                       <a:r>
                         <a:rPr lang="zh-CN" sz="2000" kern="100" dirty="0">
@@ -40605,18 +40481,9 @@
                           </a:solidFill>
                           <a:effectLst/>
                         </a:rPr>
-                        <a:t>（国家）</a:t>
+                        <a:t>（国家）与</a:t>
                       </a:r>
-                      <a:r>
-                        <a:rPr lang="zh-CN" sz="2000" kern="100" dirty="0" smtClean="0">
-                          <a:solidFill>
-                            <a:schemeClr val="tx1"/>
-                          </a:solidFill>
-                          <a:effectLst/>
-                        </a:rPr>
-                        <a:t>与</a:t>
-                      </a:r>
-                      <a:endParaRPr lang="en-US" altLang="zh-CN" sz="2000" kern="100" dirty="0" smtClean="0">
+                      <a:endParaRPr lang="en-US" altLang="zh-CN" sz="2000" kern="100" dirty="0">
                         <a:solidFill>
                           <a:schemeClr val="tx1"/>
                         </a:solidFill>
@@ -40633,7 +40500,7 @@
                         </a:spcAft>
                       </a:pPr>
                       <a:r>
-                        <a:rPr lang="zh-CN" sz="2000" kern="100" dirty="0" smtClean="0">
+                        <a:rPr lang="zh-CN" sz="2000" kern="100" dirty="0">
                           <a:solidFill>
                             <a:schemeClr val="tx1"/>
                           </a:solidFill>
@@ -40642,7 +40509,7 @@
                         <a:t>④</a:t>
                       </a:r>
                       <a:r>
-                        <a:rPr lang="zh-CN" sz="2000" u="sng" kern="100" dirty="0" smtClean="0">
+                        <a:rPr lang="zh-CN" sz="2000" u="sng" kern="100" dirty="0">
                           <a:solidFill>
                             <a:schemeClr val="tx1"/>
                           </a:solidFill>
@@ -40651,7 +40518,7 @@
                         <a:t> </a:t>
                       </a:r>
                       <a:r>
-                        <a:rPr lang="en-US" sz="2000" u="sng" kern="100" dirty="0" smtClean="0">
+                        <a:rPr lang="en-US" sz="2000" u="sng" kern="100" dirty="0">
                           <a:solidFill>
                             <a:schemeClr val="tx1"/>
                           </a:solidFill>
@@ -40681,6 +40548,11 @@
                   </a:txBody>
                   <a:tcPr marL="68580" marR="68580" marT="0" marB="0"/>
                 </a:tc>
+                <a:extLst>
+                  <a:ext uri="{0D108BD9-81ED-4DB2-BD59-A6C34878D82A}">
+                    <a16:rowId xmlns:a16="http://schemas.microsoft.com/office/drawing/2014/main" val="10002"/>
+                  </a:ext>
+                </a:extLst>
               </a:tr>
               <a:tr h="822960">
                 <a:tc vMerge="1">
@@ -40728,6 +40600,11 @@
                   </a:txBody>
                   <a:tcPr marL="68580" marR="68580" marT="0" marB="0"/>
                 </a:tc>
+                <a:extLst>
+                  <a:ext uri="{0D108BD9-81ED-4DB2-BD59-A6C34878D82A}">
+                    <a16:rowId xmlns:a16="http://schemas.microsoft.com/office/drawing/2014/main" val="10003"/>
+                  </a:ext>
+                </a:extLst>
               </a:tr>
             </a:tbl>
           </a:graphicData>
@@ -40964,7 +40841,7 @@
                 </a:spcAft>
               </a:pPr>
               <a:r>
-                <a:rPr lang="zh-CN" altLang="en-US" sz="2500" b="1" smtClean="0">
+                <a:rPr lang="zh-CN" altLang="en-US" sz="2500" b="1">
                   <a:solidFill>
                     <a:srgbClr val="FFFF00"/>
                   </a:solidFill>
@@ -40986,7 +40863,7 @@
         </p:nvSpPr>
         <p:spPr bwMode="auto">
           <a:xfrm>
-            <a:off x="5104606" y="2203702"/>
+            <a:off x="5276354" y="2288043"/>
             <a:ext cx="1322388" cy="523220"/>
           </a:xfrm>
           <a:prstGeom prst="rect">
@@ -41137,7 +41014,7 @@
               </a:spcAft>
             </a:pPr>
             <a:r>
-              <a:rPr lang="zh-CN" altLang="en-US" sz="2800" b="1" dirty="0" smtClean="0">
+              <a:rPr lang="zh-CN" altLang="en-US" sz="2800" b="1" dirty="0">
                 <a:solidFill>
                   <a:srgbClr val="C00000"/>
                 </a:solidFill>
@@ -41157,7 +41034,7 @@
         </p:nvSpPr>
         <p:spPr bwMode="auto">
           <a:xfrm>
-            <a:off x="5535613" y="1676400"/>
+            <a:off x="5652120" y="1746502"/>
             <a:ext cx="1322387" cy="523875"/>
           </a:xfrm>
           <a:prstGeom prst="rect">
@@ -41308,7 +41185,7 @@
               </a:spcAft>
             </a:pPr>
             <a:r>
-              <a:rPr lang="zh-CN" altLang="en-US" sz="2800" b="1" smtClean="0">
+              <a:rPr lang="zh-CN" altLang="en-US" sz="2800" b="1" dirty="0">
                 <a:solidFill>
                   <a:srgbClr val="C00000"/>
                 </a:solidFill>
@@ -41479,7 +41356,7 @@
               </a:spcAft>
             </a:pPr>
             <a:r>
-              <a:rPr lang="zh-CN" altLang="en-US" sz="2800" b="1" smtClean="0">
+              <a:rPr lang="zh-CN" altLang="en-US" sz="2800" b="1">
                 <a:solidFill>
                   <a:srgbClr val="C00000"/>
                 </a:solidFill>
@@ -41650,7 +41527,7 @@
               </a:spcAft>
             </a:pPr>
             <a:r>
-              <a:rPr lang="zh-CN" altLang="en-US" sz="2800" b="1" dirty="0" smtClean="0">
+              <a:rPr lang="zh-CN" altLang="en-US" sz="2800" b="1" dirty="0">
                 <a:solidFill>
                   <a:srgbClr val="C00000"/>
                 </a:solidFill>
@@ -41821,7 +41698,7 @@
               </a:spcAft>
             </a:pPr>
             <a:r>
-              <a:rPr lang="zh-CN" altLang="en-US" sz="2800" b="1" smtClean="0">
+              <a:rPr lang="zh-CN" altLang="en-US" sz="2800" b="1">
                 <a:solidFill>
                   <a:srgbClr val="C00000"/>
                 </a:solidFill>
@@ -41841,7 +41718,7 @@
         </p:nvSpPr>
         <p:spPr bwMode="auto">
           <a:xfrm>
-            <a:off x="5164138" y="4867275"/>
+            <a:off x="5276354" y="4735512"/>
             <a:ext cx="1322387" cy="522288"/>
           </a:xfrm>
           <a:prstGeom prst="rect">
@@ -41992,7 +41869,7 @@
               </a:spcAft>
             </a:pPr>
             <a:r>
-              <a:rPr lang="zh-CN" altLang="en-US" sz="2800" b="1" smtClean="0">
+              <a:rPr lang="zh-CN" altLang="en-US" sz="2800" b="1" dirty="0">
                 <a:solidFill>
                   <a:srgbClr val="C00000"/>
                 </a:solidFill>
@@ -42673,7 +42550,7 @@
                 </a:spcAft>
               </a:pPr>
               <a:r>
-                <a:rPr lang="zh-CN" altLang="en-US" sz="2500" b="1" smtClean="0">
+                <a:rPr lang="zh-CN" altLang="en-US" sz="2500" b="1">
                   <a:solidFill>
                     <a:srgbClr val="FFFF00"/>
                   </a:solidFill>
@@ -42702,10 +42579,34 @@
             <a:tbl>
               <a:tblPr/>
               <a:tblGrid>
-                <a:gridCol w="1763713"/>
-                <a:gridCol w="1900237"/>
-                <a:gridCol w="2438400"/>
-                <a:gridCol w="1900238"/>
+                <a:gridCol w="1763713">
+                  <a:extLst>
+                    <a:ext uri="{9D8B030D-6E8A-4147-A177-3AD203B41FA5}">
+                      <a16:colId xmlns:a16="http://schemas.microsoft.com/office/drawing/2014/main" val="20000"/>
+                    </a:ext>
+                  </a:extLst>
+                </a:gridCol>
+                <a:gridCol w="1900237">
+                  <a:extLst>
+                    <a:ext uri="{9D8B030D-6E8A-4147-A177-3AD203B41FA5}">
+                      <a16:colId xmlns:a16="http://schemas.microsoft.com/office/drawing/2014/main" val="20001"/>
+                    </a:ext>
+                  </a:extLst>
+                </a:gridCol>
+                <a:gridCol w="2438400">
+                  <a:extLst>
+                    <a:ext uri="{9D8B030D-6E8A-4147-A177-3AD203B41FA5}">
+                      <a16:colId xmlns:a16="http://schemas.microsoft.com/office/drawing/2014/main" val="20002"/>
+                    </a:ext>
+                  </a:extLst>
+                </a:gridCol>
+                <a:gridCol w="1900238">
+                  <a:extLst>
+                    <a:ext uri="{9D8B030D-6E8A-4147-A177-3AD203B41FA5}">
+                      <a16:colId xmlns:a16="http://schemas.microsoft.com/office/drawing/2014/main" val="20003"/>
+                    </a:ext>
+                  </a:extLst>
+                </a:gridCol>
               </a:tblGrid>
               <a:tr h="723900">
                 <a:tc>
@@ -42730,7 +42631,7 @@
                         <a:tabLst/>
                       </a:pPr>
                       <a:r>
-                        <a:rPr kumimoji="0" lang="zh-CN" altLang="en-US" sz="2400" b="1" i="0" u="none" strike="noStrike" cap="none" normalizeH="0" baseline="0" dirty="0" smtClean="0">
+                        <a:rPr kumimoji="0" lang="zh-CN" altLang="en-US" sz="2400" b="1" i="0" u="none" strike="noStrike" cap="none" normalizeH="0" baseline="0" dirty="0">
                           <a:ln>
                             <a:noFill/>
                           </a:ln>
@@ -42815,7 +42716,7 @@
                         <a:tabLst/>
                       </a:pPr>
                       <a:r>
-                        <a:rPr kumimoji="0" lang="zh-CN" altLang="en-US" sz="2400" b="1" i="0" u="none" strike="noStrike" cap="none" normalizeH="0" baseline="0" smtClean="0">
+                        <a:rPr kumimoji="0" lang="zh-CN" altLang="en-US" sz="2400" b="1" i="0" u="none" strike="noStrike" cap="none" normalizeH="0" baseline="0">
                           <a:ln>
                             <a:noFill/>
                           </a:ln>
@@ -42900,7 +42801,7 @@
                         <a:tabLst/>
                       </a:pPr>
                       <a:r>
-                        <a:rPr kumimoji="0" lang="zh-CN" altLang="en-US" sz="2400" b="1" i="0" u="none" strike="noStrike" cap="none" normalizeH="0" baseline="0" smtClean="0">
+                        <a:rPr kumimoji="0" lang="zh-CN" altLang="en-US" sz="2400" b="1" i="0" u="none" strike="noStrike" cap="none" normalizeH="0" baseline="0">
                           <a:ln>
                             <a:noFill/>
                           </a:ln>
@@ -42985,7 +42886,7 @@
                         <a:tabLst/>
                       </a:pPr>
                       <a:r>
-                        <a:rPr kumimoji="0" lang="zh-CN" altLang="en-US" sz="2400" b="1" i="0" u="none" strike="noStrike" cap="none" normalizeH="0" baseline="0" smtClean="0">
+                        <a:rPr kumimoji="0" lang="zh-CN" altLang="en-US" sz="2400" b="1" i="0" u="none" strike="noStrike" cap="none" normalizeH="0" baseline="0">
                           <a:ln>
                             <a:noFill/>
                           </a:ln>
@@ -43048,6 +42949,11 @@
                     </a:solidFill>
                   </a:tcPr>
                 </a:tc>
+                <a:extLst>
+                  <a:ext uri="{0D108BD9-81ED-4DB2-BD59-A6C34878D82A}">
+                    <a16:rowId xmlns:a16="http://schemas.microsoft.com/office/drawing/2014/main" val="10000"/>
+                  </a:ext>
+                </a:extLst>
               </a:tr>
               <a:tr h="1416050">
                 <a:tc>
@@ -43072,7 +42978,7 @@
                         <a:tabLst/>
                       </a:pPr>
                       <a:r>
-                        <a:rPr kumimoji="0" lang="zh-CN" altLang="en-US" sz="2400" b="1" i="0" u="none" strike="noStrike" cap="none" normalizeH="0" baseline="0" smtClean="0">
+                        <a:rPr kumimoji="0" lang="zh-CN" altLang="en-US" sz="2400" b="1" i="0" u="none" strike="noStrike" cap="none" normalizeH="0" baseline="0">
                           <a:ln>
                             <a:noFill/>
                           </a:ln>
@@ -43158,7 +43064,7 @@
                         <a:buNone/>
                         <a:tabLst/>
                       </a:pPr>
-                      <a:endParaRPr kumimoji="0" lang="zh-CN" altLang="zh-CN" sz="2400" b="1" i="0" u="none" strike="noStrike" cap="none" normalizeH="0" baseline="0" dirty="0" smtClean="0">
+                      <a:endParaRPr kumimoji="0" lang="zh-CN" altLang="zh-CN" sz="2400" b="1" i="0" u="none" strike="noStrike" cap="none" normalizeH="0" baseline="0" dirty="0">
                         <a:ln>
                           <a:noFill/>
                         </a:ln>
@@ -43238,7 +43144,7 @@
                         <a:buNone/>
                         <a:tabLst/>
                       </a:pPr>
-                      <a:endParaRPr kumimoji="0" lang="zh-CN" altLang="zh-CN" sz="2400" b="1" i="0" u="none" strike="noStrike" cap="none" normalizeH="0" baseline="0" dirty="0" smtClean="0">
+                      <a:endParaRPr kumimoji="0" lang="zh-CN" altLang="zh-CN" sz="2400" b="1" i="0" u="none" strike="noStrike" cap="none" normalizeH="0" baseline="0" dirty="0">
                         <a:ln>
                           <a:noFill/>
                         </a:ln>
@@ -43318,7 +43224,7 @@
                         <a:buNone/>
                         <a:tabLst/>
                       </a:pPr>
-                      <a:endParaRPr kumimoji="0" lang="zh-CN" altLang="zh-CN" sz="2400" b="1" i="0" u="none" strike="noStrike" cap="none" normalizeH="0" baseline="0" dirty="0" smtClean="0">
+                      <a:endParaRPr kumimoji="0" lang="zh-CN" altLang="zh-CN" sz="2400" b="1" i="0" u="none" strike="noStrike" cap="none" normalizeH="0" baseline="0" dirty="0">
                         <a:ln>
                           <a:noFill/>
                         </a:ln>
@@ -43377,6 +43283,11 @@
                     <a:noFill/>
                   </a:tcPr>
                 </a:tc>
+                <a:extLst>
+                  <a:ext uri="{0D108BD9-81ED-4DB2-BD59-A6C34878D82A}">
+                    <a16:rowId xmlns:a16="http://schemas.microsoft.com/office/drawing/2014/main" val="10001"/>
+                  </a:ext>
+                </a:extLst>
               </a:tr>
               <a:tr h="1417638">
                 <a:tc>
@@ -43401,7 +43312,7 @@
                         <a:tabLst/>
                       </a:pPr>
                       <a:r>
-                        <a:rPr kumimoji="0" lang="zh-CN" altLang="en-US" sz="2400" b="1" i="0" u="none" strike="noStrike" cap="none" normalizeH="0" baseline="0" dirty="0" smtClean="0">
+                        <a:rPr kumimoji="0" lang="zh-CN" altLang="en-US" sz="2400" b="1" i="0" u="none" strike="noStrike" cap="none" normalizeH="0" baseline="0" dirty="0">
                           <a:ln>
                             <a:noFill/>
                           </a:ln>
@@ -43487,7 +43398,7 @@
                         <a:buNone/>
                         <a:tabLst/>
                       </a:pPr>
-                      <a:endParaRPr kumimoji="0" lang="zh-CN" altLang="zh-CN" sz="2400" b="1" i="0" u="none" strike="noStrike" cap="none" normalizeH="0" baseline="0" dirty="0" smtClean="0">
+                      <a:endParaRPr kumimoji="0" lang="zh-CN" altLang="zh-CN" sz="2400" b="1" i="0" u="none" strike="noStrike" cap="none" normalizeH="0" baseline="0" dirty="0">
                         <a:ln>
                           <a:noFill/>
                         </a:ln>
@@ -43567,7 +43478,7 @@
                         <a:buNone/>
                         <a:tabLst/>
                       </a:pPr>
-                      <a:endParaRPr kumimoji="0" lang="zh-CN" altLang="zh-CN" sz="2400" b="1" i="0" u="none" strike="noStrike" cap="none" normalizeH="0" baseline="0" dirty="0" smtClean="0">
+                      <a:endParaRPr kumimoji="0" lang="zh-CN" altLang="zh-CN" sz="2400" b="1" i="0" u="none" strike="noStrike" cap="none" normalizeH="0" baseline="0" dirty="0">
                         <a:ln>
                           <a:noFill/>
                         </a:ln>
@@ -43647,7 +43558,7 @@
                         <a:buNone/>
                         <a:tabLst/>
                       </a:pPr>
-                      <a:endParaRPr kumimoji="0" lang="zh-CN" altLang="zh-CN" sz="2400" b="1" i="0" u="none" strike="noStrike" cap="none" normalizeH="0" baseline="0" dirty="0" smtClean="0">
+                      <a:endParaRPr kumimoji="0" lang="zh-CN" altLang="zh-CN" sz="2400" b="1" i="0" u="none" strike="noStrike" cap="none" normalizeH="0" baseline="0" dirty="0">
                         <a:ln>
                           <a:noFill/>
                         </a:ln>
@@ -43706,6 +43617,11 @@
                     <a:noFill/>
                   </a:tcPr>
                 </a:tc>
+                <a:extLst>
+                  <a:ext uri="{0D108BD9-81ED-4DB2-BD59-A6C34878D82A}">
+                    <a16:rowId xmlns:a16="http://schemas.microsoft.com/office/drawing/2014/main" val="10002"/>
+                  </a:ext>
+                </a:extLst>
               </a:tr>
             </a:tbl>
           </a:graphicData>
@@ -43872,7 +43788,7 @@
               </a:spcAft>
             </a:pPr>
             <a:r>
-              <a:rPr lang="zh-CN" altLang="en-US" sz="2800" b="1" smtClean="0">
+              <a:rPr lang="zh-CN" altLang="en-US" sz="2800" b="1">
                 <a:solidFill>
                   <a:prstClr val="black"/>
                 </a:solidFill>
@@ -44043,7 +43959,7 @@
               </a:spcAft>
             </a:pPr>
             <a:r>
-              <a:rPr lang="zh-CN" altLang="en-US" sz="2800" b="1" smtClean="0">
+              <a:rPr lang="zh-CN" altLang="en-US" sz="2800" b="1">
                 <a:solidFill>
                   <a:srgbClr val="C00000"/>
                 </a:solidFill>
@@ -44214,7 +44130,7 @@
               </a:spcAft>
             </a:pPr>
             <a:r>
-              <a:rPr lang="zh-CN" altLang="en-US" sz="2800" b="1" smtClean="0">
+              <a:rPr lang="zh-CN" altLang="en-US" sz="2800" b="1">
                 <a:solidFill>
                   <a:prstClr val="black"/>
                 </a:solidFill>
@@ -44385,7 +44301,7 @@
               </a:spcAft>
             </a:pPr>
             <a:r>
-              <a:rPr lang="zh-CN" altLang="en-US" sz="2800" b="1" smtClean="0">
+              <a:rPr lang="zh-CN" altLang="en-US" sz="2800" b="1">
                 <a:solidFill>
                   <a:srgbClr val="C00000"/>
                 </a:solidFill>
@@ -44556,7 +44472,7 @@
               </a:spcAft>
             </a:pPr>
             <a:r>
-              <a:rPr lang="zh-CN" altLang="en-US" sz="2800" b="1" smtClean="0">
+              <a:rPr lang="zh-CN" altLang="en-US" sz="2800" b="1">
                 <a:solidFill>
                   <a:srgbClr val="C00000"/>
                 </a:solidFill>
@@ -44727,7 +44643,7 @@
               </a:spcAft>
             </a:pPr>
             <a:r>
-              <a:rPr lang="zh-CN" altLang="en-US" sz="2800" b="1" dirty="0" smtClean="0">
+              <a:rPr lang="zh-CN" altLang="en-US" sz="2800" b="1" dirty="0">
                 <a:solidFill>
                   <a:prstClr val="black"/>
                 </a:solidFill>
@@ -45340,7 +45256,7 @@
               </a:spcAft>
             </a:pPr>
             <a:r>
-              <a:rPr lang="en-US" altLang="zh-CN" sz="2600" b="1" smtClean="0">
+              <a:rPr lang="en-US" altLang="zh-CN" sz="2600" b="1">
                 <a:solidFill>
                   <a:prstClr val="black"/>
                 </a:solidFill>
@@ -45349,7 +45265,7 @@
               <a:t>       </a:t>
             </a:r>
             <a:r>
-              <a:rPr lang="zh-CN" altLang="en-US" sz="2600" b="1" smtClean="0">
+              <a:rPr lang="zh-CN" altLang="en-US" sz="2600" b="1">
                 <a:solidFill>
                   <a:prstClr val="black"/>
                 </a:solidFill>
@@ -45358,7 +45274,7 @@
               <a:t>读图，根据描述在图中找一找。在美洲有这样一个地方，它是联结南、北美大陆的天然“陆桥”</a:t>
             </a:r>
             <a:r>
-              <a:rPr lang="en-US" altLang="zh-CN" sz="2600" b="1" smtClean="0">
+              <a:rPr lang="en-US" altLang="zh-CN" sz="2600" b="1">
                 <a:solidFill>
                   <a:prstClr val="black"/>
                 </a:solidFill>
@@ -45367,7 +45283,7 @@
               <a:t>,</a:t>
             </a:r>
             <a:r>
-              <a:rPr lang="zh-CN" altLang="en-US" sz="2600" b="1" smtClean="0">
+              <a:rPr lang="zh-CN" altLang="en-US" sz="2600" b="1">
                 <a:solidFill>
                   <a:prstClr val="black"/>
                 </a:solidFill>
@@ -45375,7 +45291,7 @@
               </a:rPr>
               <a:t>又被称为中美洲。它是</a:t>
             </a:r>
-            <a:endParaRPr lang="en-US" altLang="zh-CN" sz="2600" b="1" smtClean="0">
+            <a:endParaRPr lang="en-US" altLang="zh-CN" sz="2600" b="1">
               <a:solidFill>
                 <a:prstClr val="black"/>
               </a:solidFill>
@@ -45395,7 +45311,7 @@
               </a:spcAft>
             </a:pPr>
             <a:r>
-              <a:rPr lang="zh-CN" altLang="en-US" sz="2600" b="1" smtClean="0">
+              <a:rPr lang="zh-CN" altLang="en-US" sz="2600" b="1">
                 <a:solidFill>
                   <a:prstClr val="black"/>
                 </a:solidFill>
@@ -45404,7 +45320,7 @@
               <a:t>指</a:t>
             </a:r>
             <a:r>
-              <a:rPr lang="en-US" altLang="zh-CN" sz="2600" b="1" u="sng" smtClean="0">
+              <a:rPr lang="en-US" altLang="zh-CN" sz="2600" b="1" u="sng">
                 <a:solidFill>
                   <a:prstClr val="black"/>
                 </a:solidFill>
@@ -45413,7 +45329,7 @@
               <a:t>           </a:t>
             </a:r>
             <a:r>
-              <a:rPr lang="zh-CN" altLang="en-US" sz="2600" b="1" smtClean="0">
+              <a:rPr lang="zh-CN" altLang="en-US" sz="2600" b="1">
                 <a:solidFill>
                   <a:prstClr val="black"/>
                 </a:solidFill>
@@ -45422,7 +45338,7 @@
               <a:t>以南、</a:t>
             </a:r>
             <a:r>
-              <a:rPr lang="zh-CN" altLang="en-US" sz="2600" b="1" u="sng" smtClean="0">
+              <a:rPr lang="zh-CN" altLang="en-US" sz="2600" b="1" u="sng">
                 <a:solidFill>
                   <a:prstClr val="black"/>
                 </a:solidFill>
@@ -45431,7 +45347,7 @@
               <a:t>                </a:t>
             </a:r>
             <a:r>
-              <a:rPr lang="zh-CN" altLang="en-US" sz="2600" b="1" smtClean="0">
+              <a:rPr lang="zh-CN" altLang="en-US" sz="2600" b="1">
                 <a:solidFill>
                   <a:prstClr val="black"/>
                 </a:solidFill>
@@ -45440,7 +45356,7 @@
               <a:t>以北的狭长陆地</a:t>
             </a:r>
             <a:r>
-              <a:rPr lang="en-US" altLang="zh-CN" sz="2600" b="1" smtClean="0">
+              <a:rPr lang="en-US" altLang="zh-CN" sz="2600" b="1">
                 <a:solidFill>
                   <a:prstClr val="black"/>
                 </a:solidFill>
@@ -45449,7 +45365,7 @@
               <a:t>,</a:t>
             </a:r>
             <a:r>
-              <a:rPr lang="zh-CN" altLang="en-US" sz="2600" b="1" smtClean="0">
+              <a:rPr lang="zh-CN" altLang="en-US" sz="2600" b="1">
                 <a:solidFill>
                   <a:prstClr val="black"/>
                 </a:solidFill>
@@ -45458,7 +45374,7 @@
               <a:t>被称为</a:t>
             </a:r>
             <a:r>
-              <a:rPr lang="zh-CN" altLang="en-US" sz="2600" b="1" smtClean="0">
+              <a:rPr lang="zh-CN" altLang="en-US" sz="2600" b="1">
                 <a:solidFill>
                   <a:srgbClr val="FF0000"/>
                 </a:solidFill>
@@ -45467,7 +45383,7 @@
               <a:t>中美地峡</a:t>
             </a:r>
             <a:r>
-              <a:rPr lang="zh-CN" altLang="en-US" sz="2600" b="1" smtClean="0">
+              <a:rPr lang="zh-CN" altLang="en-US" sz="2600" b="1">
                 <a:solidFill>
                   <a:prstClr val="black"/>
                 </a:solidFill>
@@ -45489,7 +45405,7 @@
               </a:spcAft>
             </a:pPr>
             <a:r>
-              <a:rPr lang="zh-CN" altLang="en-US" sz="2600" b="1" smtClean="0">
+              <a:rPr lang="zh-CN" altLang="en-US" sz="2600" b="1">
                 <a:solidFill>
                   <a:prstClr val="black"/>
                 </a:solidFill>
@@ -45498,7 +45414,7 @@
               <a:t>       在美洲地区人们将</a:t>
             </a:r>
             <a:r>
-              <a:rPr lang="zh-CN" altLang="en-US" sz="2600" b="1" u="sng" smtClean="0">
+              <a:rPr lang="zh-CN" altLang="en-US" sz="2600" b="1" u="sng">
                 <a:solidFill>
                   <a:prstClr val="black"/>
                 </a:solidFill>
@@ -45507,7 +45423,7 @@
               <a:t>          </a:t>
             </a:r>
             <a:r>
-              <a:rPr lang="zh-CN" altLang="en-US" sz="2600" b="1" smtClean="0">
+              <a:rPr lang="zh-CN" altLang="en-US" sz="2600" b="1">
                 <a:solidFill>
                   <a:prstClr val="black"/>
                 </a:solidFill>
@@ -45516,7 +45432,7 @@
               <a:t>以南的美洲部分称为</a:t>
             </a:r>
             <a:r>
-              <a:rPr lang="zh-CN" altLang="en-US" sz="2600" b="1" smtClean="0">
+              <a:rPr lang="zh-CN" altLang="en-US" sz="2600" b="1">
                 <a:solidFill>
                   <a:srgbClr val="FF0000"/>
                 </a:solidFill>
@@ -45525,7 +45441,7 @@
               <a:t>拉丁美洲</a:t>
             </a:r>
             <a:r>
-              <a:rPr lang="zh-CN" altLang="en-US" sz="2600" b="1" smtClean="0">
+              <a:rPr lang="zh-CN" altLang="en-US" sz="2600" b="1">
                 <a:solidFill>
                   <a:prstClr val="black"/>
                 </a:solidFill>
@@ -45583,7 +45499,7 @@
                 <a:spcPct val="0"/>
               </a:spcAft>
             </a:pPr>
-            <a:endParaRPr lang="zh-CN" altLang="en-US" smtClean="0">
+            <a:endParaRPr lang="zh-CN" altLang="en-US">
               <a:solidFill>
                 <a:prstClr val="black"/>
               </a:solidFill>
@@ -45638,7 +45554,7 @@
                 <a:spcPct val="0"/>
               </a:spcAft>
             </a:pPr>
-            <a:endParaRPr lang="zh-CN" altLang="en-US" smtClean="0">
+            <a:endParaRPr lang="zh-CN" altLang="en-US">
               <a:solidFill>
                 <a:prstClr val="black"/>
               </a:solidFill>
@@ -45696,7 +45612,7 @@
                 <a:spcPct val="0"/>
               </a:spcAft>
             </a:pPr>
-            <a:endParaRPr lang="zh-CN" altLang="en-US" smtClean="0">
+            <a:endParaRPr lang="zh-CN" altLang="en-US">
               <a:solidFill>
                 <a:prstClr val="black"/>
               </a:solidFill>
@@ -45751,7 +45667,7 @@
                 <a:spcPct val="0"/>
               </a:spcAft>
             </a:pPr>
-            <a:endParaRPr lang="zh-CN" altLang="en-US" smtClean="0">
+            <a:endParaRPr lang="zh-CN" altLang="en-US">
               <a:solidFill>
                 <a:prstClr val="black"/>
               </a:solidFill>
@@ -45992,7 +45908,7 @@
                 </a:spcAft>
               </a:pPr>
               <a:r>
-                <a:rPr lang="zh-CN" altLang="en-US" sz="2500" b="1" smtClean="0">
+                <a:rPr lang="zh-CN" altLang="en-US" sz="2500" b="1">
                   <a:solidFill>
                     <a:srgbClr val="FFFF00"/>
                   </a:solidFill>
@@ -46165,7 +46081,7 @@
               </a:spcAft>
             </a:pPr>
             <a:r>
-              <a:rPr lang="zh-CN" altLang="en-US" sz="2800" b="1" dirty="0" smtClean="0">
+              <a:rPr lang="zh-CN" altLang="en-US" sz="2800" b="1" dirty="0">
                 <a:solidFill>
                   <a:srgbClr val="C00000"/>
                 </a:solidFill>
@@ -46336,7 +46252,7 @@
               </a:spcAft>
             </a:pPr>
             <a:r>
-              <a:rPr lang="zh-CN" altLang="en-US" sz="2800" b="1" dirty="0" smtClean="0">
+              <a:rPr lang="zh-CN" altLang="en-US" sz="2800" b="1" dirty="0">
                 <a:solidFill>
                   <a:srgbClr val="C00000"/>
                 </a:solidFill>
@@ -46507,7 +46423,7 @@
               </a:spcAft>
             </a:pPr>
             <a:r>
-              <a:rPr lang="zh-CN" altLang="en-US" sz="2800" b="1" dirty="0" smtClean="0">
+              <a:rPr lang="zh-CN" altLang="en-US" sz="2800" b="1" dirty="0">
                 <a:solidFill>
                   <a:srgbClr val="C00000"/>
                 </a:solidFill>
@@ -47057,7 +46973,7 @@
                 <a:spcPct val="0"/>
               </a:spcAft>
             </a:pPr>
-            <a:endParaRPr lang="zh-CN" altLang="zh-CN" smtClean="0">
+            <a:endParaRPr lang="zh-CN" altLang="zh-CN">
               <a:solidFill>
                 <a:prstClr val="black"/>
               </a:solidFill>
@@ -47248,7 +47164,7 @@
                   <a:spcPct val="0"/>
                 </a:spcAft>
               </a:pPr>
-              <a:endParaRPr lang="zh-CN" altLang="en-US" smtClean="0">
+              <a:endParaRPr lang="zh-CN" altLang="en-US">
                 <a:solidFill>
                   <a:prstClr val="black"/>
                 </a:solidFill>
@@ -47313,7 +47229,7 @@
                   <a:spcPct val="0"/>
                 </a:spcAft>
               </a:pPr>
-              <a:endParaRPr lang="zh-CN" altLang="en-US" smtClean="0">
+              <a:endParaRPr lang="zh-CN" altLang="en-US">
                 <a:solidFill>
                   <a:prstClr val="black"/>
                 </a:solidFill>
@@ -47560,7 +47476,7 @@
                 </a:spcAft>
               </a:pPr>
               <a:r>
-                <a:rPr lang="zh-CN" altLang="en-US" sz="3600" smtClean="0">
+                <a:rPr lang="zh-CN" altLang="en-US" sz="3600">
                   <a:solidFill>
                     <a:prstClr val="black"/>
                   </a:solidFill>
@@ -47802,7 +47718,7 @@
                 </a:spcAft>
               </a:pPr>
               <a:r>
-                <a:rPr lang="zh-CN" altLang="en-US" sz="2500" b="1" smtClean="0">
+                <a:rPr lang="zh-CN" altLang="en-US" sz="2500" b="1">
                   <a:solidFill>
                     <a:srgbClr val="FFFF00"/>
                   </a:solidFill>
@@ -47975,7 +47891,7 @@
               </a:spcAft>
             </a:pPr>
             <a:r>
-              <a:rPr lang="zh-CN" altLang="en-US" sz="2000" b="1" smtClean="0">
+              <a:rPr lang="zh-CN" altLang="en-US" sz="2000" b="1">
                 <a:solidFill>
                   <a:prstClr val="black"/>
                 </a:solidFill>
@@ -48146,7 +48062,7 @@
               </a:spcAft>
             </a:pPr>
             <a:r>
-              <a:rPr lang="zh-CN" altLang="en-US" sz="2000" b="1" smtClean="0">
+              <a:rPr lang="zh-CN" altLang="en-US" sz="2000" b="1">
                 <a:solidFill>
                   <a:prstClr val="black"/>
                 </a:solidFill>
